--- a/Project Vanguard.pptx
+++ b/Project Vanguard.pptx
@@ -1,48 +1,48 @@
 
 <file path=ppt/presentation.xml><?xml version="1.0" encoding="utf-8"?>
-<p:presentation xmlns:a="http://schemas.openxmlformats.org/drawingml/2006/main" xmlns:r="http://schemas.openxmlformats.org/officeDocument/2006/relationships" xmlns:mc="http://schemas.openxmlformats.org/markup-compatibility/2006" xmlns:mv="urn:schemas-microsoft-com:mac:vml" xmlns:p="http://schemas.openxmlformats.org/presentationml/2006/main" xmlns:c="http://schemas.openxmlformats.org/drawingml/2006/chart" xmlns:dgm="http://schemas.openxmlformats.org/drawingml/2006/diagram" xmlns:o="urn:schemas-microsoft-com:office:office" xmlns:v="urn:schemas-microsoft-com:vml" xmlns:pvml="urn:schemas-microsoft-com:office:powerpoint" xmlns:com="http://schemas.openxmlformats.org/drawingml/2006/compatibility" xmlns:p14="http://schemas.microsoft.com/office/powerpoint/2010/main" xmlns:p15="http://schemas.microsoft.com/office/powerpoint/2012/main" xmlns:ahyp="http://schemas.microsoft.com/office/drawing/2018/hyperlinkcolor" autoCompressPictures="0" embedTrueTypeFonts="1" strictFirstAndLastChars="0" saveSubsetFonts="1">
+<p:presentation xmlns:a="http://schemas.openxmlformats.org/drawingml/2006/main" xmlns:r="http://schemas.openxmlformats.org/officeDocument/2006/relationships" xmlns:p="http://schemas.openxmlformats.org/presentationml/2006/main" strictFirstAndLastChars="0" embedTrueTypeFonts="1" saveSubsetFonts="1" autoCompressPictures="0">
   <p:sldMasterIdLst>
-    <p:sldMasterId id="2147483659" r:id="rId4"/>
+    <p:sldMasterId id="2147483659" r:id="rId1"/>
   </p:sldMasterIdLst>
   <p:notesMasterIdLst>
-    <p:notesMasterId r:id="rId5"/>
+    <p:notesMasterId r:id="rId11"/>
   </p:notesMasterIdLst>
   <p:sldIdLst>
-    <p:sldId id="256" r:id="rId6"/>
-    <p:sldId id="257" r:id="rId7"/>
-    <p:sldId id="258" r:id="rId8"/>
-    <p:sldId id="259" r:id="rId9"/>
-    <p:sldId id="260" r:id="rId10"/>
-    <p:sldId id="261" r:id="rId11"/>
-    <p:sldId id="262" r:id="rId12"/>
-    <p:sldId id="263" r:id="rId13"/>
-    <p:sldId id="264" r:id="rId14"/>
+    <p:sldId id="256" r:id="rId2"/>
+    <p:sldId id="257" r:id="rId3"/>
+    <p:sldId id="258" r:id="rId4"/>
+    <p:sldId id="259" r:id="rId5"/>
+    <p:sldId id="260" r:id="rId6"/>
+    <p:sldId id="261" r:id="rId7"/>
+    <p:sldId id="262" r:id="rId8"/>
+    <p:sldId id="263" r:id="rId9"/>
+    <p:sldId id="264" r:id="rId10"/>
   </p:sldIdLst>
-  <p:sldSz cy="5143500" cx="9144000"/>
+  <p:sldSz cx="9144000" cy="5143500" type="screen16x9"/>
   <p:notesSz cx="6858000" cy="9144000"/>
   <p:embeddedFontLst>
     <p:embeddedFont>
-      <p:font typeface="Proxima Nova"/>
-      <p:regular r:id="rId15"/>
-      <p:bold r:id="rId16"/>
-      <p:italic r:id="rId17"/>
-      <p:boldItalic r:id="rId18"/>
+      <p:font typeface="PT Sans Narrow" panose="020B0604020202020204" charset="0"/>
+      <p:regular r:id="rId12"/>
+      <p:bold r:id="rId13"/>
     </p:embeddedFont>
     <p:embeddedFont>
-      <p:font typeface="PT Sans Narrow"/>
-      <p:regular r:id="rId19"/>
-      <p:bold r:id="rId20"/>
+      <p:font typeface="Open Sans" panose="020B0604020202020204" charset="0"/>
+      <p:regular r:id="rId14"/>
+      <p:bold r:id="rId15"/>
+      <p:italic r:id="rId16"/>
+      <p:boldItalic r:id="rId17"/>
     </p:embeddedFont>
     <p:embeddedFont>
-      <p:font typeface="Open Sans"/>
-      <p:regular r:id="rId21"/>
-      <p:bold r:id="rId22"/>
-      <p:italic r:id="rId23"/>
-      <p:boldItalic r:id="rId24"/>
+      <p:font typeface="Proxima Nova" panose="020B0604020202020204" charset="0"/>
+      <p:regular r:id="rId18"/>
+      <p:bold r:id="rId19"/>
+      <p:italic r:id="rId20"/>
+      <p:boldItalic r:id="rId21"/>
     </p:embeddedFont>
   </p:embeddedFontLst>
   <p:defaultTextStyle>
-    <a:defPPr lvl="0" marR="0" rtl="0" algn="l">
+    <a:defPPr marR="0" lvl="0" algn="l" rtl="0">
       <a:lnSpc>
         <a:spcPct val="100000"/>
       </a:lnSpc>
@@ -53,7 +53,7 @@
         <a:spcPts val="0"/>
       </a:spcAft>
     </a:defPPr>
-    <a:lvl1pPr lvl="0" marR="0" rtl="0" algn="l">
+    <a:lvl1pPr marR="0" lvl="0" algn="l" rtl="0">
       <a:lnSpc>
         <a:spcPct val="100000"/>
       </a:lnSpc>
@@ -67,7 +67,7 @@
         <a:srgbClr val="000000"/>
       </a:buClr>
       <a:buFont typeface="Arial"/>
-      <a:defRPr b="0" i="0" sz="1400" u="none" cap="none" strike="noStrike">
+      <a:defRPr sz="1400" b="0" i="0" u="none" strike="noStrike" cap="none">
         <a:solidFill>
           <a:srgbClr val="000000"/>
         </a:solidFill>
@@ -77,7 +77,7 @@
         <a:sym typeface="Arial"/>
       </a:defRPr>
     </a:lvl1pPr>
-    <a:lvl2pPr lvl="1" marR="0" rtl="0" algn="l">
+    <a:lvl2pPr marR="0" lvl="1" algn="l" rtl="0">
       <a:lnSpc>
         <a:spcPct val="100000"/>
       </a:lnSpc>
@@ -91,7 +91,7 @@
         <a:srgbClr val="000000"/>
       </a:buClr>
       <a:buFont typeface="Arial"/>
-      <a:defRPr b="0" i="0" sz="1400" u="none" cap="none" strike="noStrike">
+      <a:defRPr sz="1400" b="0" i="0" u="none" strike="noStrike" cap="none">
         <a:solidFill>
           <a:srgbClr val="000000"/>
         </a:solidFill>
@@ -101,7 +101,7 @@
         <a:sym typeface="Arial"/>
       </a:defRPr>
     </a:lvl2pPr>
-    <a:lvl3pPr lvl="2" marR="0" rtl="0" algn="l">
+    <a:lvl3pPr marR="0" lvl="2" algn="l" rtl="0">
       <a:lnSpc>
         <a:spcPct val="100000"/>
       </a:lnSpc>
@@ -115,7 +115,7 @@
         <a:srgbClr val="000000"/>
       </a:buClr>
       <a:buFont typeface="Arial"/>
-      <a:defRPr b="0" i="0" sz="1400" u="none" cap="none" strike="noStrike">
+      <a:defRPr sz="1400" b="0" i="0" u="none" strike="noStrike" cap="none">
         <a:solidFill>
           <a:srgbClr val="000000"/>
         </a:solidFill>
@@ -125,7 +125,7 @@
         <a:sym typeface="Arial"/>
       </a:defRPr>
     </a:lvl3pPr>
-    <a:lvl4pPr lvl="3" marR="0" rtl="0" algn="l">
+    <a:lvl4pPr marR="0" lvl="3" algn="l" rtl="0">
       <a:lnSpc>
         <a:spcPct val="100000"/>
       </a:lnSpc>
@@ -139,7 +139,7 @@
         <a:srgbClr val="000000"/>
       </a:buClr>
       <a:buFont typeface="Arial"/>
-      <a:defRPr b="0" i="0" sz="1400" u="none" cap="none" strike="noStrike">
+      <a:defRPr sz="1400" b="0" i="0" u="none" strike="noStrike" cap="none">
         <a:solidFill>
           <a:srgbClr val="000000"/>
         </a:solidFill>
@@ -149,7 +149,7 @@
         <a:sym typeface="Arial"/>
       </a:defRPr>
     </a:lvl4pPr>
-    <a:lvl5pPr lvl="4" marR="0" rtl="0" algn="l">
+    <a:lvl5pPr marR="0" lvl="4" algn="l" rtl="0">
       <a:lnSpc>
         <a:spcPct val="100000"/>
       </a:lnSpc>
@@ -163,7 +163,7 @@
         <a:srgbClr val="000000"/>
       </a:buClr>
       <a:buFont typeface="Arial"/>
-      <a:defRPr b="0" i="0" sz="1400" u="none" cap="none" strike="noStrike">
+      <a:defRPr sz="1400" b="0" i="0" u="none" strike="noStrike" cap="none">
         <a:solidFill>
           <a:srgbClr val="000000"/>
         </a:solidFill>
@@ -173,7 +173,7 @@
         <a:sym typeface="Arial"/>
       </a:defRPr>
     </a:lvl5pPr>
-    <a:lvl6pPr lvl="5" marR="0" rtl="0" algn="l">
+    <a:lvl6pPr marR="0" lvl="5" algn="l" rtl="0">
       <a:lnSpc>
         <a:spcPct val="100000"/>
       </a:lnSpc>
@@ -187,7 +187,7 @@
         <a:srgbClr val="000000"/>
       </a:buClr>
       <a:buFont typeface="Arial"/>
-      <a:defRPr b="0" i="0" sz="1400" u="none" cap="none" strike="noStrike">
+      <a:defRPr sz="1400" b="0" i="0" u="none" strike="noStrike" cap="none">
         <a:solidFill>
           <a:srgbClr val="000000"/>
         </a:solidFill>
@@ -197,7 +197,7 @@
         <a:sym typeface="Arial"/>
       </a:defRPr>
     </a:lvl6pPr>
-    <a:lvl7pPr lvl="6" marR="0" rtl="0" algn="l">
+    <a:lvl7pPr marR="0" lvl="6" algn="l" rtl="0">
       <a:lnSpc>
         <a:spcPct val="100000"/>
       </a:lnSpc>
@@ -211,7 +211,7 @@
         <a:srgbClr val="000000"/>
       </a:buClr>
       <a:buFont typeface="Arial"/>
-      <a:defRPr b="0" i="0" sz="1400" u="none" cap="none" strike="noStrike">
+      <a:defRPr sz="1400" b="0" i="0" u="none" strike="noStrike" cap="none">
         <a:solidFill>
           <a:srgbClr val="000000"/>
         </a:solidFill>
@@ -221,7 +221,7 @@
         <a:sym typeface="Arial"/>
       </a:defRPr>
     </a:lvl7pPr>
-    <a:lvl8pPr lvl="7" marR="0" rtl="0" algn="l">
+    <a:lvl8pPr marR="0" lvl="7" algn="l" rtl="0">
       <a:lnSpc>
         <a:spcPct val="100000"/>
       </a:lnSpc>
@@ -235,7 +235,7 @@
         <a:srgbClr val="000000"/>
       </a:buClr>
       <a:buFont typeface="Arial"/>
-      <a:defRPr b="0" i="0" sz="1400" u="none" cap="none" strike="noStrike">
+      <a:defRPr sz="1400" b="0" i="0" u="none" strike="noStrike" cap="none">
         <a:solidFill>
           <a:srgbClr val="000000"/>
         </a:solidFill>
@@ -245,7 +245,7 @@
         <a:sym typeface="Arial"/>
       </a:defRPr>
     </a:lvl8pPr>
-    <a:lvl9pPr lvl="8" marR="0" rtl="0" algn="l">
+    <a:lvl9pPr marR="0" lvl="8" algn="l" rtl="0">
       <a:lnSpc>
         <a:spcPct val="100000"/>
       </a:lnSpc>
@@ -259,7 +259,7 @@
         <a:srgbClr val="000000"/>
       </a:buClr>
       <a:buFont typeface="Arial"/>
-      <a:defRPr b="0" i="0" sz="1400" u="none" cap="none" strike="noStrike">
+      <a:defRPr sz="1400" b="0" i="0" u="none" strike="noStrike" cap="none">
         <a:solidFill>
           <a:srgbClr val="000000"/>
         </a:solidFill>
@@ -272,7 +272,7 @@
   </p:defaultTextStyle>
   <p:extLst>
     <p:ext uri="{EFAFB233-063F-42B5-8137-9DF3F51BA10A}">
-      <p15:sldGuideLst>
+      <p15:sldGuideLst xmlns:ahyp="http://schemas.microsoft.com/office/drawing/2018/hyperlinkcolor" xmlns:p15="http://schemas.microsoft.com/office/powerpoint/2012/main" xmlns:p14="http://schemas.microsoft.com/office/powerpoint/2010/main" xmlns:com="http://schemas.openxmlformats.org/drawingml/2006/compatibility" xmlns:pvml="urn:schemas-microsoft-com:office:powerpoint" xmlns:v="urn:schemas-microsoft-com:vml" xmlns:o="urn:schemas-microsoft-com:office:office" xmlns:dgm="http://schemas.openxmlformats.org/drawingml/2006/diagram" xmlns:c="http://schemas.openxmlformats.org/drawingml/2006/chart" xmlns:mv="urn:schemas-microsoft-com:mac:vml" xmlns:mc="http://schemas.openxmlformats.org/markup-compatibility/2006" xmlns="">
         <p15:guide id="1" orient="horz" pos="1620">
           <p15:clr>
             <a:srgbClr val="747775"/>
@@ -290,11 +290,16 @@
 </file>
 
 <file path=ppt/notesMasters/notesMaster1.xml><?xml version="1.0" encoding="utf-8"?>
-<p:notesMaster xmlns:a="http://schemas.openxmlformats.org/drawingml/2006/main" xmlns:r="http://schemas.openxmlformats.org/officeDocument/2006/relationships" xmlns:mc="http://schemas.openxmlformats.org/markup-compatibility/2006" xmlns:mv="urn:schemas-microsoft-com:mac:vml" xmlns:p="http://schemas.openxmlformats.org/presentationml/2006/main" xmlns:c="http://schemas.openxmlformats.org/drawingml/2006/chart" xmlns:dgm="http://schemas.openxmlformats.org/drawingml/2006/diagram" xmlns:o="urn:schemas-microsoft-com:office:office" xmlns:v="urn:schemas-microsoft-com:vml" xmlns:pvml="urn:schemas-microsoft-com:office:powerpoint" xmlns:com="http://schemas.openxmlformats.org/drawingml/2006/compatibility" xmlns:p14="http://schemas.microsoft.com/office/powerpoint/2010/main" xmlns:p15="http://schemas.microsoft.com/office/powerpoint/2012/main" xmlns:ahyp="http://schemas.microsoft.com/office/drawing/2018/hyperlinkcolor">
+<p:notesMaster xmlns:a="http://schemas.openxmlformats.org/drawingml/2006/main" xmlns:r="http://schemas.openxmlformats.org/officeDocument/2006/relationships" xmlns:p="http://schemas.openxmlformats.org/presentationml/2006/main">
   <p:cSld>
+    <p:bg>
+      <p:bgRef idx="1001">
+        <a:schemeClr val="bg1"/>
+      </p:bgRef>
+    </p:bg>
     <p:spTree>
       <p:nvGrpSpPr>
-        <p:cNvPr id="2" name="Shape 2"/>
+        <p:cNvPr id="1" name="Shape 2"/>
         <p:cNvGrpSpPr/>
         <p:nvPr/>
       </p:nvGrpSpPr>
@@ -309,9 +314,11 @@
       <p:sp>
         <p:nvSpPr>
           <p:cNvPr id="3" name="Google Shape;3;n"/>
-          <p:cNvSpPr/>
+          <p:cNvSpPr>
+            <a:spLocks noGrp="1" noRot="1" noChangeAspect="1"/>
+          </p:cNvSpPr>
           <p:nvPr>
-            <p:ph idx="2" type="sldImg"/>
+            <p:ph type="sldImg" idx="2"/>
           </p:nvPr>
         </p:nvSpPr>
         <p:spPr>
@@ -320,9 +327,13 @@
             <a:ext cx="6096075" cy="3429000"/>
           </a:xfrm>
           <a:custGeom>
-            <a:rect b="b" l="l" r="r" t="t"/>
+            <a:avLst/>
+            <a:gdLst/>
+            <a:ahLst/>
+            <a:cxnLst/>
+            <a:rect l="l" t="t" r="r" b="b"/>
             <a:pathLst>
-              <a:path extrusionOk="0" h="120000" w="120000">
+              <a:path w="120000" h="120000" extrusionOk="0">
                 <a:moveTo>
                   <a:pt x="0" y="0"/>
                 </a:moveTo>
@@ -340,23 +351,25 @@
             </a:pathLst>
           </a:custGeom>
           <a:noFill/>
-          <a:ln cap="flat" cmpd="sng" w="9525">
+          <a:ln w="9525" cap="flat" cmpd="sng">
             <a:solidFill>
               <a:srgbClr val="000000"/>
             </a:solidFill>
             <a:prstDash val="solid"/>
             <a:round/>
-            <a:headEnd len="sm" w="sm" type="none"/>
-            <a:tailEnd len="sm" w="sm" type="none"/>
+            <a:headEnd type="none" w="sm" len="sm"/>
+            <a:tailEnd type="none" w="sm" len="sm"/>
           </a:ln>
         </p:spPr>
       </p:sp>
       <p:sp>
         <p:nvSpPr>
           <p:cNvPr id="4" name="Google Shape;4;n"/>
-          <p:cNvSpPr txBox="1"/>
+          <p:cNvSpPr txBox="1">
+            <a:spLocks noGrp="1"/>
+          </p:cNvSpPr>
           <p:nvPr>
-            <p:ph idx="1" type="body"/>
+            <p:ph type="body" idx="1"/>
           </p:nvPr>
         </p:nvSpPr>
         <p:spPr>
@@ -373,11 +386,11 @@
           </a:ln>
         </p:spPr>
         <p:txBody>
-          <a:bodyPr anchorCtr="0" anchor="t" bIns="91425" lIns="91425" spcFirstLastPara="1" rIns="91425" wrap="square" tIns="91425">
+          <a:bodyPr spcFirstLastPara="1" wrap="square" lIns="91425" tIns="91425" rIns="91425" bIns="91425" anchor="t" anchorCtr="0">
             <a:noAutofit/>
           </a:bodyPr>
           <a:lstStyle>
-            <a:lvl1pPr indent="-298450" lvl="0" marL="457200">
+            <a:lvl1pPr marL="457200" lvl="0" indent="-298450">
               <a:spcBef>
                 <a:spcPts val="0"/>
               </a:spcBef>
@@ -388,7 +401,7 @@
               <a:buChar char="●"/>
               <a:defRPr sz="1100"/>
             </a:lvl1pPr>
-            <a:lvl2pPr indent="-298450" lvl="1" marL="914400">
+            <a:lvl2pPr marL="914400" lvl="1" indent="-298450">
               <a:spcBef>
                 <a:spcPts val="0"/>
               </a:spcBef>
@@ -399,7 +412,7 @@
               <a:buChar char="○"/>
               <a:defRPr sz="1100"/>
             </a:lvl2pPr>
-            <a:lvl3pPr indent="-298450" lvl="2" marL="1371600">
+            <a:lvl3pPr marL="1371600" lvl="2" indent="-298450">
               <a:spcBef>
                 <a:spcPts val="0"/>
               </a:spcBef>
@@ -410,7 +423,7 @@
               <a:buChar char="■"/>
               <a:defRPr sz="1100"/>
             </a:lvl3pPr>
-            <a:lvl4pPr indent="-298450" lvl="3" marL="1828800">
+            <a:lvl4pPr marL="1828800" lvl="3" indent="-298450">
               <a:spcBef>
                 <a:spcPts val="0"/>
               </a:spcBef>
@@ -421,7 +434,7 @@
               <a:buChar char="●"/>
               <a:defRPr sz="1100"/>
             </a:lvl4pPr>
-            <a:lvl5pPr indent="-298450" lvl="4" marL="2286000">
+            <a:lvl5pPr marL="2286000" lvl="4" indent="-298450">
               <a:spcBef>
                 <a:spcPts val="0"/>
               </a:spcBef>
@@ -432,7 +445,7 @@
               <a:buChar char="○"/>
               <a:defRPr sz="1100"/>
             </a:lvl5pPr>
-            <a:lvl6pPr indent="-298450" lvl="5" marL="2743200">
+            <a:lvl6pPr marL="2743200" lvl="5" indent="-298450">
               <a:spcBef>
                 <a:spcPts val="0"/>
               </a:spcBef>
@@ -443,7 +456,7 @@
               <a:buChar char="■"/>
               <a:defRPr sz="1100"/>
             </a:lvl6pPr>
-            <a:lvl7pPr indent="-298450" lvl="6" marL="3200400">
+            <a:lvl7pPr marL="3200400" lvl="6" indent="-298450">
               <a:spcBef>
                 <a:spcPts val="0"/>
               </a:spcBef>
@@ -454,7 +467,7 @@
               <a:buChar char="●"/>
               <a:defRPr sz="1100"/>
             </a:lvl7pPr>
-            <a:lvl8pPr indent="-298450" lvl="7" marL="3657600">
+            <a:lvl8pPr marL="3657600" lvl="7" indent="-298450">
               <a:spcBef>
                 <a:spcPts val="0"/>
               </a:spcBef>
@@ -465,7 +478,7 @@
               <a:buChar char="○"/>
               <a:defRPr sz="1100"/>
             </a:lvl8pPr>
-            <a:lvl9pPr indent="-298450" lvl="8" marL="4114800">
+            <a:lvl9pPr marL="4114800" lvl="8" indent="-298450">
               <a:spcBef>
                 <a:spcPts val="0"/>
               </a:spcBef>
@@ -477,14 +490,21 @@
               <a:defRPr sz="1100"/>
             </a:lvl9pPr>
           </a:lstStyle>
-          <a:p/>
+          <a:p>
+            <a:endParaRPr/>
+          </a:p>
         </p:txBody>
       </p:sp>
     </p:spTree>
+    <p:extLst>
+      <p:ext uri="{BB962C8B-B14F-4D97-AF65-F5344CB8AC3E}">
+        <p14:creationId xmlns:p14="http://schemas.microsoft.com/office/powerpoint/2010/main" val="469620923"/>
+      </p:ext>
+    </p:extLst>
   </p:cSld>
-  <p:clrMap accent1="accent1" accent2="accent2" accent3="accent3" accent4="accent4" accent5="accent5" accent6="accent6" bg1="lt1" bg2="dk2" tx1="dk1" tx2="lt2" folHlink="folHlink" hlink="hlink"/>
+  <p:clrMap bg1="lt1" tx1="dk1" bg2="dk2" tx2="lt2" accent1="accent1" accent2="accent2" accent3="accent3" accent4="accent4" accent5="accent5" accent6="accent6" hlink="hlink" folHlink="folHlink"/>
   <p:notesStyle>
-    <a:defPPr lvl="0" marR="0" rtl="0" algn="l">
+    <a:defPPr marR="0" lvl="0" algn="l" rtl="0">
       <a:lnSpc>
         <a:spcPct val="100000"/>
       </a:lnSpc>
@@ -495,7 +515,7 @@
         <a:spcPts val="0"/>
       </a:spcAft>
     </a:defPPr>
-    <a:lvl1pPr lvl="0" marR="0" rtl="0" algn="l">
+    <a:lvl1pPr marR="0" lvl="0" algn="l" rtl="0">
       <a:lnSpc>
         <a:spcPct val="100000"/>
       </a:lnSpc>
@@ -509,7 +529,7 @@
         <a:srgbClr val="000000"/>
       </a:buClr>
       <a:buFont typeface="Arial"/>
-      <a:defRPr b="0" i="0" sz="1400" u="none" cap="none" strike="noStrike">
+      <a:defRPr sz="1400" b="0" i="0" u="none" strike="noStrike" cap="none">
         <a:solidFill>
           <a:srgbClr val="000000"/>
         </a:solidFill>
@@ -519,7 +539,7 @@
         <a:sym typeface="Arial"/>
       </a:defRPr>
     </a:lvl1pPr>
-    <a:lvl2pPr lvl="1" marR="0" rtl="0" algn="l">
+    <a:lvl2pPr marR="0" lvl="1" algn="l" rtl="0">
       <a:lnSpc>
         <a:spcPct val="100000"/>
       </a:lnSpc>
@@ -533,7 +553,7 @@
         <a:srgbClr val="000000"/>
       </a:buClr>
       <a:buFont typeface="Arial"/>
-      <a:defRPr b="0" i="0" sz="1400" u="none" cap="none" strike="noStrike">
+      <a:defRPr sz="1400" b="0" i="0" u="none" strike="noStrike" cap="none">
         <a:solidFill>
           <a:srgbClr val="000000"/>
         </a:solidFill>
@@ -543,7 +563,7 @@
         <a:sym typeface="Arial"/>
       </a:defRPr>
     </a:lvl2pPr>
-    <a:lvl3pPr lvl="2" marR="0" rtl="0" algn="l">
+    <a:lvl3pPr marR="0" lvl="2" algn="l" rtl="0">
       <a:lnSpc>
         <a:spcPct val="100000"/>
       </a:lnSpc>
@@ -557,7 +577,7 @@
         <a:srgbClr val="000000"/>
       </a:buClr>
       <a:buFont typeface="Arial"/>
-      <a:defRPr b="0" i="0" sz="1400" u="none" cap="none" strike="noStrike">
+      <a:defRPr sz="1400" b="0" i="0" u="none" strike="noStrike" cap="none">
         <a:solidFill>
           <a:srgbClr val="000000"/>
         </a:solidFill>
@@ -567,7 +587,7 @@
         <a:sym typeface="Arial"/>
       </a:defRPr>
     </a:lvl3pPr>
-    <a:lvl4pPr lvl="3" marR="0" rtl="0" algn="l">
+    <a:lvl4pPr marR="0" lvl="3" algn="l" rtl="0">
       <a:lnSpc>
         <a:spcPct val="100000"/>
       </a:lnSpc>
@@ -581,7 +601,7 @@
         <a:srgbClr val="000000"/>
       </a:buClr>
       <a:buFont typeface="Arial"/>
-      <a:defRPr b="0" i="0" sz="1400" u="none" cap="none" strike="noStrike">
+      <a:defRPr sz="1400" b="0" i="0" u="none" strike="noStrike" cap="none">
         <a:solidFill>
           <a:srgbClr val="000000"/>
         </a:solidFill>
@@ -591,7 +611,7 @@
         <a:sym typeface="Arial"/>
       </a:defRPr>
     </a:lvl4pPr>
-    <a:lvl5pPr lvl="4" marR="0" rtl="0" algn="l">
+    <a:lvl5pPr marR="0" lvl="4" algn="l" rtl="0">
       <a:lnSpc>
         <a:spcPct val="100000"/>
       </a:lnSpc>
@@ -605,7 +625,7 @@
         <a:srgbClr val="000000"/>
       </a:buClr>
       <a:buFont typeface="Arial"/>
-      <a:defRPr b="0" i="0" sz="1400" u="none" cap="none" strike="noStrike">
+      <a:defRPr sz="1400" b="0" i="0" u="none" strike="noStrike" cap="none">
         <a:solidFill>
           <a:srgbClr val="000000"/>
         </a:solidFill>
@@ -615,7 +635,7 @@
         <a:sym typeface="Arial"/>
       </a:defRPr>
     </a:lvl5pPr>
-    <a:lvl6pPr lvl="5" marR="0" rtl="0" algn="l">
+    <a:lvl6pPr marR="0" lvl="5" algn="l" rtl="0">
       <a:lnSpc>
         <a:spcPct val="100000"/>
       </a:lnSpc>
@@ -629,7 +649,7 @@
         <a:srgbClr val="000000"/>
       </a:buClr>
       <a:buFont typeface="Arial"/>
-      <a:defRPr b="0" i="0" sz="1400" u="none" cap="none" strike="noStrike">
+      <a:defRPr sz="1400" b="0" i="0" u="none" strike="noStrike" cap="none">
         <a:solidFill>
           <a:srgbClr val="000000"/>
         </a:solidFill>
@@ -639,7 +659,7 @@
         <a:sym typeface="Arial"/>
       </a:defRPr>
     </a:lvl6pPr>
-    <a:lvl7pPr lvl="6" marR="0" rtl="0" algn="l">
+    <a:lvl7pPr marR="0" lvl="6" algn="l" rtl="0">
       <a:lnSpc>
         <a:spcPct val="100000"/>
       </a:lnSpc>
@@ -653,7 +673,7 @@
         <a:srgbClr val="000000"/>
       </a:buClr>
       <a:buFont typeface="Arial"/>
-      <a:defRPr b="0" i="0" sz="1400" u="none" cap="none" strike="noStrike">
+      <a:defRPr sz="1400" b="0" i="0" u="none" strike="noStrike" cap="none">
         <a:solidFill>
           <a:srgbClr val="000000"/>
         </a:solidFill>
@@ -663,7 +683,7 @@
         <a:sym typeface="Arial"/>
       </a:defRPr>
     </a:lvl7pPr>
-    <a:lvl8pPr lvl="7" marR="0" rtl="0" algn="l">
+    <a:lvl8pPr marR="0" lvl="7" algn="l" rtl="0">
       <a:lnSpc>
         <a:spcPct val="100000"/>
       </a:lnSpc>
@@ -677,7 +697,7 @@
         <a:srgbClr val="000000"/>
       </a:buClr>
       <a:buFont typeface="Arial"/>
-      <a:defRPr b="0" i="0" sz="1400" u="none" cap="none" strike="noStrike">
+      <a:defRPr sz="1400" b="0" i="0" u="none" strike="noStrike" cap="none">
         <a:solidFill>
           <a:srgbClr val="000000"/>
         </a:solidFill>
@@ -687,7 +707,7 @@
         <a:sym typeface="Arial"/>
       </a:defRPr>
     </a:lvl8pPr>
-    <a:lvl9pPr lvl="8" marR="0" rtl="0" algn="l">
+    <a:lvl9pPr marR="0" lvl="8" algn="l" rtl="0">
       <a:lnSpc>
         <a:spcPct val="100000"/>
       </a:lnSpc>
@@ -701,7 +721,7 @@
         <a:srgbClr val="000000"/>
       </a:buClr>
       <a:buFont typeface="Arial"/>
-      <a:defRPr b="0" i="0" sz="1400" u="none" cap="none" strike="noStrike">
+      <a:defRPr sz="1400" b="0" i="0" u="none" strike="noStrike" cap="none">
         <a:solidFill>
           <a:srgbClr val="000000"/>
         </a:solidFill>
@@ -716,11 +736,11 @@
 </file>
 
 <file path=ppt/notesSlides/notesSlide1.xml><?xml version="1.0" encoding="utf-8"?>
-<p:notes xmlns:a="http://schemas.openxmlformats.org/drawingml/2006/main" xmlns:r="http://schemas.openxmlformats.org/officeDocument/2006/relationships" xmlns:mc="http://schemas.openxmlformats.org/markup-compatibility/2006" xmlns:mv="urn:schemas-microsoft-com:mac:vml" xmlns:p="http://schemas.openxmlformats.org/presentationml/2006/main" xmlns:c="http://schemas.openxmlformats.org/drawingml/2006/chart" xmlns:dgm="http://schemas.openxmlformats.org/drawingml/2006/diagram" xmlns:o="urn:schemas-microsoft-com:office:office" xmlns:v="urn:schemas-microsoft-com:vml" xmlns:pvml="urn:schemas-microsoft-com:office:powerpoint" xmlns:com="http://schemas.openxmlformats.org/drawingml/2006/compatibility" xmlns:p14="http://schemas.microsoft.com/office/powerpoint/2010/main" xmlns:p15="http://schemas.microsoft.com/office/powerpoint/2012/main" xmlns:ahyp="http://schemas.microsoft.com/office/drawing/2018/hyperlinkcolor" showMasterPhAnim="0" showMasterSp="0">
+<p:notes xmlns:a="http://schemas.openxmlformats.org/drawingml/2006/main" xmlns:r="http://schemas.openxmlformats.org/officeDocument/2006/relationships" xmlns:p="http://schemas.openxmlformats.org/presentationml/2006/main" showMasterSp="0" showMasterPhAnim="0">
   <p:cSld>
     <p:spTree>
       <p:nvGrpSpPr>
-        <p:cNvPr id="57" name="Shape 57"/>
+        <p:cNvPr id="1" name="Shape 57"/>
         <p:cNvGrpSpPr/>
         <p:nvPr/>
       </p:nvGrpSpPr>
@@ -735,9 +755,11 @@
       <p:sp>
         <p:nvSpPr>
           <p:cNvPr id="58" name="Google Shape;58;p:notes"/>
-          <p:cNvSpPr/>
+          <p:cNvSpPr>
+            <a:spLocks noGrp="1" noRot="1" noChangeAspect="1"/>
+          </p:cNvSpPr>
           <p:nvPr>
-            <p:ph idx="2" type="sldImg"/>
+            <p:ph type="sldImg" idx="2"/>
           </p:nvPr>
         </p:nvSpPr>
         <p:spPr>
@@ -746,9 +768,13 @@
             <a:ext cx="6096075" cy="3429000"/>
           </a:xfrm>
           <a:custGeom>
-            <a:rect b="b" l="l" r="r" t="t"/>
+            <a:avLst/>
+            <a:gdLst/>
+            <a:ahLst/>
+            <a:cxnLst/>
+            <a:rect l="l" t="t" r="r" b="b"/>
             <a:pathLst>
-              <a:path extrusionOk="0" h="120000" w="120000">
+              <a:path w="120000" h="120000" extrusionOk="0">
                 <a:moveTo>
                   <a:pt x="0" y="0"/>
                 </a:moveTo>
@@ -770,9 +796,11 @@
       <p:sp>
         <p:nvSpPr>
           <p:cNvPr id="59" name="Google Shape;59;p:notes"/>
-          <p:cNvSpPr txBox="1"/>
+          <p:cNvSpPr txBox="1">
+            <a:spLocks noGrp="1"/>
+          </p:cNvSpPr>
           <p:nvPr>
-            <p:ph idx="1" type="body"/>
+            <p:ph type="body" idx="1"/>
           </p:nvPr>
         </p:nvSpPr>
         <p:spPr>
@@ -785,12 +813,12 @@
           </a:prstGeom>
         </p:spPr>
         <p:txBody>
-          <a:bodyPr anchorCtr="0" anchor="t" bIns="91425" lIns="91425" spcFirstLastPara="1" rIns="91425" wrap="square" tIns="91425">
+          <a:bodyPr spcFirstLastPara="1" wrap="square" lIns="91425" tIns="91425" rIns="91425" bIns="91425" anchor="t" anchorCtr="0">
             <a:noAutofit/>
           </a:bodyPr>
           <a:lstStyle/>
           <a:p>
-            <a:pPr indent="0" lvl="0" marL="0" rtl="0" algn="l">
+            <a:pPr marL="0" lvl="0" indent="0" algn="l" rtl="0">
               <a:spcBef>
                 <a:spcPts val="0"/>
               </a:spcBef>
@@ -799,9 +827,6 @@
               </a:spcAft>
               <a:buNone/>
             </a:pPr>
-            <a:r>
-              <a:t/>
-            </a:r>
             <a:endParaRPr/>
           </a:p>
         </p:txBody>
@@ -815,11 +840,11 @@
 </file>
 
 <file path=ppt/notesSlides/notesSlide2.xml><?xml version="1.0" encoding="utf-8"?>
-<p:notes xmlns:a="http://schemas.openxmlformats.org/drawingml/2006/main" xmlns:r="http://schemas.openxmlformats.org/officeDocument/2006/relationships" xmlns:mc="http://schemas.openxmlformats.org/markup-compatibility/2006" xmlns:mv="urn:schemas-microsoft-com:mac:vml" xmlns:p="http://schemas.openxmlformats.org/presentationml/2006/main" xmlns:c="http://schemas.openxmlformats.org/drawingml/2006/chart" xmlns:dgm="http://schemas.openxmlformats.org/drawingml/2006/diagram" xmlns:o="urn:schemas-microsoft-com:office:office" xmlns:v="urn:schemas-microsoft-com:vml" xmlns:pvml="urn:schemas-microsoft-com:office:powerpoint" xmlns:com="http://schemas.openxmlformats.org/drawingml/2006/compatibility" xmlns:p14="http://schemas.microsoft.com/office/powerpoint/2010/main" xmlns:p15="http://schemas.microsoft.com/office/powerpoint/2012/main" xmlns:ahyp="http://schemas.microsoft.com/office/drawing/2018/hyperlinkcolor" showMasterPhAnim="0" showMasterSp="0">
+<p:notes xmlns:a="http://schemas.openxmlformats.org/drawingml/2006/main" xmlns:r="http://schemas.openxmlformats.org/officeDocument/2006/relationships" xmlns:p="http://schemas.openxmlformats.org/presentationml/2006/main" showMasterSp="0" showMasterPhAnim="0">
   <p:cSld>
     <p:spTree>
       <p:nvGrpSpPr>
-        <p:cNvPr id="64" name="Shape 64"/>
+        <p:cNvPr id="1" name="Shape 64"/>
         <p:cNvGrpSpPr/>
         <p:nvPr/>
       </p:nvGrpSpPr>
@@ -834,9 +859,11 @@
       <p:sp>
         <p:nvSpPr>
           <p:cNvPr id="65" name="Google Shape;65;g2dda0b177e5_0_804:notes"/>
-          <p:cNvSpPr/>
+          <p:cNvSpPr>
+            <a:spLocks noGrp="1" noRot="1" noChangeAspect="1"/>
+          </p:cNvSpPr>
           <p:nvPr>
-            <p:ph idx="2" type="sldImg"/>
+            <p:ph type="sldImg" idx="2"/>
           </p:nvPr>
         </p:nvSpPr>
         <p:spPr>
@@ -845,9 +872,13 @@
             <a:ext cx="6096000" cy="3429000"/>
           </a:xfrm>
           <a:custGeom>
-            <a:rect b="b" l="l" r="r" t="t"/>
+            <a:avLst/>
+            <a:gdLst/>
+            <a:ahLst/>
+            <a:cxnLst/>
+            <a:rect l="l" t="t" r="r" b="b"/>
             <a:pathLst>
-              <a:path extrusionOk="0" h="120000" w="120000">
+              <a:path w="120000" h="120000" extrusionOk="0">
                 <a:moveTo>
                   <a:pt x="0" y="0"/>
                 </a:moveTo>
@@ -869,9 +900,11 @@
       <p:sp>
         <p:nvSpPr>
           <p:cNvPr id="66" name="Google Shape;66;g2dda0b177e5_0_804:notes"/>
-          <p:cNvSpPr txBox="1"/>
+          <p:cNvSpPr txBox="1">
+            <a:spLocks noGrp="1"/>
+          </p:cNvSpPr>
           <p:nvPr>
-            <p:ph idx="1" type="body"/>
+            <p:ph type="body" idx="1"/>
           </p:nvPr>
         </p:nvSpPr>
         <p:spPr>
@@ -884,12 +917,12 @@
           </a:prstGeom>
         </p:spPr>
         <p:txBody>
-          <a:bodyPr anchorCtr="0" anchor="t" bIns="91425" lIns="91425" spcFirstLastPara="1" rIns="91425" wrap="square" tIns="91425">
+          <a:bodyPr spcFirstLastPara="1" wrap="square" lIns="91425" tIns="91425" rIns="91425" bIns="91425" anchor="t" anchorCtr="0">
             <a:noAutofit/>
           </a:bodyPr>
           <a:lstStyle/>
           <a:p>
-            <a:pPr indent="0" lvl="0" marL="0" rtl="0" algn="l">
+            <a:pPr marL="0" lvl="0" indent="0" algn="l" rtl="0">
               <a:spcBef>
                 <a:spcPts val="0"/>
               </a:spcBef>
@@ -898,9 +931,6 @@
               </a:spcAft>
               <a:buNone/>
             </a:pPr>
-            <a:r>
-              <a:t/>
-            </a:r>
             <a:endParaRPr/>
           </a:p>
         </p:txBody>
@@ -914,11 +944,11 @@
 </file>
 
 <file path=ppt/notesSlides/notesSlide3.xml><?xml version="1.0" encoding="utf-8"?>
-<p:notes xmlns:a="http://schemas.openxmlformats.org/drawingml/2006/main" xmlns:r="http://schemas.openxmlformats.org/officeDocument/2006/relationships" xmlns:mc="http://schemas.openxmlformats.org/markup-compatibility/2006" xmlns:mv="urn:schemas-microsoft-com:mac:vml" xmlns:p="http://schemas.openxmlformats.org/presentationml/2006/main" xmlns:c="http://schemas.openxmlformats.org/drawingml/2006/chart" xmlns:dgm="http://schemas.openxmlformats.org/drawingml/2006/diagram" xmlns:o="urn:schemas-microsoft-com:office:office" xmlns:v="urn:schemas-microsoft-com:vml" xmlns:pvml="urn:schemas-microsoft-com:office:powerpoint" xmlns:com="http://schemas.openxmlformats.org/drawingml/2006/compatibility" xmlns:p14="http://schemas.microsoft.com/office/powerpoint/2010/main" xmlns:p15="http://schemas.microsoft.com/office/powerpoint/2012/main" xmlns:ahyp="http://schemas.microsoft.com/office/drawing/2018/hyperlinkcolor" showMasterPhAnim="0" showMasterSp="0">
+<p:notes xmlns:a="http://schemas.openxmlformats.org/drawingml/2006/main" xmlns:r="http://schemas.openxmlformats.org/officeDocument/2006/relationships" xmlns:p="http://schemas.openxmlformats.org/presentationml/2006/main" showMasterSp="0" showMasterPhAnim="0">
   <p:cSld>
     <p:spTree>
       <p:nvGrpSpPr>
-        <p:cNvPr id="70" name="Shape 70"/>
+        <p:cNvPr id="1" name="Shape 70"/>
         <p:cNvGrpSpPr/>
         <p:nvPr/>
       </p:nvGrpSpPr>
@@ -933,9 +963,11 @@
       <p:sp>
         <p:nvSpPr>
           <p:cNvPr id="71" name="Google Shape;71;g2ddba3567ad_0_0:notes"/>
-          <p:cNvSpPr/>
+          <p:cNvSpPr>
+            <a:spLocks noGrp="1" noRot="1" noChangeAspect="1"/>
+          </p:cNvSpPr>
           <p:nvPr>
-            <p:ph idx="2" type="sldImg"/>
+            <p:ph type="sldImg" idx="2"/>
           </p:nvPr>
         </p:nvSpPr>
         <p:spPr>
@@ -944,9 +976,13 @@
             <a:ext cx="6096000" cy="3429000"/>
           </a:xfrm>
           <a:custGeom>
-            <a:rect b="b" l="l" r="r" t="t"/>
+            <a:avLst/>
+            <a:gdLst/>
+            <a:ahLst/>
+            <a:cxnLst/>
+            <a:rect l="l" t="t" r="r" b="b"/>
             <a:pathLst>
-              <a:path extrusionOk="0" h="120000" w="120000">
+              <a:path w="120000" h="120000" extrusionOk="0">
                 <a:moveTo>
                   <a:pt x="0" y="0"/>
                 </a:moveTo>
@@ -968,9 +1004,11 @@
       <p:sp>
         <p:nvSpPr>
           <p:cNvPr id="72" name="Google Shape;72;g2ddba3567ad_0_0:notes"/>
-          <p:cNvSpPr txBox="1"/>
+          <p:cNvSpPr txBox="1">
+            <a:spLocks noGrp="1"/>
+          </p:cNvSpPr>
           <p:nvPr>
-            <p:ph idx="1" type="body"/>
+            <p:ph type="body" idx="1"/>
           </p:nvPr>
         </p:nvSpPr>
         <p:spPr>
@@ -983,12 +1021,12 @@
           </a:prstGeom>
         </p:spPr>
         <p:txBody>
-          <a:bodyPr anchorCtr="0" anchor="t" bIns="91425" lIns="91425" spcFirstLastPara="1" rIns="91425" wrap="square" tIns="91425">
+          <a:bodyPr spcFirstLastPara="1" wrap="square" lIns="91425" tIns="91425" rIns="91425" bIns="91425" anchor="t" anchorCtr="0">
             <a:noAutofit/>
           </a:bodyPr>
           <a:lstStyle/>
           <a:p>
-            <a:pPr indent="0" lvl="0" marL="0" rtl="0" algn="l">
+            <a:pPr marL="0" lvl="0" indent="0" algn="l" rtl="0">
               <a:spcBef>
                 <a:spcPts val="0"/>
               </a:spcBef>
@@ -997,9 +1035,6 @@
               </a:spcAft>
               <a:buNone/>
             </a:pPr>
-            <a:r>
-              <a:t/>
-            </a:r>
             <a:endParaRPr/>
           </a:p>
         </p:txBody>
@@ -1013,11 +1048,11 @@
 </file>
 
 <file path=ppt/notesSlides/notesSlide4.xml><?xml version="1.0" encoding="utf-8"?>
-<p:notes xmlns:a="http://schemas.openxmlformats.org/drawingml/2006/main" xmlns:r="http://schemas.openxmlformats.org/officeDocument/2006/relationships" xmlns:mc="http://schemas.openxmlformats.org/markup-compatibility/2006" xmlns:mv="urn:schemas-microsoft-com:mac:vml" xmlns:p="http://schemas.openxmlformats.org/presentationml/2006/main" xmlns:c="http://schemas.openxmlformats.org/drawingml/2006/chart" xmlns:dgm="http://schemas.openxmlformats.org/drawingml/2006/diagram" xmlns:o="urn:schemas-microsoft-com:office:office" xmlns:v="urn:schemas-microsoft-com:vml" xmlns:pvml="urn:schemas-microsoft-com:office:powerpoint" xmlns:com="http://schemas.openxmlformats.org/drawingml/2006/compatibility" xmlns:p14="http://schemas.microsoft.com/office/powerpoint/2010/main" xmlns:p15="http://schemas.microsoft.com/office/powerpoint/2012/main" xmlns:ahyp="http://schemas.microsoft.com/office/drawing/2018/hyperlinkcolor" showMasterPhAnim="0" showMasterSp="0">
+<p:notes xmlns:a="http://schemas.openxmlformats.org/drawingml/2006/main" xmlns:r="http://schemas.openxmlformats.org/officeDocument/2006/relationships" xmlns:p="http://schemas.openxmlformats.org/presentationml/2006/main" showMasterSp="0" showMasterPhAnim="0">
   <p:cSld>
     <p:spTree>
       <p:nvGrpSpPr>
-        <p:cNvPr id="75" name="Shape 75"/>
+        <p:cNvPr id="1" name="Shape 75"/>
         <p:cNvGrpSpPr/>
         <p:nvPr/>
       </p:nvGrpSpPr>
@@ -1032,20 +1067,26 @@
       <p:sp>
         <p:nvSpPr>
           <p:cNvPr id="76" name="Google Shape;76;g2dda0b177e5_0_809:notes"/>
-          <p:cNvSpPr/>
+          <p:cNvSpPr>
+            <a:spLocks noGrp="1" noRot="1" noChangeAspect="1"/>
+          </p:cNvSpPr>
           <p:nvPr>
-            <p:ph idx="2" type="sldImg"/>
+            <p:ph type="sldImg" idx="2"/>
           </p:nvPr>
         </p:nvSpPr>
         <p:spPr>
           <a:xfrm>
-            <a:off x="381300" y="685800"/>
+            <a:off x="381000" y="685800"/>
             <a:ext cx="6096000" cy="3429000"/>
           </a:xfrm>
           <a:custGeom>
-            <a:rect b="b" l="l" r="r" t="t"/>
+            <a:avLst/>
+            <a:gdLst/>
+            <a:ahLst/>
+            <a:cxnLst/>
+            <a:rect l="l" t="t" r="r" b="b"/>
             <a:pathLst>
-              <a:path extrusionOk="0" h="120000" w="120000">
+              <a:path w="120000" h="120000" extrusionOk="0">
                 <a:moveTo>
                   <a:pt x="0" y="0"/>
                 </a:moveTo>
@@ -1067,9 +1108,11 @@
       <p:sp>
         <p:nvSpPr>
           <p:cNvPr id="77" name="Google Shape;77;g2dda0b177e5_0_809:notes"/>
-          <p:cNvSpPr txBox="1"/>
+          <p:cNvSpPr txBox="1">
+            <a:spLocks noGrp="1"/>
+          </p:cNvSpPr>
           <p:nvPr>
-            <p:ph idx="1" type="body"/>
+            <p:ph type="body" idx="1"/>
           </p:nvPr>
         </p:nvSpPr>
         <p:spPr>
@@ -1082,12 +1125,12 @@
           </a:prstGeom>
         </p:spPr>
         <p:txBody>
-          <a:bodyPr anchorCtr="0" anchor="t" bIns="91425" lIns="91425" spcFirstLastPara="1" rIns="91425" wrap="square" tIns="91425">
+          <a:bodyPr spcFirstLastPara="1" wrap="square" lIns="91425" tIns="91425" rIns="91425" bIns="91425" anchor="t" anchorCtr="0">
             <a:noAutofit/>
           </a:bodyPr>
           <a:lstStyle/>
           <a:p>
-            <a:pPr indent="0" lvl="0" marL="0" rtl="0" algn="l">
+            <a:pPr marL="0" lvl="0" indent="0" algn="l" rtl="0">
               <a:spcBef>
                 <a:spcPts val="0"/>
               </a:spcBef>
@@ -1096,9 +1139,6 @@
               </a:spcAft>
               <a:buNone/>
             </a:pPr>
-            <a:r>
-              <a:t/>
-            </a:r>
             <a:endParaRPr/>
           </a:p>
         </p:txBody>
@@ -1112,11 +1152,11 @@
 </file>
 
 <file path=ppt/notesSlides/notesSlide5.xml><?xml version="1.0" encoding="utf-8"?>
-<p:notes xmlns:a="http://schemas.openxmlformats.org/drawingml/2006/main" xmlns:r="http://schemas.openxmlformats.org/officeDocument/2006/relationships" xmlns:mc="http://schemas.openxmlformats.org/markup-compatibility/2006" xmlns:mv="urn:schemas-microsoft-com:mac:vml" xmlns:p="http://schemas.openxmlformats.org/presentationml/2006/main" xmlns:c="http://schemas.openxmlformats.org/drawingml/2006/chart" xmlns:dgm="http://schemas.openxmlformats.org/drawingml/2006/diagram" xmlns:o="urn:schemas-microsoft-com:office:office" xmlns:v="urn:schemas-microsoft-com:vml" xmlns:pvml="urn:schemas-microsoft-com:office:powerpoint" xmlns:com="http://schemas.openxmlformats.org/drawingml/2006/compatibility" xmlns:p14="http://schemas.microsoft.com/office/powerpoint/2010/main" xmlns:p15="http://schemas.microsoft.com/office/powerpoint/2012/main" xmlns:ahyp="http://schemas.microsoft.com/office/drawing/2018/hyperlinkcolor" showMasterPhAnim="0" showMasterSp="0">
+<p:notes xmlns:a="http://schemas.openxmlformats.org/drawingml/2006/main" xmlns:r="http://schemas.openxmlformats.org/officeDocument/2006/relationships" xmlns:p="http://schemas.openxmlformats.org/presentationml/2006/main" showMasterSp="0" showMasterPhAnim="0">
   <p:cSld>
     <p:spTree>
       <p:nvGrpSpPr>
-        <p:cNvPr id="81" name="Shape 81"/>
+        <p:cNvPr id="1" name="Shape 81"/>
         <p:cNvGrpSpPr/>
         <p:nvPr/>
       </p:nvGrpSpPr>
@@ -1131,9 +1171,11 @@
       <p:sp>
         <p:nvSpPr>
           <p:cNvPr id="82" name="Google Shape;82;g2dda0b177e5_0_0:notes"/>
-          <p:cNvSpPr/>
+          <p:cNvSpPr>
+            <a:spLocks noGrp="1" noRot="1" noChangeAspect="1"/>
+          </p:cNvSpPr>
           <p:nvPr>
-            <p:ph idx="2" type="sldImg"/>
+            <p:ph type="sldImg" idx="2"/>
           </p:nvPr>
         </p:nvSpPr>
         <p:spPr>
@@ -1142,9 +1184,13 @@
             <a:ext cx="6096000" cy="3429000"/>
           </a:xfrm>
           <a:custGeom>
-            <a:rect b="b" l="l" r="r" t="t"/>
+            <a:avLst/>
+            <a:gdLst/>
+            <a:ahLst/>
+            <a:cxnLst/>
+            <a:rect l="l" t="t" r="r" b="b"/>
             <a:pathLst>
-              <a:path extrusionOk="0" h="120000" w="120000">
+              <a:path w="120000" h="120000" extrusionOk="0">
                 <a:moveTo>
                   <a:pt x="0" y="0"/>
                 </a:moveTo>
@@ -1166,9 +1212,11 @@
       <p:sp>
         <p:nvSpPr>
           <p:cNvPr id="83" name="Google Shape;83;g2dda0b177e5_0_0:notes"/>
-          <p:cNvSpPr txBox="1"/>
+          <p:cNvSpPr txBox="1">
+            <a:spLocks noGrp="1"/>
+          </p:cNvSpPr>
           <p:nvPr>
-            <p:ph idx="1" type="body"/>
+            <p:ph type="body" idx="1"/>
           </p:nvPr>
         </p:nvSpPr>
         <p:spPr>
@@ -1181,12 +1229,12 @@
           </a:prstGeom>
         </p:spPr>
         <p:txBody>
-          <a:bodyPr anchorCtr="0" anchor="t" bIns="91425" lIns="91425" spcFirstLastPara="1" rIns="91425" wrap="square" tIns="91425">
+          <a:bodyPr spcFirstLastPara="1" wrap="square" lIns="91425" tIns="91425" rIns="91425" bIns="91425" anchor="t" anchorCtr="0">
             <a:noAutofit/>
           </a:bodyPr>
           <a:lstStyle/>
           <a:p>
-            <a:pPr indent="0" lvl="0" marL="0" rtl="0" algn="l">
+            <a:pPr marL="0" lvl="0" indent="0" algn="l" rtl="0">
               <a:spcBef>
                 <a:spcPts val="0"/>
               </a:spcBef>
@@ -1195,9 +1243,6 @@
               </a:spcAft>
               <a:buNone/>
             </a:pPr>
-            <a:r>
-              <a:t/>
-            </a:r>
             <a:endParaRPr/>
           </a:p>
         </p:txBody>
@@ -1211,11 +1256,11 @@
 </file>
 
 <file path=ppt/notesSlides/notesSlide6.xml><?xml version="1.0" encoding="utf-8"?>
-<p:notes xmlns:a="http://schemas.openxmlformats.org/drawingml/2006/main" xmlns:r="http://schemas.openxmlformats.org/officeDocument/2006/relationships" xmlns:mc="http://schemas.openxmlformats.org/markup-compatibility/2006" xmlns:mv="urn:schemas-microsoft-com:mac:vml" xmlns:p="http://schemas.openxmlformats.org/presentationml/2006/main" xmlns:c="http://schemas.openxmlformats.org/drawingml/2006/chart" xmlns:dgm="http://schemas.openxmlformats.org/drawingml/2006/diagram" xmlns:o="urn:schemas-microsoft-com:office:office" xmlns:v="urn:schemas-microsoft-com:vml" xmlns:pvml="urn:schemas-microsoft-com:office:powerpoint" xmlns:com="http://schemas.openxmlformats.org/drawingml/2006/compatibility" xmlns:p14="http://schemas.microsoft.com/office/powerpoint/2010/main" xmlns:p15="http://schemas.microsoft.com/office/powerpoint/2012/main" xmlns:ahyp="http://schemas.microsoft.com/office/drawing/2018/hyperlinkcolor" showMasterPhAnim="0" showMasterSp="0">
+<p:notes xmlns:a="http://schemas.openxmlformats.org/drawingml/2006/main" xmlns:r="http://schemas.openxmlformats.org/officeDocument/2006/relationships" xmlns:p="http://schemas.openxmlformats.org/presentationml/2006/main" showMasterSp="0" showMasterPhAnim="0">
   <p:cSld>
     <p:spTree>
       <p:nvGrpSpPr>
-        <p:cNvPr id="89" name="Shape 89"/>
+        <p:cNvPr id="1" name="Shape 89"/>
         <p:cNvGrpSpPr/>
         <p:nvPr/>
       </p:nvGrpSpPr>
@@ -1230,9 +1275,11 @@
       <p:sp>
         <p:nvSpPr>
           <p:cNvPr id="90" name="Google Shape;90;g2dda0b177e5_0_5:notes"/>
-          <p:cNvSpPr/>
+          <p:cNvSpPr>
+            <a:spLocks noGrp="1" noRot="1" noChangeAspect="1"/>
+          </p:cNvSpPr>
           <p:nvPr>
-            <p:ph idx="2" type="sldImg"/>
+            <p:ph type="sldImg" idx="2"/>
           </p:nvPr>
         </p:nvSpPr>
         <p:spPr>
@@ -1241,9 +1288,13 @@
             <a:ext cx="6096000" cy="3429000"/>
           </a:xfrm>
           <a:custGeom>
-            <a:rect b="b" l="l" r="r" t="t"/>
+            <a:avLst/>
+            <a:gdLst/>
+            <a:ahLst/>
+            <a:cxnLst/>
+            <a:rect l="l" t="t" r="r" b="b"/>
             <a:pathLst>
-              <a:path extrusionOk="0" h="120000" w="120000">
+              <a:path w="120000" h="120000" extrusionOk="0">
                 <a:moveTo>
                   <a:pt x="0" y="0"/>
                 </a:moveTo>
@@ -1265,9 +1316,11 @@
       <p:sp>
         <p:nvSpPr>
           <p:cNvPr id="91" name="Google Shape;91;g2dda0b177e5_0_5:notes"/>
-          <p:cNvSpPr txBox="1"/>
+          <p:cNvSpPr txBox="1">
+            <a:spLocks noGrp="1"/>
+          </p:cNvSpPr>
           <p:nvPr>
-            <p:ph idx="1" type="body"/>
+            <p:ph type="body" idx="1"/>
           </p:nvPr>
         </p:nvSpPr>
         <p:spPr>
@@ -1280,12 +1333,12 @@
           </a:prstGeom>
         </p:spPr>
         <p:txBody>
-          <a:bodyPr anchorCtr="0" anchor="t" bIns="91425" lIns="91425" spcFirstLastPara="1" rIns="91425" wrap="square" tIns="91425">
+          <a:bodyPr spcFirstLastPara="1" wrap="square" lIns="91425" tIns="91425" rIns="91425" bIns="91425" anchor="t" anchorCtr="0">
             <a:noAutofit/>
           </a:bodyPr>
           <a:lstStyle/>
           <a:p>
-            <a:pPr indent="0" lvl="0" marL="0" rtl="0" algn="l">
+            <a:pPr marL="0" lvl="0" indent="0" algn="l" rtl="0">
               <a:spcBef>
                 <a:spcPts val="0"/>
               </a:spcBef>
@@ -1294,9 +1347,6 @@
               </a:spcAft>
               <a:buNone/>
             </a:pPr>
-            <a:r>
-              <a:t/>
-            </a:r>
             <a:endParaRPr/>
           </a:p>
         </p:txBody>
@@ -1310,11 +1360,11 @@
 </file>
 
 <file path=ppt/notesSlides/notesSlide7.xml><?xml version="1.0" encoding="utf-8"?>
-<p:notes xmlns:a="http://schemas.openxmlformats.org/drawingml/2006/main" xmlns:r="http://schemas.openxmlformats.org/officeDocument/2006/relationships" xmlns:mc="http://schemas.openxmlformats.org/markup-compatibility/2006" xmlns:mv="urn:schemas-microsoft-com:mac:vml" xmlns:p="http://schemas.openxmlformats.org/presentationml/2006/main" xmlns:c="http://schemas.openxmlformats.org/drawingml/2006/chart" xmlns:dgm="http://schemas.openxmlformats.org/drawingml/2006/diagram" xmlns:o="urn:schemas-microsoft-com:office:office" xmlns:v="urn:schemas-microsoft-com:vml" xmlns:pvml="urn:schemas-microsoft-com:office:powerpoint" xmlns:com="http://schemas.openxmlformats.org/drawingml/2006/compatibility" xmlns:p14="http://schemas.microsoft.com/office/powerpoint/2010/main" xmlns:p15="http://schemas.microsoft.com/office/powerpoint/2012/main" xmlns:ahyp="http://schemas.microsoft.com/office/drawing/2018/hyperlinkcolor" showMasterPhAnim="0" showMasterSp="0">
+<p:notes xmlns:a="http://schemas.openxmlformats.org/drawingml/2006/main" xmlns:r="http://schemas.openxmlformats.org/officeDocument/2006/relationships" xmlns:p="http://schemas.openxmlformats.org/presentationml/2006/main" showMasterSp="0" showMasterPhAnim="0">
   <p:cSld>
     <p:spTree>
       <p:nvGrpSpPr>
-        <p:cNvPr id="99" name="Shape 99"/>
+        <p:cNvPr id="1" name="Shape 99"/>
         <p:cNvGrpSpPr/>
         <p:nvPr/>
       </p:nvGrpSpPr>
@@ -1329,9 +1379,11 @@
       <p:sp>
         <p:nvSpPr>
           <p:cNvPr id="100" name="Google Shape;100;g2dda0b177e5_0_14:notes"/>
-          <p:cNvSpPr/>
+          <p:cNvSpPr>
+            <a:spLocks noGrp="1" noRot="1" noChangeAspect="1"/>
+          </p:cNvSpPr>
           <p:nvPr>
-            <p:ph idx="2" type="sldImg"/>
+            <p:ph type="sldImg" idx="2"/>
           </p:nvPr>
         </p:nvSpPr>
         <p:spPr>
@@ -1340,9 +1392,13 @@
             <a:ext cx="6096000" cy="3429000"/>
           </a:xfrm>
           <a:custGeom>
-            <a:rect b="b" l="l" r="r" t="t"/>
+            <a:avLst/>
+            <a:gdLst/>
+            <a:ahLst/>
+            <a:cxnLst/>
+            <a:rect l="l" t="t" r="r" b="b"/>
             <a:pathLst>
-              <a:path extrusionOk="0" h="120000" w="120000">
+              <a:path w="120000" h="120000" extrusionOk="0">
                 <a:moveTo>
                   <a:pt x="0" y="0"/>
                 </a:moveTo>
@@ -1364,9 +1420,11 @@
       <p:sp>
         <p:nvSpPr>
           <p:cNvPr id="101" name="Google Shape;101;g2dda0b177e5_0_14:notes"/>
-          <p:cNvSpPr txBox="1"/>
+          <p:cNvSpPr txBox="1">
+            <a:spLocks noGrp="1"/>
+          </p:cNvSpPr>
           <p:nvPr>
-            <p:ph idx="1" type="body"/>
+            <p:ph type="body" idx="1"/>
           </p:nvPr>
         </p:nvSpPr>
         <p:spPr>
@@ -1379,12 +1437,12 @@
           </a:prstGeom>
         </p:spPr>
         <p:txBody>
-          <a:bodyPr anchorCtr="0" anchor="t" bIns="91425" lIns="91425" spcFirstLastPara="1" rIns="91425" wrap="square" tIns="91425">
+          <a:bodyPr spcFirstLastPara="1" wrap="square" lIns="91425" tIns="91425" rIns="91425" bIns="91425" anchor="t" anchorCtr="0">
             <a:noAutofit/>
           </a:bodyPr>
           <a:lstStyle/>
           <a:p>
-            <a:pPr indent="0" lvl="0" marL="0" rtl="0" algn="l">
+            <a:pPr marL="0" lvl="0" indent="0" algn="l" rtl="0">
               <a:spcBef>
                 <a:spcPts val="0"/>
               </a:spcBef>
@@ -1410,11 +1468,11 @@
 </file>
 
 <file path=ppt/notesSlides/notesSlide8.xml><?xml version="1.0" encoding="utf-8"?>
-<p:notes xmlns:a="http://schemas.openxmlformats.org/drawingml/2006/main" xmlns:r="http://schemas.openxmlformats.org/officeDocument/2006/relationships" xmlns:mc="http://schemas.openxmlformats.org/markup-compatibility/2006" xmlns:mv="urn:schemas-microsoft-com:mac:vml" xmlns:p="http://schemas.openxmlformats.org/presentationml/2006/main" xmlns:c="http://schemas.openxmlformats.org/drawingml/2006/chart" xmlns:dgm="http://schemas.openxmlformats.org/drawingml/2006/diagram" xmlns:o="urn:schemas-microsoft-com:office:office" xmlns:v="urn:schemas-microsoft-com:vml" xmlns:pvml="urn:schemas-microsoft-com:office:powerpoint" xmlns:com="http://schemas.openxmlformats.org/drawingml/2006/compatibility" xmlns:p14="http://schemas.microsoft.com/office/powerpoint/2010/main" xmlns:p15="http://schemas.microsoft.com/office/powerpoint/2012/main" xmlns:ahyp="http://schemas.microsoft.com/office/drawing/2018/hyperlinkcolor" showMasterPhAnim="0" showMasterSp="0">
+<p:notes xmlns:a="http://schemas.openxmlformats.org/drawingml/2006/main" xmlns:r="http://schemas.openxmlformats.org/officeDocument/2006/relationships" xmlns:p="http://schemas.openxmlformats.org/presentationml/2006/main" showMasterSp="0" showMasterPhAnim="0">
   <p:cSld>
     <p:spTree>
       <p:nvGrpSpPr>
-        <p:cNvPr id="109" name="Shape 109"/>
+        <p:cNvPr id="1" name="Shape 109"/>
         <p:cNvGrpSpPr/>
         <p:nvPr/>
       </p:nvGrpSpPr>
@@ -1429,9 +1487,11 @@
       <p:sp>
         <p:nvSpPr>
           <p:cNvPr id="110" name="Google Shape;110;g2dda0b177e5_0_22:notes"/>
-          <p:cNvSpPr/>
+          <p:cNvSpPr>
+            <a:spLocks noGrp="1" noRot="1" noChangeAspect="1"/>
+          </p:cNvSpPr>
           <p:nvPr>
-            <p:ph idx="2" type="sldImg"/>
+            <p:ph type="sldImg" idx="2"/>
           </p:nvPr>
         </p:nvSpPr>
         <p:spPr>
@@ -1440,9 +1500,13 @@
             <a:ext cx="6096000" cy="3429000"/>
           </a:xfrm>
           <a:custGeom>
-            <a:rect b="b" l="l" r="r" t="t"/>
+            <a:avLst/>
+            <a:gdLst/>
+            <a:ahLst/>
+            <a:cxnLst/>
+            <a:rect l="l" t="t" r="r" b="b"/>
             <a:pathLst>
-              <a:path extrusionOk="0" h="120000" w="120000">
+              <a:path w="120000" h="120000" extrusionOk="0">
                 <a:moveTo>
                   <a:pt x="0" y="0"/>
                 </a:moveTo>
@@ -1464,9 +1528,11 @@
       <p:sp>
         <p:nvSpPr>
           <p:cNvPr id="111" name="Google Shape;111;g2dda0b177e5_0_22:notes"/>
-          <p:cNvSpPr txBox="1"/>
+          <p:cNvSpPr txBox="1">
+            <a:spLocks noGrp="1"/>
+          </p:cNvSpPr>
           <p:nvPr>
-            <p:ph idx="1" type="body"/>
+            <p:ph type="body" idx="1"/>
           </p:nvPr>
         </p:nvSpPr>
         <p:spPr>
@@ -1479,12 +1545,12 @@
           </a:prstGeom>
         </p:spPr>
         <p:txBody>
-          <a:bodyPr anchorCtr="0" anchor="t" bIns="91425" lIns="91425" spcFirstLastPara="1" rIns="91425" wrap="square" tIns="91425">
+          <a:bodyPr spcFirstLastPara="1" wrap="square" lIns="91425" tIns="91425" rIns="91425" bIns="91425" anchor="t" anchorCtr="0">
             <a:noAutofit/>
           </a:bodyPr>
           <a:lstStyle/>
           <a:p>
-            <a:pPr indent="0" lvl="0" marL="0" rtl="0" algn="l">
+            <a:pPr marL="0" lvl="0" indent="0" algn="l" rtl="0">
               <a:spcBef>
                 <a:spcPts val="0"/>
               </a:spcBef>
@@ -1493,9 +1559,6 @@
               </a:spcAft>
               <a:buNone/>
             </a:pPr>
-            <a:r>
-              <a:t/>
-            </a:r>
             <a:endParaRPr/>
           </a:p>
         </p:txBody>
@@ -1509,11 +1572,11 @@
 </file>
 
 <file path=ppt/notesSlides/notesSlide9.xml><?xml version="1.0" encoding="utf-8"?>
-<p:notes xmlns:a="http://schemas.openxmlformats.org/drawingml/2006/main" xmlns:r="http://schemas.openxmlformats.org/officeDocument/2006/relationships" xmlns:mc="http://schemas.openxmlformats.org/markup-compatibility/2006" xmlns:mv="urn:schemas-microsoft-com:mac:vml" xmlns:p="http://schemas.openxmlformats.org/presentationml/2006/main" xmlns:c="http://schemas.openxmlformats.org/drawingml/2006/chart" xmlns:dgm="http://schemas.openxmlformats.org/drawingml/2006/diagram" xmlns:o="urn:schemas-microsoft-com:office:office" xmlns:v="urn:schemas-microsoft-com:vml" xmlns:pvml="urn:schemas-microsoft-com:office:powerpoint" xmlns:com="http://schemas.openxmlformats.org/drawingml/2006/compatibility" xmlns:p14="http://schemas.microsoft.com/office/powerpoint/2010/main" xmlns:p15="http://schemas.microsoft.com/office/powerpoint/2012/main" xmlns:ahyp="http://schemas.microsoft.com/office/drawing/2018/hyperlinkcolor" showMasterPhAnim="0" showMasterSp="0">
+<p:notes xmlns:a="http://schemas.openxmlformats.org/drawingml/2006/main" xmlns:r="http://schemas.openxmlformats.org/officeDocument/2006/relationships" xmlns:p="http://schemas.openxmlformats.org/presentationml/2006/main" showMasterSp="0" showMasterPhAnim="0">
   <p:cSld>
     <p:spTree>
       <p:nvGrpSpPr>
-        <p:cNvPr id="119" name="Shape 119"/>
+        <p:cNvPr id="1" name="Shape 119"/>
         <p:cNvGrpSpPr/>
         <p:nvPr/>
       </p:nvGrpSpPr>
@@ -1528,9 +1591,11 @@
       <p:sp>
         <p:nvSpPr>
           <p:cNvPr id="120" name="Google Shape;120;g2ddcdca6fbe_0_0:notes"/>
-          <p:cNvSpPr/>
+          <p:cNvSpPr>
+            <a:spLocks noGrp="1" noRot="1" noChangeAspect="1"/>
+          </p:cNvSpPr>
           <p:nvPr>
-            <p:ph idx="2" type="sldImg"/>
+            <p:ph type="sldImg" idx="2"/>
           </p:nvPr>
         </p:nvSpPr>
         <p:spPr>
@@ -1539,9 +1604,13 @@
             <a:ext cx="6096000" cy="3429000"/>
           </a:xfrm>
           <a:custGeom>
-            <a:rect b="b" l="l" r="r" t="t"/>
+            <a:avLst/>
+            <a:gdLst/>
+            <a:ahLst/>
+            <a:cxnLst/>
+            <a:rect l="l" t="t" r="r" b="b"/>
             <a:pathLst>
-              <a:path extrusionOk="0" h="120000" w="120000">
+              <a:path w="120000" h="120000" extrusionOk="0">
                 <a:moveTo>
                   <a:pt x="0" y="0"/>
                 </a:moveTo>
@@ -1563,9 +1632,11 @@
       <p:sp>
         <p:nvSpPr>
           <p:cNvPr id="121" name="Google Shape;121;g2ddcdca6fbe_0_0:notes"/>
-          <p:cNvSpPr txBox="1"/>
+          <p:cNvSpPr txBox="1">
+            <a:spLocks noGrp="1"/>
+          </p:cNvSpPr>
           <p:nvPr>
-            <p:ph idx="1" type="body"/>
+            <p:ph type="body" idx="1"/>
           </p:nvPr>
         </p:nvSpPr>
         <p:spPr>
@@ -1578,12 +1649,12 @@
           </a:prstGeom>
         </p:spPr>
         <p:txBody>
-          <a:bodyPr anchorCtr="0" anchor="t" bIns="91425" lIns="91425" spcFirstLastPara="1" rIns="91425" wrap="square" tIns="91425">
+          <a:bodyPr spcFirstLastPara="1" wrap="square" lIns="91425" tIns="91425" rIns="91425" bIns="91425" anchor="t" anchorCtr="0">
             <a:noAutofit/>
           </a:bodyPr>
           <a:lstStyle/>
           <a:p>
-            <a:pPr indent="0" lvl="0" marL="0" rtl="0" algn="l">
+            <a:pPr marL="0" lvl="0" indent="0" algn="l" rtl="0">
               <a:spcBef>
                 <a:spcPts val="0"/>
               </a:spcBef>
@@ -1592,9 +1663,6 @@
               </a:spcAft>
               <a:buNone/>
             </a:pPr>
-            <a:r>
-              <a:t/>
-            </a:r>
             <a:endParaRPr/>
           </a:p>
         </p:txBody>
@@ -1608,11 +1676,11 @@
 </file>
 
 <file path=ppt/slideLayouts/slideLayout1.xml><?xml version="1.0" encoding="utf-8"?>
-<p:sldLayout xmlns:a="http://schemas.openxmlformats.org/drawingml/2006/main" xmlns:r="http://schemas.openxmlformats.org/officeDocument/2006/relationships" xmlns:mc="http://schemas.openxmlformats.org/markup-compatibility/2006" xmlns:mv="urn:schemas-microsoft-com:mac:vml" xmlns:p="http://schemas.openxmlformats.org/presentationml/2006/main" xmlns:c="http://schemas.openxmlformats.org/drawingml/2006/chart" xmlns:dgm="http://schemas.openxmlformats.org/drawingml/2006/diagram" xmlns:o="urn:schemas-microsoft-com:office:office" xmlns:v="urn:schemas-microsoft-com:vml" xmlns:pvml="urn:schemas-microsoft-com:office:powerpoint" xmlns:com="http://schemas.openxmlformats.org/drawingml/2006/compatibility" xmlns:p14="http://schemas.microsoft.com/office/powerpoint/2010/main" xmlns:p15="http://schemas.microsoft.com/office/powerpoint/2012/main" xmlns:ahyp="http://schemas.microsoft.com/office/drawing/2018/hyperlinkcolor" matchingName="Title slide" type="title">
+<p:sldLayout xmlns:a="http://schemas.openxmlformats.org/drawingml/2006/main" xmlns:r="http://schemas.openxmlformats.org/officeDocument/2006/relationships" xmlns:p="http://schemas.openxmlformats.org/presentationml/2006/main" matchingName="Title slide" type="title">
   <p:cSld name="TITLE">
     <p:spTree>
       <p:nvGrpSpPr>
-        <p:cNvPr id="9" name="Shape 9"/>
+        <p:cNvPr id="1" name="Shape 9"/>
         <p:cNvGrpSpPr/>
         <p:nvPr/>
       </p:nvGrpSpPr>
@@ -1653,14 +1721,14 @@
               <a:avLst/>
             </a:prstGeom>
             <a:noFill/>
-            <a:ln cap="flat" cmpd="sng" w="76200">
+            <a:ln w="76200" cap="flat" cmpd="sng">
               <a:solidFill>
                 <a:schemeClr val="accent3"/>
               </a:solidFill>
               <a:prstDash val="solid"/>
               <a:round/>
-              <a:headEnd len="sm" w="sm" type="none"/>
-              <a:tailEnd len="sm" w="sm" type="none"/>
+              <a:headEnd type="none" w="sm" len="sm"/>
+              <a:tailEnd type="none" w="sm" len="sm"/>
             </a:ln>
           </p:spPr>
         </p:cxnSp>
@@ -1679,14 +1747,14 @@
               <a:avLst/>
             </a:prstGeom>
             <a:noFill/>
-            <a:ln cap="flat" cmpd="sng" w="9525">
+            <a:ln w="9525" cap="flat" cmpd="sng">
               <a:solidFill>
                 <a:schemeClr val="accent3"/>
               </a:solidFill>
               <a:prstDash val="solid"/>
               <a:round/>
-              <a:headEnd len="sm" w="sm" type="none"/>
-              <a:tailEnd len="sm" w="sm" type="none"/>
+              <a:headEnd type="none" w="sm" len="sm"/>
+              <a:tailEnd type="none" w="sm" len="sm"/>
             </a:ln>
           </p:spPr>
         </p:cxnSp>
@@ -1694,7 +1762,9 @@
       <p:sp>
         <p:nvSpPr>
           <p:cNvPr id="13" name="Google Shape;13;p2"/>
-          <p:cNvSpPr txBox="1"/>
+          <p:cNvSpPr txBox="1">
+            <a:spLocks noGrp="1"/>
+          </p:cNvSpPr>
           <p:nvPr>
             <p:ph type="ctrTitle"/>
           </p:nvPr>
@@ -1709,7 +1779,7 @@
           </a:prstGeom>
         </p:spPr>
         <p:txBody>
-          <a:bodyPr anchorCtr="0" anchor="b" bIns="91425" lIns="91425" spcFirstLastPara="1" rIns="91425" wrap="square" tIns="91425">
+          <a:bodyPr spcFirstLastPara="1" wrap="square" lIns="91425" tIns="91425" rIns="91425" bIns="91425" anchor="b" anchorCtr="0">
             <a:normAutofit/>
           </a:bodyPr>
           <a:lstStyle>
@@ -1813,15 +1883,19 @@
               <a:defRPr sz="5400"/>
             </a:lvl9pPr>
           </a:lstStyle>
-          <a:p/>
+          <a:p>
+            <a:endParaRPr/>
+          </a:p>
         </p:txBody>
       </p:sp>
       <p:sp>
         <p:nvSpPr>
           <p:cNvPr id="14" name="Google Shape;14;p2"/>
-          <p:cNvSpPr txBox="1"/>
+          <p:cNvSpPr txBox="1">
+            <a:spLocks noGrp="1"/>
+          </p:cNvSpPr>
           <p:nvPr>
-            <p:ph idx="1" type="subTitle"/>
+            <p:ph type="subTitle" idx="1"/>
           </p:nvPr>
         </p:nvSpPr>
         <p:spPr>
@@ -1834,7 +1908,7 @@
           </a:prstGeom>
         </p:spPr>
         <p:txBody>
-          <a:bodyPr anchorCtr="0" anchor="t" bIns="91425" lIns="91425" spcFirstLastPara="1" rIns="91425" wrap="square" tIns="91425">
+          <a:bodyPr spcFirstLastPara="1" wrap="square" lIns="91425" tIns="91425" rIns="91425" bIns="91425" anchor="t" anchorCtr="0">
             <a:normAutofit/>
           </a:bodyPr>
           <a:lstStyle>
@@ -1965,15 +2039,19 @@
               <a:defRPr sz="2400"/>
             </a:lvl9pPr>
           </a:lstStyle>
-          <a:p/>
+          <a:p>
+            <a:endParaRPr/>
+          </a:p>
         </p:txBody>
       </p:sp>
       <p:sp>
         <p:nvSpPr>
           <p:cNvPr id="15" name="Google Shape;15;p2"/>
-          <p:cNvSpPr txBox="1"/>
+          <p:cNvSpPr txBox="1">
+            <a:spLocks noGrp="1"/>
+          </p:cNvSpPr>
           <p:nvPr>
-            <p:ph idx="12" type="sldNum"/>
+            <p:ph type="sldNum" idx="12"/>
           </p:nvPr>
         </p:nvSpPr>
         <p:spPr>
@@ -1986,7 +2064,7 @@
           </a:prstGeom>
         </p:spPr>
         <p:txBody>
-          <a:bodyPr anchorCtr="0" anchor="ctr" bIns="91425" lIns="91425" spcFirstLastPara="1" rIns="91425" wrap="square" tIns="91425">
+          <a:bodyPr spcFirstLastPara="1" wrap="square" lIns="91425" tIns="91425" rIns="91425" bIns="91425" anchor="ctr" anchorCtr="0">
             <a:normAutofit/>
           </a:bodyPr>
           <a:lstStyle>
@@ -2028,7 +2106,7 @@
             </a:lvl9pPr>
           </a:lstStyle>
           <a:p>
-            <a:pPr indent="0" lvl="0" marL="0" rtl="0" algn="r">
+            <a:pPr marL="0" lvl="0" indent="0" algn="r" rtl="0">
               <a:spcBef>
                 <a:spcPts val="0"/>
               </a:spcBef>
@@ -2039,7 +2117,7 @@
             </a:pPr>
             <a:fld id="{00000000-1234-1234-1234-123412341234}" type="slidenum">
               <a:rPr lang="pt-PT"/>
-              <a:t>‹#›</a:t>
+              <a:t>‹nº›</a:t>
             </a:fld>
             <a:endParaRPr/>
           </a:p>
@@ -2054,11 +2132,11 @@
 </file>
 
 <file path=ppt/slideLayouts/slideLayout10.xml><?xml version="1.0" encoding="utf-8"?>
-<p:sldLayout xmlns:a="http://schemas.openxmlformats.org/drawingml/2006/main" xmlns:r="http://schemas.openxmlformats.org/officeDocument/2006/relationships" xmlns:mc="http://schemas.openxmlformats.org/markup-compatibility/2006" xmlns:mv="urn:schemas-microsoft-com:mac:vml" xmlns:p="http://schemas.openxmlformats.org/presentationml/2006/main" xmlns:c="http://schemas.openxmlformats.org/drawingml/2006/chart" xmlns:dgm="http://schemas.openxmlformats.org/drawingml/2006/diagram" xmlns:o="urn:schemas-microsoft-com:office:office" xmlns:v="urn:schemas-microsoft-com:vml" xmlns:pvml="urn:schemas-microsoft-com:office:powerpoint" xmlns:com="http://schemas.openxmlformats.org/drawingml/2006/compatibility" xmlns:p14="http://schemas.microsoft.com/office/powerpoint/2010/main" xmlns:p15="http://schemas.microsoft.com/office/powerpoint/2012/main" xmlns:ahyp="http://schemas.microsoft.com/office/drawing/2018/hyperlinkcolor" matchingName="Big number">
+<p:sldLayout xmlns:a="http://schemas.openxmlformats.org/drawingml/2006/main" xmlns:r="http://schemas.openxmlformats.org/officeDocument/2006/relationships" xmlns:p="http://schemas.openxmlformats.org/presentationml/2006/main" matchingName="Big number">
   <p:cSld name="BIG_NUMBER">
     <p:spTree>
       <p:nvGrpSpPr>
-        <p:cNvPr id="50" name="Shape 50"/>
+        <p:cNvPr id="1" name="Shape 50"/>
         <p:cNvGrpSpPr/>
         <p:nvPr/>
       </p:nvGrpSpPr>
@@ -2092,12 +2170,12 @@
           </a:ln>
         </p:spPr>
         <p:txBody>
-          <a:bodyPr anchorCtr="0" anchor="ctr" bIns="91425" lIns="91425" spcFirstLastPara="1" rIns="91425" wrap="square" tIns="91425">
+          <a:bodyPr spcFirstLastPara="1" wrap="square" lIns="91425" tIns="91425" rIns="91425" bIns="91425" anchor="ctr" anchorCtr="0">
             <a:noAutofit/>
           </a:bodyPr>
           <a:lstStyle/>
           <a:p>
-            <a:pPr indent="0" lvl="0" marL="0" rtl="0" algn="l">
+            <a:pPr marL="0" lvl="0" indent="0" algn="l" rtl="0">
               <a:spcBef>
                 <a:spcPts val="0"/>
               </a:spcBef>
@@ -2106,9 +2184,6 @@
               </a:spcAft>
               <a:buNone/>
             </a:pPr>
-            <a:r>
-              <a:t/>
-            </a:r>
             <a:endParaRPr/>
           </a:p>
         </p:txBody>
@@ -2116,9 +2191,11 @@
       <p:sp>
         <p:nvSpPr>
           <p:cNvPr id="52" name="Google Shape;52;p11"/>
-          <p:cNvSpPr txBox="1"/>
+          <p:cNvSpPr txBox="1">
+            <a:spLocks noGrp="1"/>
+          </p:cNvSpPr>
           <p:nvPr>
-            <p:ph hasCustomPrompt="1" type="title"/>
+            <p:ph type="title" hasCustomPrompt="1"/>
           </p:nvPr>
         </p:nvSpPr>
         <p:spPr>
@@ -2131,7 +2208,7 @@
           </a:prstGeom>
         </p:spPr>
         <p:txBody>
-          <a:bodyPr anchorCtr="0" anchor="ctr" bIns="91425" lIns="91425" spcFirstLastPara="1" rIns="91425" wrap="square" tIns="91425">
+          <a:bodyPr spcFirstLastPara="1" wrap="square" lIns="91425" tIns="91425" rIns="91425" bIns="91425" anchor="ctr" anchorCtr="0">
             <a:normAutofit/>
           </a:bodyPr>
           <a:lstStyle>
@@ -2308,9 +2385,11 @@
       <p:sp>
         <p:nvSpPr>
           <p:cNvPr id="53" name="Google Shape;53;p11"/>
-          <p:cNvSpPr txBox="1"/>
+          <p:cNvSpPr txBox="1">
+            <a:spLocks noGrp="1"/>
+          </p:cNvSpPr>
           <p:nvPr>
-            <p:ph idx="1" type="body"/>
+            <p:ph type="body" idx="1"/>
           </p:nvPr>
         </p:nvSpPr>
         <p:spPr>
@@ -2323,11 +2402,11 @@
           </a:prstGeom>
         </p:spPr>
         <p:txBody>
-          <a:bodyPr anchorCtr="0" anchor="t" bIns="91425" lIns="91425" spcFirstLastPara="1" rIns="91425" wrap="square" tIns="91425">
+          <a:bodyPr spcFirstLastPara="1" wrap="square" lIns="91425" tIns="91425" rIns="91425" bIns="91425" anchor="t" anchorCtr="0">
             <a:normAutofit/>
           </a:bodyPr>
           <a:lstStyle>
-            <a:lvl1pPr indent="-342900" lvl="0" marL="457200" algn="ctr">
+            <a:lvl1pPr marL="457200" lvl="0" indent="-342900" algn="ctr">
               <a:spcBef>
                 <a:spcPts val="0"/>
               </a:spcBef>
@@ -2338,7 +2417,7 @@
               <a:buChar char="●"/>
               <a:defRPr/>
             </a:lvl1pPr>
-            <a:lvl2pPr indent="-317500" lvl="1" marL="914400" algn="ctr">
+            <a:lvl2pPr marL="914400" lvl="1" indent="-317500" algn="ctr">
               <a:spcBef>
                 <a:spcPts val="0"/>
               </a:spcBef>
@@ -2349,7 +2428,7 @@
               <a:buChar char="○"/>
               <a:defRPr/>
             </a:lvl2pPr>
-            <a:lvl3pPr indent="-317500" lvl="2" marL="1371600" algn="ctr">
+            <a:lvl3pPr marL="1371600" lvl="2" indent="-317500" algn="ctr">
               <a:spcBef>
                 <a:spcPts val="0"/>
               </a:spcBef>
@@ -2360,7 +2439,7 @@
               <a:buChar char="■"/>
               <a:defRPr/>
             </a:lvl3pPr>
-            <a:lvl4pPr indent="-317500" lvl="3" marL="1828800" algn="ctr">
+            <a:lvl4pPr marL="1828800" lvl="3" indent="-317500" algn="ctr">
               <a:spcBef>
                 <a:spcPts val="0"/>
               </a:spcBef>
@@ -2371,7 +2450,7 @@
               <a:buChar char="●"/>
               <a:defRPr/>
             </a:lvl4pPr>
-            <a:lvl5pPr indent="-317500" lvl="4" marL="2286000" algn="ctr">
+            <a:lvl5pPr marL="2286000" lvl="4" indent="-317500" algn="ctr">
               <a:spcBef>
                 <a:spcPts val="0"/>
               </a:spcBef>
@@ -2382,7 +2461,7 @@
               <a:buChar char="○"/>
               <a:defRPr/>
             </a:lvl5pPr>
-            <a:lvl6pPr indent="-317500" lvl="5" marL="2743200" algn="ctr">
+            <a:lvl6pPr marL="2743200" lvl="5" indent="-317500" algn="ctr">
               <a:spcBef>
                 <a:spcPts val="0"/>
               </a:spcBef>
@@ -2393,7 +2472,7 @@
               <a:buChar char="■"/>
               <a:defRPr/>
             </a:lvl6pPr>
-            <a:lvl7pPr indent="-317500" lvl="6" marL="3200400" algn="ctr">
+            <a:lvl7pPr marL="3200400" lvl="6" indent="-317500" algn="ctr">
               <a:spcBef>
                 <a:spcPts val="0"/>
               </a:spcBef>
@@ -2404,7 +2483,7 @@
               <a:buChar char="●"/>
               <a:defRPr/>
             </a:lvl7pPr>
-            <a:lvl8pPr indent="-317500" lvl="7" marL="3657600" algn="ctr">
+            <a:lvl8pPr marL="3657600" lvl="7" indent="-317500" algn="ctr">
               <a:spcBef>
                 <a:spcPts val="0"/>
               </a:spcBef>
@@ -2415,7 +2494,7 @@
               <a:buChar char="○"/>
               <a:defRPr/>
             </a:lvl8pPr>
-            <a:lvl9pPr indent="-317500" lvl="8" marL="4114800" algn="ctr">
+            <a:lvl9pPr marL="4114800" lvl="8" indent="-317500" algn="ctr">
               <a:spcBef>
                 <a:spcPts val="0"/>
               </a:spcBef>
@@ -2427,15 +2506,19 @@
               <a:defRPr/>
             </a:lvl9pPr>
           </a:lstStyle>
-          <a:p/>
+          <a:p>
+            <a:endParaRPr/>
+          </a:p>
         </p:txBody>
       </p:sp>
       <p:sp>
         <p:nvSpPr>
           <p:cNvPr id="54" name="Google Shape;54;p11"/>
-          <p:cNvSpPr txBox="1"/>
+          <p:cNvSpPr txBox="1">
+            <a:spLocks noGrp="1"/>
+          </p:cNvSpPr>
           <p:nvPr>
-            <p:ph idx="12" type="sldNum"/>
+            <p:ph type="sldNum" idx="12"/>
           </p:nvPr>
         </p:nvSpPr>
         <p:spPr>
@@ -2448,7 +2531,7 @@
           </a:prstGeom>
         </p:spPr>
         <p:txBody>
-          <a:bodyPr anchorCtr="0" anchor="ctr" bIns="91425" lIns="91425" spcFirstLastPara="1" rIns="91425" wrap="square" tIns="91425">
+          <a:bodyPr spcFirstLastPara="1" wrap="square" lIns="91425" tIns="91425" rIns="91425" bIns="91425" anchor="ctr" anchorCtr="0">
             <a:normAutofit/>
           </a:bodyPr>
           <a:lstStyle>
@@ -2490,7 +2573,7 @@
             </a:lvl9pPr>
           </a:lstStyle>
           <a:p>
-            <a:pPr indent="0" lvl="0" marL="0" rtl="0" algn="r">
+            <a:pPr marL="0" lvl="0" indent="0" algn="r" rtl="0">
               <a:spcBef>
                 <a:spcPts val="0"/>
               </a:spcBef>
@@ -2501,7 +2584,7 @@
             </a:pPr>
             <a:fld id="{00000000-1234-1234-1234-123412341234}" type="slidenum">
               <a:rPr lang="pt-PT"/>
-              <a:t>‹#›</a:t>
+              <a:t>‹nº›</a:t>
             </a:fld>
             <a:endParaRPr/>
           </a:p>
@@ -2516,11 +2599,11 @@
 </file>
 
 <file path=ppt/slideLayouts/slideLayout11.xml><?xml version="1.0" encoding="utf-8"?>
-<p:sldLayout xmlns:a="http://schemas.openxmlformats.org/drawingml/2006/main" xmlns:r="http://schemas.openxmlformats.org/officeDocument/2006/relationships" xmlns:mc="http://schemas.openxmlformats.org/markup-compatibility/2006" xmlns:mv="urn:schemas-microsoft-com:mac:vml" xmlns:p="http://schemas.openxmlformats.org/presentationml/2006/main" xmlns:c="http://schemas.openxmlformats.org/drawingml/2006/chart" xmlns:dgm="http://schemas.openxmlformats.org/drawingml/2006/diagram" xmlns:o="urn:schemas-microsoft-com:office:office" xmlns:v="urn:schemas-microsoft-com:vml" xmlns:pvml="urn:schemas-microsoft-com:office:powerpoint" xmlns:com="http://schemas.openxmlformats.org/drawingml/2006/compatibility" xmlns:p14="http://schemas.microsoft.com/office/powerpoint/2010/main" xmlns:p15="http://schemas.microsoft.com/office/powerpoint/2012/main" xmlns:ahyp="http://schemas.microsoft.com/office/drawing/2018/hyperlinkcolor" matchingName="Blank" type="blank">
+<p:sldLayout xmlns:a="http://schemas.openxmlformats.org/drawingml/2006/main" xmlns:r="http://schemas.openxmlformats.org/officeDocument/2006/relationships" xmlns:p="http://schemas.openxmlformats.org/presentationml/2006/main" matchingName="Blank" type="blank">
   <p:cSld name="BLANK">
     <p:spTree>
       <p:nvGrpSpPr>
-        <p:cNvPr id="55" name="Shape 55"/>
+        <p:cNvPr id="1" name="Shape 55"/>
         <p:cNvGrpSpPr/>
         <p:nvPr/>
       </p:nvGrpSpPr>
@@ -2535,9 +2618,11 @@
       <p:sp>
         <p:nvSpPr>
           <p:cNvPr id="56" name="Google Shape;56;p12"/>
-          <p:cNvSpPr txBox="1"/>
+          <p:cNvSpPr txBox="1">
+            <a:spLocks noGrp="1"/>
+          </p:cNvSpPr>
           <p:nvPr>
-            <p:ph idx="12" type="sldNum"/>
+            <p:ph type="sldNum" idx="12"/>
           </p:nvPr>
         </p:nvSpPr>
         <p:spPr>
@@ -2550,7 +2635,7 @@
           </a:prstGeom>
         </p:spPr>
         <p:txBody>
-          <a:bodyPr anchorCtr="0" anchor="ctr" bIns="91425" lIns="91425" spcFirstLastPara="1" rIns="91425" wrap="square" tIns="91425">
+          <a:bodyPr spcFirstLastPara="1" wrap="square" lIns="91425" tIns="91425" rIns="91425" bIns="91425" anchor="ctr" anchorCtr="0">
             <a:normAutofit/>
           </a:bodyPr>
           <a:lstStyle>
@@ -2592,7 +2677,7 @@
             </a:lvl9pPr>
           </a:lstStyle>
           <a:p>
-            <a:pPr indent="0" lvl="0" marL="0" rtl="0" algn="r">
+            <a:pPr marL="0" lvl="0" indent="0" algn="r" rtl="0">
               <a:spcBef>
                 <a:spcPts val="0"/>
               </a:spcBef>
@@ -2603,7 +2688,7 @@
             </a:pPr>
             <a:fld id="{00000000-1234-1234-1234-123412341234}" type="slidenum">
               <a:rPr lang="pt-PT"/>
-              <a:t>‹#›</a:t>
+              <a:t>‹nº›</a:t>
             </a:fld>
             <a:endParaRPr/>
           </a:p>
@@ -2618,11 +2703,11 @@
 </file>
 
 <file path=ppt/slideLayouts/slideLayout2.xml><?xml version="1.0" encoding="utf-8"?>
-<p:sldLayout xmlns:a="http://schemas.openxmlformats.org/drawingml/2006/main" xmlns:r="http://schemas.openxmlformats.org/officeDocument/2006/relationships" xmlns:mc="http://schemas.openxmlformats.org/markup-compatibility/2006" xmlns:mv="urn:schemas-microsoft-com:mac:vml" xmlns:p="http://schemas.openxmlformats.org/presentationml/2006/main" xmlns:c="http://schemas.openxmlformats.org/drawingml/2006/chart" xmlns:dgm="http://schemas.openxmlformats.org/drawingml/2006/diagram" xmlns:o="urn:schemas-microsoft-com:office:office" xmlns:v="urn:schemas-microsoft-com:vml" xmlns:pvml="urn:schemas-microsoft-com:office:powerpoint" xmlns:com="http://schemas.openxmlformats.org/drawingml/2006/compatibility" xmlns:p14="http://schemas.microsoft.com/office/powerpoint/2010/main" xmlns:p15="http://schemas.microsoft.com/office/powerpoint/2012/main" xmlns:ahyp="http://schemas.microsoft.com/office/drawing/2018/hyperlinkcolor" matchingName="Section header" type="secHead">
+<p:sldLayout xmlns:a="http://schemas.openxmlformats.org/drawingml/2006/main" xmlns:r="http://schemas.openxmlformats.org/officeDocument/2006/relationships" xmlns:p="http://schemas.openxmlformats.org/presentationml/2006/main" matchingName="Section header" type="secHead">
   <p:cSld name="SECTION_HEADER">
     <p:spTree>
       <p:nvGrpSpPr>
-        <p:cNvPr id="16" name="Shape 16"/>
+        <p:cNvPr id="1" name="Shape 16"/>
         <p:cNvGrpSpPr/>
         <p:nvPr/>
       </p:nvGrpSpPr>
@@ -2656,12 +2741,12 @@
           </a:ln>
         </p:spPr>
         <p:txBody>
-          <a:bodyPr anchorCtr="0" anchor="ctr" bIns="91425" lIns="91425" spcFirstLastPara="1" rIns="91425" wrap="square" tIns="91425">
+          <a:bodyPr spcFirstLastPara="1" wrap="square" lIns="91425" tIns="91425" rIns="91425" bIns="91425" anchor="ctr" anchorCtr="0">
             <a:noAutofit/>
           </a:bodyPr>
           <a:lstStyle/>
           <a:p>
-            <a:pPr indent="0" lvl="0" marL="0" rtl="0" algn="l">
+            <a:pPr marL="0" lvl="0" indent="0" algn="l" rtl="0">
               <a:spcBef>
                 <a:spcPts val="0"/>
               </a:spcBef>
@@ -2670,9 +2755,6 @@
               </a:spcAft>
               <a:buNone/>
             </a:pPr>
-            <a:r>
-              <a:t/>
-            </a:r>
             <a:endParaRPr/>
           </a:p>
         </p:txBody>
@@ -2680,7 +2762,9 @@
       <p:sp>
         <p:nvSpPr>
           <p:cNvPr id="18" name="Google Shape;18;p3"/>
-          <p:cNvSpPr txBox="1"/>
+          <p:cNvSpPr txBox="1">
+            <a:spLocks noGrp="1"/>
+          </p:cNvSpPr>
           <p:nvPr>
             <p:ph type="title"/>
           </p:nvPr>
@@ -2695,7 +2779,7 @@
           </a:prstGeom>
         </p:spPr>
         <p:txBody>
-          <a:bodyPr anchorCtr="0" anchor="ctr" bIns="91425" lIns="91425" spcFirstLastPara="1" rIns="91425" wrap="square" tIns="91425">
+          <a:bodyPr spcFirstLastPara="1" wrap="square" lIns="91425" tIns="91425" rIns="91425" bIns="91425" anchor="ctr" anchorCtr="0">
             <a:normAutofit/>
           </a:bodyPr>
           <a:lstStyle>
@@ -2799,15 +2883,19 @@
               <a:defRPr/>
             </a:lvl9pPr>
           </a:lstStyle>
-          <a:p/>
+          <a:p>
+            <a:endParaRPr/>
+          </a:p>
         </p:txBody>
       </p:sp>
       <p:sp>
         <p:nvSpPr>
           <p:cNvPr id="19" name="Google Shape;19;p3"/>
-          <p:cNvSpPr txBox="1"/>
+          <p:cNvSpPr txBox="1">
+            <a:spLocks noGrp="1"/>
+          </p:cNvSpPr>
           <p:nvPr>
-            <p:ph idx="12" type="sldNum"/>
+            <p:ph type="sldNum" idx="12"/>
           </p:nvPr>
         </p:nvSpPr>
         <p:spPr>
@@ -2820,7 +2908,7 @@
           </a:prstGeom>
         </p:spPr>
         <p:txBody>
-          <a:bodyPr anchorCtr="0" anchor="ctr" bIns="91425" lIns="91425" spcFirstLastPara="1" rIns="91425" wrap="square" tIns="91425">
+          <a:bodyPr spcFirstLastPara="1" wrap="square" lIns="91425" tIns="91425" rIns="91425" bIns="91425" anchor="ctr" anchorCtr="0">
             <a:normAutofit/>
           </a:bodyPr>
           <a:lstStyle>
@@ -2898,7 +2986,7 @@
             </a:lvl9pPr>
           </a:lstStyle>
           <a:p>
-            <a:pPr indent="0" lvl="0" marL="0" rtl="0" algn="r">
+            <a:pPr marL="0" lvl="0" indent="0" algn="r" rtl="0">
               <a:spcBef>
                 <a:spcPts val="0"/>
               </a:spcBef>
@@ -2909,7 +2997,7 @@
             </a:pPr>
             <a:fld id="{00000000-1234-1234-1234-123412341234}" type="slidenum">
               <a:rPr lang="pt-PT"/>
-              <a:t>‹#›</a:t>
+              <a:t>‹nº›</a:t>
             </a:fld>
             <a:endParaRPr/>
           </a:p>
@@ -2924,11 +3012,11 @@
 </file>
 
 <file path=ppt/slideLayouts/slideLayout3.xml><?xml version="1.0" encoding="utf-8"?>
-<p:sldLayout xmlns:a="http://schemas.openxmlformats.org/drawingml/2006/main" xmlns:r="http://schemas.openxmlformats.org/officeDocument/2006/relationships" xmlns:mc="http://schemas.openxmlformats.org/markup-compatibility/2006" xmlns:mv="urn:schemas-microsoft-com:mac:vml" xmlns:p="http://schemas.openxmlformats.org/presentationml/2006/main" xmlns:c="http://schemas.openxmlformats.org/drawingml/2006/chart" xmlns:dgm="http://schemas.openxmlformats.org/drawingml/2006/diagram" xmlns:o="urn:schemas-microsoft-com:office:office" xmlns:v="urn:schemas-microsoft-com:vml" xmlns:pvml="urn:schemas-microsoft-com:office:powerpoint" xmlns:com="http://schemas.openxmlformats.org/drawingml/2006/compatibility" xmlns:p14="http://schemas.microsoft.com/office/powerpoint/2010/main" xmlns:p15="http://schemas.microsoft.com/office/powerpoint/2012/main" xmlns:ahyp="http://schemas.microsoft.com/office/drawing/2018/hyperlinkcolor" matchingName="Title and body" type="tx">
+<p:sldLayout xmlns:a="http://schemas.openxmlformats.org/drawingml/2006/main" xmlns:r="http://schemas.openxmlformats.org/officeDocument/2006/relationships" xmlns:p="http://schemas.openxmlformats.org/presentationml/2006/main" matchingName="Title and body" type="tx">
   <p:cSld name="TITLE_AND_BODY">
     <p:spTree>
       <p:nvGrpSpPr>
-        <p:cNvPr id="20" name="Shape 20"/>
+        <p:cNvPr id="1" name="Shape 20"/>
         <p:cNvGrpSpPr/>
         <p:nvPr/>
       </p:nvGrpSpPr>
@@ -2962,12 +3050,12 @@
           </a:ln>
         </p:spPr>
         <p:txBody>
-          <a:bodyPr anchorCtr="0" anchor="ctr" bIns="91425" lIns="91425" spcFirstLastPara="1" rIns="91425" wrap="square" tIns="91425">
+          <a:bodyPr spcFirstLastPara="1" wrap="square" lIns="91425" tIns="91425" rIns="91425" bIns="91425" anchor="ctr" anchorCtr="0">
             <a:noAutofit/>
           </a:bodyPr>
           <a:lstStyle/>
           <a:p>
-            <a:pPr indent="0" lvl="0" marL="0" rtl="0" algn="l">
+            <a:pPr marL="0" lvl="0" indent="0" algn="l" rtl="0">
               <a:spcBef>
                 <a:spcPts val="0"/>
               </a:spcBef>
@@ -2976,9 +3064,6 @@
               </a:spcAft>
               <a:buNone/>
             </a:pPr>
-            <a:r>
-              <a:t/>
-            </a:r>
             <a:endParaRPr/>
           </a:p>
         </p:txBody>
@@ -2986,7 +3071,9 @@
       <p:sp>
         <p:nvSpPr>
           <p:cNvPr id="22" name="Google Shape;22;p4"/>
-          <p:cNvSpPr txBox="1"/>
+          <p:cNvSpPr txBox="1">
+            <a:spLocks noGrp="1"/>
+          </p:cNvSpPr>
           <p:nvPr>
             <p:ph type="title"/>
           </p:nvPr>
@@ -3001,7 +3088,7 @@
           </a:prstGeom>
         </p:spPr>
         <p:txBody>
-          <a:bodyPr anchorCtr="0" anchor="t" bIns="91425" lIns="91425" spcFirstLastPara="1" rIns="91425" wrap="square" tIns="91425">
+          <a:bodyPr spcFirstLastPara="1" wrap="square" lIns="91425" tIns="91425" rIns="91425" bIns="91425" anchor="t" anchorCtr="0">
             <a:normAutofit/>
           </a:bodyPr>
           <a:lstStyle>
@@ -3105,15 +3192,19 @@
               <a:defRPr/>
             </a:lvl9pPr>
           </a:lstStyle>
-          <a:p/>
+          <a:p>
+            <a:endParaRPr/>
+          </a:p>
         </p:txBody>
       </p:sp>
       <p:sp>
         <p:nvSpPr>
           <p:cNvPr id="23" name="Google Shape;23;p4"/>
-          <p:cNvSpPr txBox="1"/>
+          <p:cNvSpPr txBox="1">
+            <a:spLocks noGrp="1"/>
+          </p:cNvSpPr>
           <p:nvPr>
-            <p:ph idx="1" type="body"/>
+            <p:ph type="body" idx="1"/>
           </p:nvPr>
         </p:nvSpPr>
         <p:spPr>
@@ -3126,11 +3217,11 @@
           </a:prstGeom>
         </p:spPr>
         <p:txBody>
-          <a:bodyPr anchorCtr="0" anchor="t" bIns="91425" lIns="91425" spcFirstLastPara="1" rIns="91425" wrap="square" tIns="91425">
+          <a:bodyPr spcFirstLastPara="1" wrap="square" lIns="91425" tIns="91425" rIns="91425" bIns="91425" anchor="t" anchorCtr="0">
             <a:normAutofit/>
           </a:bodyPr>
           <a:lstStyle>
-            <a:lvl1pPr indent="-342900" lvl="0" marL="457200">
+            <a:lvl1pPr marL="457200" lvl="0" indent="-342900">
               <a:spcBef>
                 <a:spcPts val="0"/>
               </a:spcBef>
@@ -3141,7 +3232,7 @@
               <a:buChar char="●"/>
               <a:defRPr/>
             </a:lvl1pPr>
-            <a:lvl2pPr indent="-317500" lvl="1" marL="914400">
+            <a:lvl2pPr marL="914400" lvl="1" indent="-317500">
               <a:spcBef>
                 <a:spcPts val="0"/>
               </a:spcBef>
@@ -3152,7 +3243,7 @@
               <a:buChar char="○"/>
               <a:defRPr/>
             </a:lvl2pPr>
-            <a:lvl3pPr indent="-317500" lvl="2" marL="1371600">
+            <a:lvl3pPr marL="1371600" lvl="2" indent="-317500">
               <a:spcBef>
                 <a:spcPts val="0"/>
               </a:spcBef>
@@ -3163,7 +3254,7 @@
               <a:buChar char="■"/>
               <a:defRPr/>
             </a:lvl3pPr>
-            <a:lvl4pPr indent="-317500" lvl="3" marL="1828800">
+            <a:lvl4pPr marL="1828800" lvl="3" indent="-317500">
               <a:spcBef>
                 <a:spcPts val="0"/>
               </a:spcBef>
@@ -3174,7 +3265,7 @@
               <a:buChar char="●"/>
               <a:defRPr/>
             </a:lvl4pPr>
-            <a:lvl5pPr indent="-317500" lvl="4" marL="2286000">
+            <a:lvl5pPr marL="2286000" lvl="4" indent="-317500">
               <a:spcBef>
                 <a:spcPts val="0"/>
               </a:spcBef>
@@ -3185,7 +3276,7 @@
               <a:buChar char="○"/>
               <a:defRPr/>
             </a:lvl5pPr>
-            <a:lvl6pPr indent="-317500" lvl="5" marL="2743200">
+            <a:lvl6pPr marL="2743200" lvl="5" indent="-317500">
               <a:spcBef>
                 <a:spcPts val="0"/>
               </a:spcBef>
@@ -3196,7 +3287,7 @@
               <a:buChar char="■"/>
               <a:defRPr/>
             </a:lvl6pPr>
-            <a:lvl7pPr indent="-317500" lvl="6" marL="3200400">
+            <a:lvl7pPr marL="3200400" lvl="6" indent="-317500">
               <a:spcBef>
                 <a:spcPts val="0"/>
               </a:spcBef>
@@ -3207,7 +3298,7 @@
               <a:buChar char="●"/>
               <a:defRPr/>
             </a:lvl7pPr>
-            <a:lvl8pPr indent="-317500" lvl="7" marL="3657600">
+            <a:lvl8pPr marL="3657600" lvl="7" indent="-317500">
               <a:spcBef>
                 <a:spcPts val="0"/>
               </a:spcBef>
@@ -3218,7 +3309,7 @@
               <a:buChar char="○"/>
               <a:defRPr/>
             </a:lvl8pPr>
-            <a:lvl9pPr indent="-317500" lvl="8" marL="4114800">
+            <a:lvl9pPr marL="4114800" lvl="8" indent="-317500">
               <a:spcBef>
                 <a:spcPts val="0"/>
               </a:spcBef>
@@ -3230,15 +3321,19 @@
               <a:defRPr/>
             </a:lvl9pPr>
           </a:lstStyle>
-          <a:p/>
+          <a:p>
+            <a:endParaRPr/>
+          </a:p>
         </p:txBody>
       </p:sp>
       <p:sp>
         <p:nvSpPr>
           <p:cNvPr id="24" name="Google Shape;24;p4"/>
-          <p:cNvSpPr txBox="1"/>
+          <p:cNvSpPr txBox="1">
+            <a:spLocks noGrp="1"/>
+          </p:cNvSpPr>
           <p:nvPr>
-            <p:ph idx="12" type="sldNum"/>
+            <p:ph type="sldNum" idx="12"/>
           </p:nvPr>
         </p:nvSpPr>
         <p:spPr>
@@ -3251,7 +3346,7 @@
           </a:prstGeom>
         </p:spPr>
         <p:txBody>
-          <a:bodyPr anchorCtr="0" anchor="ctr" bIns="91425" lIns="91425" spcFirstLastPara="1" rIns="91425" wrap="square" tIns="91425">
+          <a:bodyPr spcFirstLastPara="1" wrap="square" lIns="91425" tIns="91425" rIns="91425" bIns="91425" anchor="ctr" anchorCtr="0">
             <a:normAutofit/>
           </a:bodyPr>
           <a:lstStyle>
@@ -3293,7 +3388,7 @@
             </a:lvl9pPr>
           </a:lstStyle>
           <a:p>
-            <a:pPr indent="0" lvl="0" marL="0" rtl="0" algn="r">
+            <a:pPr marL="0" lvl="0" indent="0" algn="r" rtl="0">
               <a:spcBef>
                 <a:spcPts val="0"/>
               </a:spcBef>
@@ -3304,7 +3399,7 @@
             </a:pPr>
             <a:fld id="{00000000-1234-1234-1234-123412341234}" type="slidenum">
               <a:rPr lang="pt-PT"/>
-              <a:t>‹#›</a:t>
+              <a:t>‹nº›</a:t>
             </a:fld>
             <a:endParaRPr/>
           </a:p>
@@ -3319,11 +3414,11 @@
 </file>
 
 <file path=ppt/slideLayouts/slideLayout4.xml><?xml version="1.0" encoding="utf-8"?>
-<p:sldLayout xmlns:a="http://schemas.openxmlformats.org/drawingml/2006/main" xmlns:r="http://schemas.openxmlformats.org/officeDocument/2006/relationships" xmlns:mc="http://schemas.openxmlformats.org/markup-compatibility/2006" xmlns:mv="urn:schemas-microsoft-com:mac:vml" xmlns:p="http://schemas.openxmlformats.org/presentationml/2006/main" xmlns:c="http://schemas.openxmlformats.org/drawingml/2006/chart" xmlns:dgm="http://schemas.openxmlformats.org/drawingml/2006/diagram" xmlns:o="urn:schemas-microsoft-com:office:office" xmlns:v="urn:schemas-microsoft-com:vml" xmlns:pvml="urn:schemas-microsoft-com:office:powerpoint" xmlns:com="http://schemas.openxmlformats.org/drawingml/2006/compatibility" xmlns:p14="http://schemas.microsoft.com/office/powerpoint/2010/main" xmlns:p15="http://schemas.microsoft.com/office/powerpoint/2012/main" xmlns:ahyp="http://schemas.microsoft.com/office/drawing/2018/hyperlinkcolor" matchingName="Title and two columns" type="twoColTx">
+<p:sldLayout xmlns:a="http://schemas.openxmlformats.org/drawingml/2006/main" xmlns:r="http://schemas.openxmlformats.org/officeDocument/2006/relationships" xmlns:p="http://schemas.openxmlformats.org/presentationml/2006/main" matchingName="Title and two columns" type="twoColTx">
   <p:cSld name="TITLE_AND_TWO_COLUMNS">
     <p:spTree>
       <p:nvGrpSpPr>
-        <p:cNvPr id="25" name="Shape 25"/>
+        <p:cNvPr id="1" name="Shape 25"/>
         <p:cNvGrpSpPr/>
         <p:nvPr/>
       </p:nvGrpSpPr>
@@ -3338,7 +3433,9 @@
       <p:sp>
         <p:nvSpPr>
           <p:cNvPr id="26" name="Google Shape;26;p5"/>
-          <p:cNvSpPr txBox="1"/>
+          <p:cNvSpPr txBox="1">
+            <a:spLocks noGrp="1"/>
+          </p:cNvSpPr>
           <p:nvPr>
             <p:ph type="title"/>
           </p:nvPr>
@@ -3353,7 +3450,7 @@
           </a:prstGeom>
         </p:spPr>
         <p:txBody>
-          <a:bodyPr anchorCtr="0" anchor="t" bIns="91425" lIns="91425" spcFirstLastPara="1" rIns="91425" wrap="square" tIns="91425">
+          <a:bodyPr spcFirstLastPara="1" wrap="square" lIns="91425" tIns="91425" rIns="91425" bIns="91425" anchor="t" anchorCtr="0">
             <a:normAutofit/>
           </a:bodyPr>
           <a:lstStyle>
@@ -3457,15 +3554,19 @@
               <a:defRPr/>
             </a:lvl9pPr>
           </a:lstStyle>
-          <a:p/>
+          <a:p>
+            <a:endParaRPr/>
+          </a:p>
         </p:txBody>
       </p:sp>
       <p:sp>
         <p:nvSpPr>
           <p:cNvPr id="27" name="Google Shape;27;p5"/>
-          <p:cNvSpPr txBox="1"/>
+          <p:cNvSpPr txBox="1">
+            <a:spLocks noGrp="1"/>
+          </p:cNvSpPr>
           <p:nvPr>
-            <p:ph idx="1" type="body"/>
+            <p:ph type="body" idx="1"/>
           </p:nvPr>
         </p:nvSpPr>
         <p:spPr>
@@ -3478,11 +3579,11 @@
           </a:prstGeom>
         </p:spPr>
         <p:txBody>
-          <a:bodyPr anchorCtr="0" anchor="t" bIns="91425" lIns="91425" spcFirstLastPara="1" rIns="91425" wrap="square" tIns="91425">
+          <a:bodyPr spcFirstLastPara="1" wrap="square" lIns="91425" tIns="91425" rIns="91425" bIns="91425" anchor="t" anchorCtr="0">
             <a:normAutofit/>
           </a:bodyPr>
           <a:lstStyle>
-            <a:lvl1pPr indent="-317500" lvl="0" marL="457200">
+            <a:lvl1pPr marL="457200" lvl="0" indent="-317500">
               <a:spcBef>
                 <a:spcPts val="0"/>
               </a:spcBef>
@@ -3493,7 +3594,7 @@
               <a:buChar char="●"/>
               <a:defRPr sz="1400"/>
             </a:lvl1pPr>
-            <a:lvl2pPr indent="-304800" lvl="1" marL="914400">
+            <a:lvl2pPr marL="914400" lvl="1" indent="-304800">
               <a:spcBef>
                 <a:spcPts val="0"/>
               </a:spcBef>
@@ -3504,7 +3605,7 @@
               <a:buChar char="○"/>
               <a:defRPr sz="1200"/>
             </a:lvl2pPr>
-            <a:lvl3pPr indent="-304800" lvl="2" marL="1371600">
+            <a:lvl3pPr marL="1371600" lvl="2" indent="-304800">
               <a:spcBef>
                 <a:spcPts val="0"/>
               </a:spcBef>
@@ -3515,7 +3616,7 @@
               <a:buChar char="■"/>
               <a:defRPr sz="1200"/>
             </a:lvl3pPr>
-            <a:lvl4pPr indent="-304800" lvl="3" marL="1828800">
+            <a:lvl4pPr marL="1828800" lvl="3" indent="-304800">
               <a:spcBef>
                 <a:spcPts val="0"/>
               </a:spcBef>
@@ -3526,7 +3627,7 @@
               <a:buChar char="●"/>
               <a:defRPr sz="1200"/>
             </a:lvl4pPr>
-            <a:lvl5pPr indent="-304800" lvl="4" marL="2286000">
+            <a:lvl5pPr marL="2286000" lvl="4" indent="-304800">
               <a:spcBef>
                 <a:spcPts val="0"/>
               </a:spcBef>
@@ -3537,7 +3638,7 @@
               <a:buChar char="○"/>
               <a:defRPr sz="1200"/>
             </a:lvl5pPr>
-            <a:lvl6pPr indent="-304800" lvl="5" marL="2743200">
+            <a:lvl6pPr marL="2743200" lvl="5" indent="-304800">
               <a:spcBef>
                 <a:spcPts val="0"/>
               </a:spcBef>
@@ -3548,7 +3649,7 @@
               <a:buChar char="■"/>
               <a:defRPr sz="1200"/>
             </a:lvl6pPr>
-            <a:lvl7pPr indent="-304800" lvl="6" marL="3200400">
+            <a:lvl7pPr marL="3200400" lvl="6" indent="-304800">
               <a:spcBef>
                 <a:spcPts val="0"/>
               </a:spcBef>
@@ -3559,7 +3660,7 @@
               <a:buChar char="●"/>
               <a:defRPr sz="1200"/>
             </a:lvl7pPr>
-            <a:lvl8pPr indent="-304800" lvl="7" marL="3657600">
+            <a:lvl8pPr marL="3657600" lvl="7" indent="-304800">
               <a:spcBef>
                 <a:spcPts val="0"/>
               </a:spcBef>
@@ -3570,7 +3671,7 @@
               <a:buChar char="○"/>
               <a:defRPr sz="1200"/>
             </a:lvl8pPr>
-            <a:lvl9pPr indent="-304800" lvl="8" marL="4114800">
+            <a:lvl9pPr marL="4114800" lvl="8" indent="-304800">
               <a:spcBef>
                 <a:spcPts val="0"/>
               </a:spcBef>
@@ -3582,15 +3683,19 @@
               <a:defRPr sz="1200"/>
             </a:lvl9pPr>
           </a:lstStyle>
-          <a:p/>
+          <a:p>
+            <a:endParaRPr/>
+          </a:p>
         </p:txBody>
       </p:sp>
       <p:sp>
         <p:nvSpPr>
           <p:cNvPr id="28" name="Google Shape;28;p5"/>
-          <p:cNvSpPr txBox="1"/>
+          <p:cNvSpPr txBox="1">
+            <a:spLocks noGrp="1"/>
+          </p:cNvSpPr>
           <p:nvPr>
-            <p:ph idx="2" type="body"/>
+            <p:ph type="body" idx="2"/>
           </p:nvPr>
         </p:nvSpPr>
         <p:spPr>
@@ -3603,11 +3708,11 @@
           </a:prstGeom>
         </p:spPr>
         <p:txBody>
-          <a:bodyPr anchorCtr="0" anchor="t" bIns="91425" lIns="91425" spcFirstLastPara="1" rIns="91425" wrap="square" tIns="91425">
+          <a:bodyPr spcFirstLastPara="1" wrap="square" lIns="91425" tIns="91425" rIns="91425" bIns="91425" anchor="t" anchorCtr="0">
             <a:normAutofit/>
           </a:bodyPr>
           <a:lstStyle>
-            <a:lvl1pPr indent="-317500" lvl="0" marL="457200">
+            <a:lvl1pPr marL="457200" lvl="0" indent="-317500">
               <a:spcBef>
                 <a:spcPts val="0"/>
               </a:spcBef>
@@ -3618,7 +3723,7 @@
               <a:buChar char="●"/>
               <a:defRPr sz="1400"/>
             </a:lvl1pPr>
-            <a:lvl2pPr indent="-304800" lvl="1" marL="914400">
+            <a:lvl2pPr marL="914400" lvl="1" indent="-304800">
               <a:spcBef>
                 <a:spcPts val="0"/>
               </a:spcBef>
@@ -3629,7 +3734,7 @@
               <a:buChar char="○"/>
               <a:defRPr sz="1200"/>
             </a:lvl2pPr>
-            <a:lvl3pPr indent="-304800" lvl="2" marL="1371600">
+            <a:lvl3pPr marL="1371600" lvl="2" indent="-304800">
               <a:spcBef>
                 <a:spcPts val="0"/>
               </a:spcBef>
@@ -3640,7 +3745,7 @@
               <a:buChar char="■"/>
               <a:defRPr sz="1200"/>
             </a:lvl3pPr>
-            <a:lvl4pPr indent="-304800" lvl="3" marL="1828800">
+            <a:lvl4pPr marL="1828800" lvl="3" indent="-304800">
               <a:spcBef>
                 <a:spcPts val="0"/>
               </a:spcBef>
@@ -3651,7 +3756,7 @@
               <a:buChar char="●"/>
               <a:defRPr sz="1200"/>
             </a:lvl4pPr>
-            <a:lvl5pPr indent="-304800" lvl="4" marL="2286000">
+            <a:lvl5pPr marL="2286000" lvl="4" indent="-304800">
               <a:spcBef>
                 <a:spcPts val="0"/>
               </a:spcBef>
@@ -3662,7 +3767,7 @@
               <a:buChar char="○"/>
               <a:defRPr sz="1200"/>
             </a:lvl5pPr>
-            <a:lvl6pPr indent="-304800" lvl="5" marL="2743200">
+            <a:lvl6pPr marL="2743200" lvl="5" indent="-304800">
               <a:spcBef>
                 <a:spcPts val="0"/>
               </a:spcBef>
@@ -3673,7 +3778,7 @@
               <a:buChar char="■"/>
               <a:defRPr sz="1200"/>
             </a:lvl6pPr>
-            <a:lvl7pPr indent="-304800" lvl="6" marL="3200400">
+            <a:lvl7pPr marL="3200400" lvl="6" indent="-304800">
               <a:spcBef>
                 <a:spcPts val="0"/>
               </a:spcBef>
@@ -3684,7 +3789,7 @@
               <a:buChar char="●"/>
               <a:defRPr sz="1200"/>
             </a:lvl7pPr>
-            <a:lvl8pPr indent="-304800" lvl="7" marL="3657600">
+            <a:lvl8pPr marL="3657600" lvl="7" indent="-304800">
               <a:spcBef>
                 <a:spcPts val="0"/>
               </a:spcBef>
@@ -3695,7 +3800,7 @@
               <a:buChar char="○"/>
               <a:defRPr sz="1200"/>
             </a:lvl8pPr>
-            <a:lvl9pPr indent="-304800" lvl="8" marL="4114800">
+            <a:lvl9pPr marL="4114800" lvl="8" indent="-304800">
               <a:spcBef>
                 <a:spcPts val="0"/>
               </a:spcBef>
@@ -3707,15 +3812,19 @@
               <a:defRPr sz="1200"/>
             </a:lvl9pPr>
           </a:lstStyle>
-          <a:p/>
+          <a:p>
+            <a:endParaRPr/>
+          </a:p>
         </p:txBody>
       </p:sp>
       <p:sp>
         <p:nvSpPr>
           <p:cNvPr id="29" name="Google Shape;29;p5"/>
-          <p:cNvSpPr txBox="1"/>
+          <p:cNvSpPr txBox="1">
+            <a:spLocks noGrp="1"/>
+          </p:cNvSpPr>
           <p:nvPr>
-            <p:ph idx="12" type="sldNum"/>
+            <p:ph type="sldNum" idx="12"/>
           </p:nvPr>
         </p:nvSpPr>
         <p:spPr>
@@ -3728,7 +3837,7 @@
           </a:prstGeom>
         </p:spPr>
         <p:txBody>
-          <a:bodyPr anchorCtr="0" anchor="ctr" bIns="91425" lIns="91425" spcFirstLastPara="1" rIns="91425" wrap="square" tIns="91425">
+          <a:bodyPr spcFirstLastPara="1" wrap="square" lIns="91425" tIns="91425" rIns="91425" bIns="91425" anchor="ctr" anchorCtr="0">
             <a:normAutofit/>
           </a:bodyPr>
           <a:lstStyle>
@@ -3770,7 +3879,7 @@
             </a:lvl9pPr>
           </a:lstStyle>
           <a:p>
-            <a:pPr indent="0" lvl="0" marL="0" rtl="0" algn="r">
+            <a:pPr marL="0" lvl="0" indent="0" algn="r" rtl="0">
               <a:spcBef>
                 <a:spcPts val="0"/>
               </a:spcBef>
@@ -3781,7 +3890,7 @@
             </a:pPr>
             <a:fld id="{00000000-1234-1234-1234-123412341234}" type="slidenum">
               <a:rPr lang="pt-PT"/>
-              <a:t>‹#›</a:t>
+              <a:t>‹nº›</a:t>
             </a:fld>
             <a:endParaRPr/>
           </a:p>
@@ -3796,11 +3905,11 @@
 </file>
 
 <file path=ppt/slideLayouts/slideLayout5.xml><?xml version="1.0" encoding="utf-8"?>
-<p:sldLayout xmlns:a="http://schemas.openxmlformats.org/drawingml/2006/main" xmlns:r="http://schemas.openxmlformats.org/officeDocument/2006/relationships" xmlns:mc="http://schemas.openxmlformats.org/markup-compatibility/2006" xmlns:mv="urn:schemas-microsoft-com:mac:vml" xmlns:p="http://schemas.openxmlformats.org/presentationml/2006/main" xmlns:c="http://schemas.openxmlformats.org/drawingml/2006/chart" xmlns:dgm="http://schemas.openxmlformats.org/drawingml/2006/diagram" xmlns:o="urn:schemas-microsoft-com:office:office" xmlns:v="urn:schemas-microsoft-com:vml" xmlns:pvml="urn:schemas-microsoft-com:office:powerpoint" xmlns:com="http://schemas.openxmlformats.org/drawingml/2006/compatibility" xmlns:p14="http://schemas.microsoft.com/office/powerpoint/2010/main" xmlns:p15="http://schemas.microsoft.com/office/powerpoint/2012/main" xmlns:ahyp="http://schemas.microsoft.com/office/drawing/2018/hyperlinkcolor" matchingName="Title only" type="titleOnly">
+<p:sldLayout xmlns:a="http://schemas.openxmlformats.org/drawingml/2006/main" xmlns:r="http://schemas.openxmlformats.org/officeDocument/2006/relationships" xmlns:p="http://schemas.openxmlformats.org/presentationml/2006/main" matchingName="Title only" type="titleOnly">
   <p:cSld name="TITLE_ONLY">
     <p:spTree>
       <p:nvGrpSpPr>
-        <p:cNvPr id="30" name="Shape 30"/>
+        <p:cNvPr id="1" name="Shape 30"/>
         <p:cNvGrpSpPr/>
         <p:nvPr/>
       </p:nvGrpSpPr>
@@ -3815,7 +3924,9 @@
       <p:sp>
         <p:nvSpPr>
           <p:cNvPr id="31" name="Google Shape;31;p6"/>
-          <p:cNvSpPr txBox="1"/>
+          <p:cNvSpPr txBox="1">
+            <a:spLocks noGrp="1"/>
+          </p:cNvSpPr>
           <p:nvPr>
             <p:ph type="title"/>
           </p:nvPr>
@@ -3830,7 +3941,7 @@
           </a:prstGeom>
         </p:spPr>
         <p:txBody>
-          <a:bodyPr anchorCtr="0" anchor="t" bIns="91425" lIns="91425" spcFirstLastPara="1" rIns="91425" wrap="square" tIns="91425">
+          <a:bodyPr spcFirstLastPara="1" wrap="square" lIns="91425" tIns="91425" rIns="91425" bIns="91425" anchor="t" anchorCtr="0">
             <a:normAutofit/>
           </a:bodyPr>
           <a:lstStyle>
@@ -3934,15 +4045,19 @@
               <a:defRPr/>
             </a:lvl9pPr>
           </a:lstStyle>
-          <a:p/>
+          <a:p>
+            <a:endParaRPr/>
+          </a:p>
         </p:txBody>
       </p:sp>
       <p:sp>
         <p:nvSpPr>
           <p:cNvPr id="32" name="Google Shape;32;p6"/>
-          <p:cNvSpPr txBox="1"/>
+          <p:cNvSpPr txBox="1">
+            <a:spLocks noGrp="1"/>
+          </p:cNvSpPr>
           <p:nvPr>
-            <p:ph idx="12" type="sldNum"/>
+            <p:ph type="sldNum" idx="12"/>
           </p:nvPr>
         </p:nvSpPr>
         <p:spPr>
@@ -3955,7 +4070,7 @@
           </a:prstGeom>
         </p:spPr>
         <p:txBody>
-          <a:bodyPr anchorCtr="0" anchor="ctr" bIns="91425" lIns="91425" spcFirstLastPara="1" rIns="91425" wrap="square" tIns="91425">
+          <a:bodyPr spcFirstLastPara="1" wrap="square" lIns="91425" tIns="91425" rIns="91425" bIns="91425" anchor="ctr" anchorCtr="0">
             <a:normAutofit/>
           </a:bodyPr>
           <a:lstStyle>
@@ -3997,7 +4112,7 @@
             </a:lvl9pPr>
           </a:lstStyle>
           <a:p>
-            <a:pPr indent="0" lvl="0" marL="0" rtl="0" algn="r">
+            <a:pPr marL="0" lvl="0" indent="0" algn="r" rtl="0">
               <a:spcBef>
                 <a:spcPts val="0"/>
               </a:spcBef>
@@ -4008,7 +4123,7 @@
             </a:pPr>
             <a:fld id="{00000000-1234-1234-1234-123412341234}" type="slidenum">
               <a:rPr lang="pt-PT"/>
-              <a:t>‹#›</a:t>
+              <a:t>‹nº›</a:t>
             </a:fld>
             <a:endParaRPr/>
           </a:p>
@@ -4023,11 +4138,11 @@
 </file>
 
 <file path=ppt/slideLayouts/slideLayout6.xml><?xml version="1.0" encoding="utf-8"?>
-<p:sldLayout xmlns:a="http://schemas.openxmlformats.org/drawingml/2006/main" xmlns:r="http://schemas.openxmlformats.org/officeDocument/2006/relationships" xmlns:mc="http://schemas.openxmlformats.org/markup-compatibility/2006" xmlns:mv="urn:schemas-microsoft-com:mac:vml" xmlns:p="http://schemas.openxmlformats.org/presentationml/2006/main" xmlns:c="http://schemas.openxmlformats.org/drawingml/2006/chart" xmlns:dgm="http://schemas.openxmlformats.org/drawingml/2006/diagram" xmlns:o="urn:schemas-microsoft-com:office:office" xmlns:v="urn:schemas-microsoft-com:vml" xmlns:pvml="urn:schemas-microsoft-com:office:powerpoint" xmlns:com="http://schemas.openxmlformats.org/drawingml/2006/compatibility" xmlns:p14="http://schemas.microsoft.com/office/powerpoint/2010/main" xmlns:p15="http://schemas.microsoft.com/office/powerpoint/2012/main" xmlns:ahyp="http://schemas.microsoft.com/office/drawing/2018/hyperlinkcolor" matchingName="One column text">
+<p:sldLayout xmlns:a="http://schemas.openxmlformats.org/drawingml/2006/main" xmlns:r="http://schemas.openxmlformats.org/officeDocument/2006/relationships" xmlns:p="http://schemas.openxmlformats.org/presentationml/2006/main" matchingName="One column text">
   <p:cSld name="ONE_COLUMN_TEXT">
     <p:spTree>
       <p:nvGrpSpPr>
-        <p:cNvPr id="33" name="Shape 33"/>
+        <p:cNvPr id="1" name="Shape 33"/>
         <p:cNvGrpSpPr/>
         <p:nvPr/>
       </p:nvGrpSpPr>
@@ -4042,7 +4157,9 @@
       <p:sp>
         <p:nvSpPr>
           <p:cNvPr id="34" name="Google Shape;34;p7"/>
-          <p:cNvSpPr txBox="1"/>
+          <p:cNvSpPr txBox="1">
+            <a:spLocks noGrp="1"/>
+          </p:cNvSpPr>
           <p:nvPr>
             <p:ph type="title"/>
           </p:nvPr>
@@ -4057,7 +4174,7 @@
           </a:prstGeom>
         </p:spPr>
         <p:txBody>
-          <a:bodyPr anchorCtr="0" anchor="b" bIns="91425" lIns="91425" spcFirstLastPara="1" rIns="91425" wrap="square" tIns="91425">
+          <a:bodyPr spcFirstLastPara="1" wrap="square" lIns="91425" tIns="91425" rIns="91425" bIns="91425" anchor="b" anchorCtr="0">
             <a:normAutofit/>
           </a:bodyPr>
           <a:lstStyle>
@@ -4161,15 +4278,19 @@
               <a:defRPr sz="2400"/>
             </a:lvl9pPr>
           </a:lstStyle>
-          <a:p/>
+          <a:p>
+            <a:endParaRPr/>
+          </a:p>
         </p:txBody>
       </p:sp>
       <p:sp>
         <p:nvSpPr>
           <p:cNvPr id="35" name="Google Shape;35;p7"/>
-          <p:cNvSpPr txBox="1"/>
+          <p:cNvSpPr txBox="1">
+            <a:spLocks noGrp="1"/>
+          </p:cNvSpPr>
           <p:nvPr>
-            <p:ph idx="1" type="body"/>
+            <p:ph type="body" idx="1"/>
           </p:nvPr>
         </p:nvSpPr>
         <p:spPr>
@@ -4182,11 +4303,11 @@
           </a:prstGeom>
         </p:spPr>
         <p:txBody>
-          <a:bodyPr anchorCtr="0" anchor="t" bIns="91425" lIns="91425" spcFirstLastPara="1" rIns="91425" wrap="square" tIns="91425">
+          <a:bodyPr spcFirstLastPara="1" wrap="square" lIns="91425" tIns="91425" rIns="91425" bIns="91425" anchor="t" anchorCtr="0">
             <a:normAutofit/>
           </a:bodyPr>
           <a:lstStyle>
-            <a:lvl1pPr indent="-304800" lvl="0" marL="457200">
+            <a:lvl1pPr marL="457200" lvl="0" indent="-304800">
               <a:spcBef>
                 <a:spcPts val="0"/>
               </a:spcBef>
@@ -4197,7 +4318,7 @@
               <a:buChar char="●"/>
               <a:defRPr sz="1200"/>
             </a:lvl1pPr>
-            <a:lvl2pPr indent="-304800" lvl="1" marL="914400">
+            <a:lvl2pPr marL="914400" lvl="1" indent="-304800">
               <a:spcBef>
                 <a:spcPts val="0"/>
               </a:spcBef>
@@ -4208,7 +4329,7 @@
               <a:buChar char="○"/>
               <a:defRPr sz="1200"/>
             </a:lvl2pPr>
-            <a:lvl3pPr indent="-304800" lvl="2" marL="1371600">
+            <a:lvl3pPr marL="1371600" lvl="2" indent="-304800">
               <a:spcBef>
                 <a:spcPts val="0"/>
               </a:spcBef>
@@ -4219,7 +4340,7 @@
               <a:buChar char="■"/>
               <a:defRPr sz="1200"/>
             </a:lvl3pPr>
-            <a:lvl4pPr indent="-304800" lvl="3" marL="1828800">
+            <a:lvl4pPr marL="1828800" lvl="3" indent="-304800">
               <a:spcBef>
                 <a:spcPts val="0"/>
               </a:spcBef>
@@ -4230,7 +4351,7 @@
               <a:buChar char="●"/>
               <a:defRPr sz="1200"/>
             </a:lvl4pPr>
-            <a:lvl5pPr indent="-304800" lvl="4" marL="2286000">
+            <a:lvl5pPr marL="2286000" lvl="4" indent="-304800">
               <a:spcBef>
                 <a:spcPts val="0"/>
               </a:spcBef>
@@ -4241,7 +4362,7 @@
               <a:buChar char="○"/>
               <a:defRPr sz="1200"/>
             </a:lvl5pPr>
-            <a:lvl6pPr indent="-304800" lvl="5" marL="2743200">
+            <a:lvl6pPr marL="2743200" lvl="5" indent="-304800">
               <a:spcBef>
                 <a:spcPts val="0"/>
               </a:spcBef>
@@ -4252,7 +4373,7 @@
               <a:buChar char="■"/>
               <a:defRPr sz="1200"/>
             </a:lvl6pPr>
-            <a:lvl7pPr indent="-304800" lvl="6" marL="3200400">
+            <a:lvl7pPr marL="3200400" lvl="6" indent="-304800">
               <a:spcBef>
                 <a:spcPts val="0"/>
               </a:spcBef>
@@ -4263,7 +4384,7 @@
               <a:buChar char="●"/>
               <a:defRPr sz="1200"/>
             </a:lvl7pPr>
-            <a:lvl8pPr indent="-304800" lvl="7" marL="3657600">
+            <a:lvl8pPr marL="3657600" lvl="7" indent="-304800">
               <a:spcBef>
                 <a:spcPts val="0"/>
               </a:spcBef>
@@ -4274,7 +4395,7 @@
               <a:buChar char="○"/>
               <a:defRPr sz="1200"/>
             </a:lvl8pPr>
-            <a:lvl9pPr indent="-304800" lvl="8" marL="4114800">
+            <a:lvl9pPr marL="4114800" lvl="8" indent="-304800">
               <a:spcBef>
                 <a:spcPts val="0"/>
               </a:spcBef>
@@ -4286,15 +4407,19 @@
               <a:defRPr sz="1200"/>
             </a:lvl9pPr>
           </a:lstStyle>
-          <a:p/>
+          <a:p>
+            <a:endParaRPr/>
+          </a:p>
         </p:txBody>
       </p:sp>
       <p:sp>
         <p:nvSpPr>
           <p:cNvPr id="36" name="Google Shape;36;p7"/>
-          <p:cNvSpPr txBox="1"/>
+          <p:cNvSpPr txBox="1">
+            <a:spLocks noGrp="1"/>
+          </p:cNvSpPr>
           <p:nvPr>
-            <p:ph idx="12" type="sldNum"/>
+            <p:ph type="sldNum" idx="12"/>
           </p:nvPr>
         </p:nvSpPr>
         <p:spPr>
@@ -4307,7 +4432,7 @@
           </a:prstGeom>
         </p:spPr>
         <p:txBody>
-          <a:bodyPr anchorCtr="0" anchor="ctr" bIns="91425" lIns="91425" spcFirstLastPara="1" rIns="91425" wrap="square" tIns="91425">
+          <a:bodyPr spcFirstLastPara="1" wrap="square" lIns="91425" tIns="91425" rIns="91425" bIns="91425" anchor="ctr" anchorCtr="0">
             <a:normAutofit/>
           </a:bodyPr>
           <a:lstStyle>
@@ -4349,7 +4474,7 @@
             </a:lvl9pPr>
           </a:lstStyle>
           <a:p>
-            <a:pPr indent="0" lvl="0" marL="0" rtl="0" algn="r">
+            <a:pPr marL="0" lvl="0" indent="0" algn="r" rtl="0">
               <a:spcBef>
                 <a:spcPts val="0"/>
               </a:spcBef>
@@ -4360,7 +4485,7 @@
             </a:pPr>
             <a:fld id="{00000000-1234-1234-1234-123412341234}" type="slidenum">
               <a:rPr lang="pt-PT"/>
-              <a:t>‹#›</a:t>
+              <a:t>‹nº›</a:t>
             </a:fld>
             <a:endParaRPr/>
           </a:p>
@@ -4375,18 +4500,19 @@
 </file>
 
 <file path=ppt/slideLayouts/slideLayout7.xml><?xml version="1.0" encoding="utf-8"?>
-<p:sldLayout xmlns:a="http://schemas.openxmlformats.org/drawingml/2006/main" xmlns:r="http://schemas.openxmlformats.org/officeDocument/2006/relationships" xmlns:mc="http://schemas.openxmlformats.org/markup-compatibility/2006" xmlns:mv="urn:schemas-microsoft-com:mac:vml" xmlns:p="http://schemas.openxmlformats.org/presentationml/2006/main" xmlns:c="http://schemas.openxmlformats.org/drawingml/2006/chart" xmlns:dgm="http://schemas.openxmlformats.org/drawingml/2006/diagram" xmlns:o="urn:schemas-microsoft-com:office:office" xmlns:v="urn:schemas-microsoft-com:vml" xmlns:pvml="urn:schemas-microsoft-com:office:powerpoint" xmlns:com="http://schemas.openxmlformats.org/drawingml/2006/compatibility" xmlns:p14="http://schemas.microsoft.com/office/powerpoint/2010/main" xmlns:p15="http://schemas.microsoft.com/office/powerpoint/2012/main" xmlns:ahyp="http://schemas.microsoft.com/office/drawing/2018/hyperlinkcolor" matchingName="Main point">
+<p:sldLayout xmlns:a="http://schemas.openxmlformats.org/drawingml/2006/main" xmlns:r="http://schemas.openxmlformats.org/officeDocument/2006/relationships" xmlns:p="http://schemas.openxmlformats.org/presentationml/2006/main" matchingName="Main point">
   <p:cSld name="MAIN_POINT">
     <p:bg>
       <p:bgPr>
         <a:solidFill>
           <a:schemeClr val="accent6"/>
         </a:solidFill>
+        <a:effectLst/>
       </p:bgPr>
     </p:bg>
     <p:spTree>
       <p:nvGrpSpPr>
-        <p:cNvPr id="37" name="Shape 37"/>
+        <p:cNvPr id="1" name="Shape 37"/>
         <p:cNvGrpSpPr/>
         <p:nvPr/>
       </p:nvGrpSpPr>
@@ -4401,7 +4527,9 @@
       <p:sp>
         <p:nvSpPr>
           <p:cNvPr id="38" name="Google Shape;38;p8"/>
-          <p:cNvSpPr txBox="1"/>
+          <p:cNvSpPr txBox="1">
+            <a:spLocks noGrp="1"/>
+          </p:cNvSpPr>
           <p:nvPr>
             <p:ph type="title"/>
           </p:nvPr>
@@ -4416,7 +4544,7 @@
           </a:prstGeom>
         </p:spPr>
         <p:txBody>
-          <a:bodyPr anchorCtr="0" anchor="ctr" bIns="91425" lIns="91425" spcFirstLastPara="1" rIns="91425" wrap="square" tIns="91425">
+          <a:bodyPr spcFirstLastPara="1" wrap="square" lIns="91425" tIns="91425" rIns="91425" bIns="91425" anchor="ctr" anchorCtr="0">
             <a:normAutofit/>
           </a:bodyPr>
           <a:lstStyle>
@@ -4432,7 +4560,7 @@
               </a:buClr>
               <a:buSzPts val="5400"/>
               <a:buNone/>
-              <a:defRPr b="0" sz="5400">
+              <a:defRPr sz="5400" b="0">
                 <a:solidFill>
                   <a:schemeClr val="dk2"/>
                 </a:solidFill>
@@ -4450,7 +4578,7 @@
               </a:buClr>
               <a:buSzPts val="5400"/>
               <a:buNone/>
-              <a:defRPr b="0" sz="5400">
+              <a:defRPr sz="5400" b="0">
                 <a:solidFill>
                   <a:schemeClr val="dk2"/>
                 </a:solidFill>
@@ -4468,7 +4596,7 @@
               </a:buClr>
               <a:buSzPts val="5400"/>
               <a:buNone/>
-              <a:defRPr b="0" sz="5400">
+              <a:defRPr sz="5400" b="0">
                 <a:solidFill>
                   <a:schemeClr val="dk2"/>
                 </a:solidFill>
@@ -4486,7 +4614,7 @@
               </a:buClr>
               <a:buSzPts val="5400"/>
               <a:buNone/>
-              <a:defRPr b="0" sz="5400">
+              <a:defRPr sz="5400" b="0">
                 <a:solidFill>
                   <a:schemeClr val="dk2"/>
                 </a:solidFill>
@@ -4504,7 +4632,7 @@
               </a:buClr>
               <a:buSzPts val="5400"/>
               <a:buNone/>
-              <a:defRPr b="0" sz="5400">
+              <a:defRPr sz="5400" b="0">
                 <a:solidFill>
                   <a:schemeClr val="dk2"/>
                 </a:solidFill>
@@ -4522,7 +4650,7 @@
               </a:buClr>
               <a:buSzPts val="5400"/>
               <a:buNone/>
-              <a:defRPr b="0" sz="5400">
+              <a:defRPr sz="5400" b="0">
                 <a:solidFill>
                   <a:schemeClr val="dk2"/>
                 </a:solidFill>
@@ -4540,7 +4668,7 @@
               </a:buClr>
               <a:buSzPts val="5400"/>
               <a:buNone/>
-              <a:defRPr b="0" sz="5400">
+              <a:defRPr sz="5400" b="0">
                 <a:solidFill>
                   <a:schemeClr val="dk2"/>
                 </a:solidFill>
@@ -4558,7 +4686,7 @@
               </a:buClr>
               <a:buSzPts val="5400"/>
               <a:buNone/>
-              <a:defRPr b="0" sz="5400">
+              <a:defRPr sz="5400" b="0">
                 <a:solidFill>
                   <a:schemeClr val="dk2"/>
                 </a:solidFill>
@@ -4576,22 +4704,26 @@
               </a:buClr>
               <a:buSzPts val="5400"/>
               <a:buNone/>
-              <a:defRPr b="0" sz="5400">
+              <a:defRPr sz="5400" b="0">
                 <a:solidFill>
                   <a:schemeClr val="dk2"/>
                 </a:solidFill>
               </a:defRPr>
             </a:lvl9pPr>
           </a:lstStyle>
-          <a:p/>
+          <a:p>
+            <a:endParaRPr/>
+          </a:p>
         </p:txBody>
       </p:sp>
       <p:sp>
         <p:nvSpPr>
           <p:cNvPr id="39" name="Google Shape;39;p8"/>
-          <p:cNvSpPr txBox="1"/>
+          <p:cNvSpPr txBox="1">
+            <a:spLocks noGrp="1"/>
+          </p:cNvSpPr>
           <p:nvPr>
-            <p:ph idx="12" type="sldNum"/>
+            <p:ph type="sldNum" idx="12"/>
           </p:nvPr>
         </p:nvSpPr>
         <p:spPr>
@@ -4604,7 +4736,7 @@
           </a:prstGeom>
         </p:spPr>
         <p:txBody>
-          <a:bodyPr anchorCtr="0" anchor="ctr" bIns="91425" lIns="91425" spcFirstLastPara="1" rIns="91425" wrap="square" tIns="91425">
+          <a:bodyPr spcFirstLastPara="1" wrap="square" lIns="91425" tIns="91425" rIns="91425" bIns="91425" anchor="ctr" anchorCtr="0">
             <a:normAutofit/>
           </a:bodyPr>
           <a:lstStyle>
@@ -4646,7 +4778,7 @@
             </a:lvl9pPr>
           </a:lstStyle>
           <a:p>
-            <a:pPr indent="0" lvl="0" marL="0" rtl="0" algn="r">
+            <a:pPr marL="0" lvl="0" indent="0" algn="r" rtl="0">
               <a:spcBef>
                 <a:spcPts val="0"/>
               </a:spcBef>
@@ -4657,7 +4789,7 @@
             </a:pPr>
             <a:fld id="{00000000-1234-1234-1234-123412341234}" type="slidenum">
               <a:rPr lang="pt-PT"/>
-              <a:t>‹#›</a:t>
+              <a:t>‹nº›</a:t>
             </a:fld>
             <a:endParaRPr/>
           </a:p>
@@ -4672,11 +4804,11 @@
 </file>
 
 <file path=ppt/slideLayouts/slideLayout8.xml><?xml version="1.0" encoding="utf-8"?>
-<p:sldLayout xmlns:a="http://schemas.openxmlformats.org/drawingml/2006/main" xmlns:r="http://schemas.openxmlformats.org/officeDocument/2006/relationships" xmlns:mc="http://schemas.openxmlformats.org/markup-compatibility/2006" xmlns:mv="urn:schemas-microsoft-com:mac:vml" xmlns:p="http://schemas.openxmlformats.org/presentationml/2006/main" xmlns:c="http://schemas.openxmlformats.org/drawingml/2006/chart" xmlns:dgm="http://schemas.openxmlformats.org/drawingml/2006/diagram" xmlns:o="urn:schemas-microsoft-com:office:office" xmlns:v="urn:schemas-microsoft-com:vml" xmlns:pvml="urn:schemas-microsoft-com:office:powerpoint" xmlns:com="http://schemas.openxmlformats.org/drawingml/2006/compatibility" xmlns:p14="http://schemas.microsoft.com/office/powerpoint/2010/main" xmlns:p15="http://schemas.microsoft.com/office/powerpoint/2012/main" xmlns:ahyp="http://schemas.microsoft.com/office/drawing/2018/hyperlinkcolor" matchingName="Section title and description">
+<p:sldLayout xmlns:a="http://schemas.openxmlformats.org/drawingml/2006/main" xmlns:r="http://schemas.openxmlformats.org/officeDocument/2006/relationships" xmlns:p="http://schemas.openxmlformats.org/presentationml/2006/main" matchingName="Section title and description">
   <p:cSld name="SECTION_TITLE_AND_DESCRIPTION">
     <p:spTree>
       <p:nvGrpSpPr>
-        <p:cNvPr id="40" name="Shape 40"/>
+        <p:cNvPr id="1" name="Shape 40"/>
         <p:cNvGrpSpPr/>
         <p:nvPr/>
       </p:nvGrpSpPr>
@@ -4710,12 +4842,12 @@
           </a:ln>
         </p:spPr>
         <p:txBody>
-          <a:bodyPr anchorCtr="0" anchor="ctr" bIns="91425" lIns="91425" spcFirstLastPara="1" rIns="91425" wrap="square" tIns="91425">
+          <a:bodyPr spcFirstLastPara="1" wrap="square" lIns="91425" tIns="91425" rIns="91425" bIns="91425" anchor="ctr" anchorCtr="0">
             <a:noAutofit/>
           </a:bodyPr>
           <a:lstStyle/>
           <a:p>
-            <a:pPr indent="0" lvl="0" marL="0" rtl="0" algn="l">
+            <a:pPr marL="0" lvl="0" indent="0" algn="l" rtl="0">
               <a:spcBef>
                 <a:spcPts val="0"/>
               </a:spcBef>
@@ -4724,9 +4856,6 @@
               </a:spcAft>
               <a:buNone/>
             </a:pPr>
-            <a:r>
-              <a:t/>
-            </a:r>
             <a:endParaRPr/>
           </a:p>
         </p:txBody>
@@ -4746,21 +4875,23 @@
             <a:avLst/>
           </a:prstGeom>
           <a:noFill/>
-          <a:ln cap="flat" cmpd="sng" w="19050">
+          <a:ln w="19050" cap="flat" cmpd="sng">
             <a:solidFill>
               <a:schemeClr val="lt1"/>
             </a:solidFill>
             <a:prstDash val="solid"/>
             <a:round/>
-            <a:headEnd len="sm" w="sm" type="none"/>
-            <a:tailEnd len="sm" w="sm" type="none"/>
+            <a:headEnd type="none" w="sm" len="sm"/>
+            <a:tailEnd type="none" w="sm" len="sm"/>
           </a:ln>
         </p:spPr>
       </p:cxnSp>
       <p:sp>
         <p:nvSpPr>
           <p:cNvPr id="43" name="Google Shape;43;p9"/>
-          <p:cNvSpPr txBox="1"/>
+          <p:cNvSpPr txBox="1">
+            <a:spLocks noGrp="1"/>
+          </p:cNvSpPr>
           <p:nvPr>
             <p:ph type="title"/>
           </p:nvPr>
@@ -4775,7 +4906,7 @@
           </a:prstGeom>
         </p:spPr>
         <p:txBody>
-          <a:bodyPr anchorCtr="0" anchor="b" bIns="91425" lIns="91425" spcFirstLastPara="1" rIns="91425" wrap="square" tIns="91425">
+          <a:bodyPr spcFirstLastPara="1" wrap="square" lIns="91425" tIns="91425" rIns="91425" bIns="91425" anchor="b" anchorCtr="0">
             <a:normAutofit/>
           </a:bodyPr>
           <a:lstStyle>
@@ -4879,15 +5010,19 @@
               <a:defRPr sz="4200"/>
             </a:lvl9pPr>
           </a:lstStyle>
-          <a:p/>
+          <a:p>
+            <a:endParaRPr/>
+          </a:p>
         </p:txBody>
       </p:sp>
       <p:sp>
         <p:nvSpPr>
           <p:cNvPr id="44" name="Google Shape;44;p9"/>
-          <p:cNvSpPr txBox="1"/>
+          <p:cNvSpPr txBox="1">
+            <a:spLocks noGrp="1"/>
+          </p:cNvSpPr>
           <p:nvPr>
-            <p:ph idx="1" type="subTitle"/>
+            <p:ph type="subTitle" idx="1"/>
           </p:nvPr>
         </p:nvSpPr>
         <p:spPr>
@@ -4900,7 +5035,7 @@
           </a:prstGeom>
         </p:spPr>
         <p:txBody>
-          <a:bodyPr anchorCtr="0" anchor="t" bIns="91425" lIns="91425" spcFirstLastPara="1" rIns="91425" wrap="square" tIns="91425">
+          <a:bodyPr spcFirstLastPara="1" wrap="square" lIns="91425" tIns="91425" rIns="91425" bIns="91425" anchor="t" anchorCtr="0">
             <a:normAutofit/>
           </a:bodyPr>
           <a:lstStyle>
@@ -5031,15 +5166,19 @@
               <a:defRPr sz="2100"/>
             </a:lvl9pPr>
           </a:lstStyle>
-          <a:p/>
+          <a:p>
+            <a:endParaRPr/>
+          </a:p>
         </p:txBody>
       </p:sp>
       <p:sp>
         <p:nvSpPr>
           <p:cNvPr id="45" name="Google Shape;45;p9"/>
-          <p:cNvSpPr txBox="1"/>
+          <p:cNvSpPr txBox="1">
+            <a:spLocks noGrp="1"/>
+          </p:cNvSpPr>
           <p:nvPr>
-            <p:ph idx="2" type="body"/>
+            <p:ph type="body" idx="2"/>
           </p:nvPr>
         </p:nvSpPr>
         <p:spPr>
@@ -5052,11 +5191,11 @@
           </a:prstGeom>
         </p:spPr>
         <p:txBody>
-          <a:bodyPr anchorCtr="0" anchor="ctr" bIns="91425" lIns="91425" spcFirstLastPara="1" rIns="91425" wrap="square" tIns="91425">
+          <a:bodyPr spcFirstLastPara="1" wrap="square" lIns="91425" tIns="91425" rIns="91425" bIns="91425" anchor="ctr" anchorCtr="0">
             <a:normAutofit/>
           </a:bodyPr>
           <a:lstStyle>
-            <a:lvl1pPr indent="-342900" lvl="0" marL="457200">
+            <a:lvl1pPr marL="457200" lvl="0" indent="-342900">
               <a:spcBef>
                 <a:spcPts val="0"/>
               </a:spcBef>
@@ -5074,7 +5213,7 @@
                 </a:solidFill>
               </a:defRPr>
             </a:lvl1pPr>
-            <a:lvl2pPr indent="-317500" lvl="1" marL="914400">
+            <a:lvl2pPr marL="914400" lvl="1" indent="-317500">
               <a:spcBef>
                 <a:spcPts val="0"/>
               </a:spcBef>
@@ -5092,7 +5231,7 @@
                 </a:solidFill>
               </a:defRPr>
             </a:lvl2pPr>
-            <a:lvl3pPr indent="-317500" lvl="2" marL="1371600">
+            <a:lvl3pPr marL="1371600" lvl="2" indent="-317500">
               <a:spcBef>
                 <a:spcPts val="0"/>
               </a:spcBef>
@@ -5110,7 +5249,7 @@
                 </a:solidFill>
               </a:defRPr>
             </a:lvl3pPr>
-            <a:lvl4pPr indent="-317500" lvl="3" marL="1828800">
+            <a:lvl4pPr marL="1828800" lvl="3" indent="-317500">
               <a:spcBef>
                 <a:spcPts val="0"/>
               </a:spcBef>
@@ -5128,7 +5267,7 @@
                 </a:solidFill>
               </a:defRPr>
             </a:lvl4pPr>
-            <a:lvl5pPr indent="-317500" lvl="4" marL="2286000">
+            <a:lvl5pPr marL="2286000" lvl="4" indent="-317500">
               <a:spcBef>
                 <a:spcPts val="0"/>
               </a:spcBef>
@@ -5146,7 +5285,7 @@
                 </a:solidFill>
               </a:defRPr>
             </a:lvl5pPr>
-            <a:lvl6pPr indent="-317500" lvl="5" marL="2743200">
+            <a:lvl6pPr marL="2743200" lvl="5" indent="-317500">
               <a:spcBef>
                 <a:spcPts val="0"/>
               </a:spcBef>
@@ -5164,7 +5303,7 @@
                 </a:solidFill>
               </a:defRPr>
             </a:lvl6pPr>
-            <a:lvl7pPr indent="-317500" lvl="6" marL="3200400">
+            <a:lvl7pPr marL="3200400" lvl="6" indent="-317500">
               <a:spcBef>
                 <a:spcPts val="0"/>
               </a:spcBef>
@@ -5182,7 +5321,7 @@
                 </a:solidFill>
               </a:defRPr>
             </a:lvl7pPr>
-            <a:lvl8pPr indent="-317500" lvl="7" marL="3657600">
+            <a:lvl8pPr marL="3657600" lvl="7" indent="-317500">
               <a:spcBef>
                 <a:spcPts val="0"/>
               </a:spcBef>
@@ -5200,7 +5339,7 @@
                 </a:solidFill>
               </a:defRPr>
             </a:lvl8pPr>
-            <a:lvl9pPr indent="-317500" lvl="8" marL="4114800">
+            <a:lvl9pPr marL="4114800" lvl="8" indent="-317500">
               <a:spcBef>
                 <a:spcPts val="0"/>
               </a:spcBef>
@@ -5219,15 +5358,19 @@
               </a:defRPr>
             </a:lvl9pPr>
           </a:lstStyle>
-          <a:p/>
+          <a:p>
+            <a:endParaRPr/>
+          </a:p>
         </p:txBody>
       </p:sp>
       <p:sp>
         <p:nvSpPr>
           <p:cNvPr id="46" name="Google Shape;46;p9"/>
-          <p:cNvSpPr txBox="1"/>
+          <p:cNvSpPr txBox="1">
+            <a:spLocks noGrp="1"/>
+          </p:cNvSpPr>
           <p:nvPr>
-            <p:ph idx="12" type="sldNum"/>
+            <p:ph type="sldNum" idx="12"/>
           </p:nvPr>
         </p:nvSpPr>
         <p:spPr>
@@ -5240,7 +5383,7 @@
           </a:prstGeom>
         </p:spPr>
         <p:txBody>
-          <a:bodyPr anchorCtr="0" anchor="ctr" bIns="91425" lIns="91425" spcFirstLastPara="1" rIns="91425" wrap="square" tIns="91425">
+          <a:bodyPr spcFirstLastPara="1" wrap="square" lIns="91425" tIns="91425" rIns="91425" bIns="91425" anchor="ctr" anchorCtr="0">
             <a:normAutofit/>
           </a:bodyPr>
           <a:lstStyle>
@@ -5318,7 +5461,7 @@
             </a:lvl9pPr>
           </a:lstStyle>
           <a:p>
-            <a:pPr indent="0" lvl="0" marL="0" rtl="0" algn="r">
+            <a:pPr marL="0" lvl="0" indent="0" algn="r" rtl="0">
               <a:spcBef>
                 <a:spcPts val="0"/>
               </a:spcBef>
@@ -5329,7 +5472,7 @@
             </a:pPr>
             <a:fld id="{00000000-1234-1234-1234-123412341234}" type="slidenum">
               <a:rPr lang="pt-PT"/>
-              <a:t>‹#›</a:t>
+              <a:t>‹nº›</a:t>
             </a:fld>
             <a:endParaRPr/>
           </a:p>
@@ -5344,11 +5487,11 @@
 </file>
 
 <file path=ppt/slideLayouts/slideLayout9.xml><?xml version="1.0" encoding="utf-8"?>
-<p:sldLayout xmlns:a="http://schemas.openxmlformats.org/drawingml/2006/main" xmlns:r="http://schemas.openxmlformats.org/officeDocument/2006/relationships" xmlns:mc="http://schemas.openxmlformats.org/markup-compatibility/2006" xmlns:mv="urn:schemas-microsoft-com:mac:vml" xmlns:p="http://schemas.openxmlformats.org/presentationml/2006/main" xmlns:c="http://schemas.openxmlformats.org/drawingml/2006/chart" xmlns:dgm="http://schemas.openxmlformats.org/drawingml/2006/diagram" xmlns:o="urn:schemas-microsoft-com:office:office" xmlns:v="urn:schemas-microsoft-com:vml" xmlns:pvml="urn:schemas-microsoft-com:office:powerpoint" xmlns:com="http://schemas.openxmlformats.org/drawingml/2006/compatibility" xmlns:p14="http://schemas.microsoft.com/office/powerpoint/2010/main" xmlns:p15="http://schemas.microsoft.com/office/powerpoint/2012/main" xmlns:ahyp="http://schemas.microsoft.com/office/drawing/2018/hyperlinkcolor" matchingName="Caption">
+<p:sldLayout xmlns:a="http://schemas.openxmlformats.org/drawingml/2006/main" xmlns:r="http://schemas.openxmlformats.org/officeDocument/2006/relationships" xmlns:p="http://schemas.openxmlformats.org/presentationml/2006/main" matchingName="Caption">
   <p:cSld name="CAPTION_ONLY">
     <p:spTree>
       <p:nvGrpSpPr>
-        <p:cNvPr id="47" name="Shape 47"/>
+        <p:cNvPr id="1" name="Shape 47"/>
         <p:cNvGrpSpPr/>
         <p:nvPr/>
       </p:nvGrpSpPr>
@@ -5363,9 +5506,11 @@
       <p:sp>
         <p:nvSpPr>
           <p:cNvPr id="48" name="Google Shape;48;p10"/>
-          <p:cNvSpPr txBox="1"/>
+          <p:cNvSpPr txBox="1">
+            <a:spLocks noGrp="1"/>
+          </p:cNvSpPr>
           <p:nvPr>
-            <p:ph idx="1" type="body"/>
+            <p:ph type="body" idx="1"/>
           </p:nvPr>
         </p:nvSpPr>
         <p:spPr>
@@ -5378,11 +5523,11 @@
           </a:prstGeom>
         </p:spPr>
         <p:txBody>
-          <a:bodyPr anchorCtr="0" anchor="ctr" bIns="91425" lIns="91425" spcFirstLastPara="1" rIns="91425" wrap="square" tIns="91425">
+          <a:bodyPr spcFirstLastPara="1" wrap="square" lIns="91425" tIns="91425" rIns="91425" bIns="91425" anchor="ctr" anchorCtr="0">
             <a:normAutofit/>
           </a:bodyPr>
           <a:lstStyle>
-            <a:lvl1pPr indent="-228600" lvl="0" marL="457200">
+            <a:lvl1pPr marL="457200" lvl="0" indent="-228600">
               <a:lnSpc>
                 <a:spcPct val="100000"/>
               </a:lnSpc>
@@ -5403,15 +5548,19 @@
               </a:defRPr>
             </a:lvl1pPr>
           </a:lstStyle>
-          <a:p/>
+          <a:p>
+            <a:endParaRPr/>
+          </a:p>
         </p:txBody>
       </p:sp>
       <p:sp>
         <p:nvSpPr>
           <p:cNvPr id="49" name="Google Shape;49;p10"/>
-          <p:cNvSpPr txBox="1"/>
+          <p:cNvSpPr txBox="1">
+            <a:spLocks noGrp="1"/>
+          </p:cNvSpPr>
           <p:nvPr>
-            <p:ph idx="12" type="sldNum"/>
+            <p:ph type="sldNum" idx="12"/>
           </p:nvPr>
         </p:nvSpPr>
         <p:spPr>
@@ -5424,7 +5573,7 @@
           </a:prstGeom>
         </p:spPr>
         <p:txBody>
-          <a:bodyPr anchorCtr="0" anchor="ctr" bIns="91425" lIns="91425" spcFirstLastPara="1" rIns="91425" wrap="square" tIns="91425">
+          <a:bodyPr spcFirstLastPara="1" wrap="square" lIns="91425" tIns="91425" rIns="91425" bIns="91425" anchor="ctr" anchorCtr="0">
             <a:normAutofit/>
           </a:bodyPr>
           <a:lstStyle>
@@ -5466,7 +5615,7 @@
             </a:lvl9pPr>
           </a:lstStyle>
           <a:p>
-            <a:pPr indent="0" lvl="0" marL="0" rtl="0" algn="r">
+            <a:pPr marL="0" lvl="0" indent="0" algn="r" rtl="0">
               <a:spcBef>
                 <a:spcPts val="0"/>
               </a:spcBef>
@@ -5477,7 +5626,7 @@
             </a:pPr>
             <a:fld id="{00000000-1234-1234-1234-123412341234}" type="slidenum">
               <a:rPr lang="pt-PT"/>
-              <a:t>‹#›</a:t>
+              <a:t>‹nº›</a:t>
             </a:fld>
             <a:endParaRPr/>
           </a:p>
@@ -5492,18 +5641,19 @@
 </file>
 
 <file path=ppt/slideMasters/slideMaster1.xml><?xml version="1.0" encoding="utf-8"?>
-<p:sldMaster xmlns:a="http://schemas.openxmlformats.org/drawingml/2006/main" xmlns:r="http://schemas.openxmlformats.org/officeDocument/2006/relationships" xmlns:mc="http://schemas.openxmlformats.org/markup-compatibility/2006" xmlns:mv="urn:schemas-microsoft-com:mac:vml" xmlns:p="http://schemas.openxmlformats.org/presentationml/2006/main" xmlns:c="http://schemas.openxmlformats.org/drawingml/2006/chart" xmlns:dgm="http://schemas.openxmlformats.org/drawingml/2006/diagram" xmlns:o="urn:schemas-microsoft-com:office:office" xmlns:v="urn:schemas-microsoft-com:vml" xmlns:pvml="urn:schemas-microsoft-com:office:powerpoint" xmlns:com="http://schemas.openxmlformats.org/drawingml/2006/compatibility" xmlns:p14="http://schemas.microsoft.com/office/powerpoint/2010/main" xmlns:p15="http://schemas.microsoft.com/office/powerpoint/2012/main" xmlns:ahyp="http://schemas.microsoft.com/office/drawing/2018/hyperlinkcolor">
+<p:sldMaster xmlns:a="http://schemas.openxmlformats.org/drawingml/2006/main" xmlns:r="http://schemas.openxmlformats.org/officeDocument/2006/relationships" xmlns:p="http://schemas.openxmlformats.org/presentationml/2006/main">
   <p:cSld name="tropic">
     <p:bg>
       <p:bgPr>
         <a:solidFill>
           <a:schemeClr val="lt1"/>
         </a:solidFill>
+        <a:effectLst/>
       </p:bgPr>
     </p:bg>
     <p:spTree>
       <p:nvGrpSpPr>
-        <p:cNvPr id="5" name="Shape 5"/>
+        <p:cNvPr id="1" name="Shape 5"/>
         <p:cNvGrpSpPr/>
         <p:nvPr/>
       </p:nvGrpSpPr>
@@ -5518,7 +5668,9 @@
       <p:sp>
         <p:nvSpPr>
           <p:cNvPr id="6" name="Google Shape;6;p1"/>
-          <p:cNvSpPr txBox="1"/>
+          <p:cNvSpPr txBox="1">
+            <a:spLocks noGrp="1"/>
+          </p:cNvSpPr>
           <p:nvPr>
             <p:ph type="title"/>
           </p:nvPr>
@@ -5537,7 +5689,7 @@
           </a:ln>
         </p:spPr>
         <p:txBody>
-          <a:bodyPr anchorCtr="0" anchor="t" bIns="91425" lIns="91425" spcFirstLastPara="1" rIns="91425" wrap="square" tIns="91425">
+          <a:bodyPr spcFirstLastPara="1" wrap="square" lIns="91425" tIns="91425" rIns="91425" bIns="91425" anchor="t" anchorCtr="0">
             <a:normAutofit/>
           </a:bodyPr>
           <a:lstStyle>
@@ -5554,7 +5706,7 @@
               <a:buSzPts val="3600"/>
               <a:buFont typeface="PT Sans Narrow"/>
               <a:buNone/>
-              <a:defRPr b="1" sz="3600">
+              <a:defRPr sz="3600" b="1">
                 <a:solidFill>
                   <a:schemeClr val="accent1"/>
                 </a:solidFill>
@@ -5577,7 +5729,7 @@
               <a:buSzPts val="3600"/>
               <a:buFont typeface="PT Sans Narrow"/>
               <a:buNone/>
-              <a:defRPr b="1" sz="3600">
+              <a:defRPr sz="3600" b="1">
                 <a:solidFill>
                   <a:schemeClr val="accent1"/>
                 </a:solidFill>
@@ -5600,7 +5752,7 @@
               <a:buSzPts val="3600"/>
               <a:buFont typeface="PT Sans Narrow"/>
               <a:buNone/>
-              <a:defRPr b="1" sz="3600">
+              <a:defRPr sz="3600" b="1">
                 <a:solidFill>
                   <a:schemeClr val="accent1"/>
                 </a:solidFill>
@@ -5623,7 +5775,7 @@
               <a:buSzPts val="3600"/>
               <a:buFont typeface="PT Sans Narrow"/>
               <a:buNone/>
-              <a:defRPr b="1" sz="3600">
+              <a:defRPr sz="3600" b="1">
                 <a:solidFill>
                   <a:schemeClr val="accent1"/>
                 </a:solidFill>
@@ -5646,7 +5798,7 @@
               <a:buSzPts val="3600"/>
               <a:buFont typeface="PT Sans Narrow"/>
               <a:buNone/>
-              <a:defRPr b="1" sz="3600">
+              <a:defRPr sz="3600" b="1">
                 <a:solidFill>
                   <a:schemeClr val="accent1"/>
                 </a:solidFill>
@@ -5669,7 +5821,7 @@
               <a:buSzPts val="3600"/>
               <a:buFont typeface="PT Sans Narrow"/>
               <a:buNone/>
-              <a:defRPr b="1" sz="3600">
+              <a:defRPr sz="3600" b="1">
                 <a:solidFill>
                   <a:schemeClr val="accent1"/>
                 </a:solidFill>
@@ -5692,7 +5844,7 @@
               <a:buSzPts val="3600"/>
               <a:buFont typeface="PT Sans Narrow"/>
               <a:buNone/>
-              <a:defRPr b="1" sz="3600">
+              <a:defRPr sz="3600" b="1">
                 <a:solidFill>
                   <a:schemeClr val="accent1"/>
                 </a:solidFill>
@@ -5715,7 +5867,7 @@
               <a:buSzPts val="3600"/>
               <a:buFont typeface="PT Sans Narrow"/>
               <a:buNone/>
-              <a:defRPr b="1" sz="3600">
+              <a:defRPr sz="3600" b="1">
                 <a:solidFill>
                   <a:schemeClr val="accent1"/>
                 </a:solidFill>
@@ -5738,7 +5890,7 @@
               <a:buSzPts val="3600"/>
               <a:buFont typeface="PT Sans Narrow"/>
               <a:buNone/>
-              <a:defRPr b="1" sz="3600">
+              <a:defRPr sz="3600" b="1">
                 <a:solidFill>
                   <a:schemeClr val="accent1"/>
                 </a:solidFill>
@@ -5749,15 +5901,19 @@
               </a:defRPr>
             </a:lvl9pPr>
           </a:lstStyle>
-          <a:p/>
+          <a:p>
+            <a:endParaRPr/>
+          </a:p>
         </p:txBody>
       </p:sp>
       <p:sp>
         <p:nvSpPr>
           <p:cNvPr id="7" name="Google Shape;7;p1"/>
-          <p:cNvSpPr txBox="1"/>
+          <p:cNvSpPr txBox="1">
+            <a:spLocks noGrp="1"/>
+          </p:cNvSpPr>
           <p:nvPr>
-            <p:ph idx="1" type="body"/>
+            <p:ph type="body" idx="1"/>
           </p:nvPr>
         </p:nvSpPr>
         <p:spPr>
@@ -5774,11 +5930,11 @@
           </a:ln>
         </p:spPr>
         <p:txBody>
-          <a:bodyPr anchorCtr="0" anchor="t" bIns="91425" lIns="91425" spcFirstLastPara="1" rIns="91425" wrap="square" tIns="91425">
+          <a:bodyPr spcFirstLastPara="1" wrap="square" lIns="91425" tIns="91425" rIns="91425" bIns="91425" anchor="t" anchorCtr="0">
             <a:normAutofit/>
           </a:bodyPr>
           <a:lstStyle>
-            <a:lvl1pPr indent="-342900" lvl="0" marL="457200">
+            <a:lvl1pPr marL="457200" lvl="0" indent="-342900">
               <a:lnSpc>
                 <a:spcPct val="115000"/>
               </a:lnSpc>
@@ -5804,7 +5960,7 @@
                 <a:sym typeface="Open Sans"/>
               </a:defRPr>
             </a:lvl1pPr>
-            <a:lvl2pPr indent="-317500" lvl="1" marL="914400">
+            <a:lvl2pPr marL="914400" lvl="1" indent="-317500">
               <a:lnSpc>
                 <a:spcPct val="115000"/>
               </a:lnSpc>
@@ -5830,7 +5986,7 @@
                 <a:sym typeface="Open Sans"/>
               </a:defRPr>
             </a:lvl2pPr>
-            <a:lvl3pPr indent="-317500" lvl="2" marL="1371600">
+            <a:lvl3pPr marL="1371600" lvl="2" indent="-317500">
               <a:lnSpc>
                 <a:spcPct val="115000"/>
               </a:lnSpc>
@@ -5856,7 +6012,7 @@
                 <a:sym typeface="Open Sans"/>
               </a:defRPr>
             </a:lvl3pPr>
-            <a:lvl4pPr indent="-317500" lvl="3" marL="1828800">
+            <a:lvl4pPr marL="1828800" lvl="3" indent="-317500">
               <a:lnSpc>
                 <a:spcPct val="115000"/>
               </a:lnSpc>
@@ -5882,7 +6038,7 @@
                 <a:sym typeface="Open Sans"/>
               </a:defRPr>
             </a:lvl4pPr>
-            <a:lvl5pPr indent="-317500" lvl="4" marL="2286000">
+            <a:lvl5pPr marL="2286000" lvl="4" indent="-317500">
               <a:lnSpc>
                 <a:spcPct val="115000"/>
               </a:lnSpc>
@@ -5908,7 +6064,7 @@
                 <a:sym typeface="Open Sans"/>
               </a:defRPr>
             </a:lvl5pPr>
-            <a:lvl6pPr indent="-317500" lvl="5" marL="2743200">
+            <a:lvl6pPr marL="2743200" lvl="5" indent="-317500">
               <a:lnSpc>
                 <a:spcPct val="115000"/>
               </a:lnSpc>
@@ -5934,7 +6090,7 @@
                 <a:sym typeface="Open Sans"/>
               </a:defRPr>
             </a:lvl6pPr>
-            <a:lvl7pPr indent="-317500" lvl="6" marL="3200400">
+            <a:lvl7pPr marL="3200400" lvl="6" indent="-317500">
               <a:lnSpc>
                 <a:spcPct val="115000"/>
               </a:lnSpc>
@@ -5960,7 +6116,7 @@
                 <a:sym typeface="Open Sans"/>
               </a:defRPr>
             </a:lvl7pPr>
-            <a:lvl8pPr indent="-317500" lvl="7" marL="3657600">
+            <a:lvl8pPr marL="3657600" lvl="7" indent="-317500">
               <a:lnSpc>
                 <a:spcPct val="115000"/>
               </a:lnSpc>
@@ -5986,7 +6142,7 @@
                 <a:sym typeface="Open Sans"/>
               </a:defRPr>
             </a:lvl8pPr>
-            <a:lvl9pPr indent="-317500" lvl="8" marL="4114800">
+            <a:lvl9pPr marL="4114800" lvl="8" indent="-317500">
               <a:lnSpc>
                 <a:spcPct val="115000"/>
               </a:lnSpc>
@@ -6013,15 +6169,19 @@
               </a:defRPr>
             </a:lvl9pPr>
           </a:lstStyle>
-          <a:p/>
+          <a:p>
+            <a:endParaRPr/>
+          </a:p>
         </p:txBody>
       </p:sp>
       <p:sp>
         <p:nvSpPr>
           <p:cNvPr id="8" name="Google Shape;8;p1"/>
-          <p:cNvSpPr txBox="1"/>
+          <p:cNvSpPr txBox="1">
+            <a:spLocks noGrp="1"/>
+          </p:cNvSpPr>
           <p:nvPr>
-            <p:ph idx="12" type="sldNum"/>
+            <p:ph type="sldNum" idx="12"/>
           </p:nvPr>
         </p:nvSpPr>
         <p:spPr>
@@ -6038,7 +6198,7 @@
           </a:ln>
         </p:spPr>
         <p:txBody>
-          <a:bodyPr anchorCtr="0" anchor="ctr" bIns="91425" lIns="91425" spcFirstLastPara="1" rIns="91425" wrap="square" tIns="91425">
+          <a:bodyPr spcFirstLastPara="1" wrap="square" lIns="91425" tIns="91425" rIns="91425" bIns="91425" anchor="ctr" anchorCtr="0">
             <a:normAutofit/>
           </a:bodyPr>
           <a:lstStyle>
@@ -6152,7 +6312,7 @@
             </a:lvl9pPr>
           </a:lstStyle>
           <a:p>
-            <a:pPr indent="0" lvl="0" marL="0" rtl="0" algn="r">
+            <a:pPr marL="0" lvl="0" indent="0" algn="r" rtl="0">
               <a:spcBef>
                 <a:spcPts val="0"/>
               </a:spcBef>
@@ -6163,7 +6323,7 @@
             </a:pPr>
             <a:fld id="{00000000-1234-1234-1234-123412341234}" type="slidenum">
               <a:rPr lang="pt-PT"/>
-              <a:t>‹#›</a:t>
+              <a:t>‹nº›</a:t>
             </a:fld>
             <a:endParaRPr/>
           </a:p>
@@ -6171,7 +6331,7 @@
       </p:sp>
     </p:spTree>
   </p:cSld>
-  <p:clrMap accent1="accent1" accent2="accent2" accent3="accent3" accent4="accent4" accent5="accent5" accent6="accent6" bg1="lt1" bg2="dk2" tx1="dk1" tx2="lt2" folHlink="folHlink" hlink="hlink"/>
+  <p:clrMap bg1="lt1" tx1="dk1" bg2="dk2" tx2="lt2" accent1="accent1" accent2="accent2" accent3="accent3" accent4="accent4" accent5="accent5" accent6="accent6" hlink="hlink" folHlink="folHlink"/>
   <p:sldLayoutIdLst>
     <p:sldLayoutId id="2147483648" r:id="rId1"/>
     <p:sldLayoutId id="2147483649" r:id="rId2"/>
@@ -6185,10 +6345,10 @@
     <p:sldLayoutId id="2147483657" r:id="rId10"/>
     <p:sldLayoutId id="2147483658" r:id="rId11"/>
   </p:sldLayoutIdLst>
-  <p:hf dt="0" ftr="0" hdr="0" sldNum="0"/>
+  <p:hf sldNum="0" hdr="0" ftr="0" dt="0"/>
   <p:txStyles>
     <p:titleStyle>
-      <a:defPPr lvl="0" marR="0" rtl="0" algn="l">
+      <a:defPPr marR="0" lvl="0" algn="l" rtl="0">
         <a:lnSpc>
           <a:spcPct val="100000"/>
         </a:lnSpc>
@@ -6199,7 +6359,7 @@
           <a:spcPts val="0"/>
         </a:spcAft>
       </a:defPPr>
-      <a:lvl1pPr lvl="0" marR="0" rtl="0" algn="l">
+      <a:lvl1pPr marR="0" lvl="0" algn="l" rtl="0">
         <a:lnSpc>
           <a:spcPct val="100000"/>
         </a:lnSpc>
@@ -6213,7 +6373,7 @@
           <a:srgbClr val="000000"/>
         </a:buClr>
         <a:buFont typeface="Arial"/>
-        <a:defRPr b="0" i="0" sz="1400" u="none" cap="none" strike="noStrike">
+        <a:defRPr sz="1400" b="0" i="0" u="none" strike="noStrike" cap="none">
           <a:solidFill>
             <a:srgbClr val="000000"/>
           </a:solidFill>
@@ -6223,7 +6383,7 @@
           <a:sym typeface="Arial"/>
         </a:defRPr>
       </a:lvl1pPr>
-      <a:lvl2pPr lvl="1" marR="0" rtl="0" algn="l">
+      <a:lvl2pPr marR="0" lvl="1" algn="l" rtl="0">
         <a:lnSpc>
           <a:spcPct val="100000"/>
         </a:lnSpc>
@@ -6237,7 +6397,7 @@
           <a:srgbClr val="000000"/>
         </a:buClr>
         <a:buFont typeface="Arial"/>
-        <a:defRPr b="0" i="0" sz="1400" u="none" cap="none" strike="noStrike">
+        <a:defRPr sz="1400" b="0" i="0" u="none" strike="noStrike" cap="none">
           <a:solidFill>
             <a:srgbClr val="000000"/>
           </a:solidFill>
@@ -6247,7 +6407,7 @@
           <a:sym typeface="Arial"/>
         </a:defRPr>
       </a:lvl2pPr>
-      <a:lvl3pPr lvl="2" marR="0" rtl="0" algn="l">
+      <a:lvl3pPr marR="0" lvl="2" algn="l" rtl="0">
         <a:lnSpc>
           <a:spcPct val="100000"/>
         </a:lnSpc>
@@ -6261,7 +6421,7 @@
           <a:srgbClr val="000000"/>
         </a:buClr>
         <a:buFont typeface="Arial"/>
-        <a:defRPr b="0" i="0" sz="1400" u="none" cap="none" strike="noStrike">
+        <a:defRPr sz="1400" b="0" i="0" u="none" strike="noStrike" cap="none">
           <a:solidFill>
             <a:srgbClr val="000000"/>
           </a:solidFill>
@@ -6271,7 +6431,7 @@
           <a:sym typeface="Arial"/>
         </a:defRPr>
       </a:lvl3pPr>
-      <a:lvl4pPr lvl="3" marR="0" rtl="0" algn="l">
+      <a:lvl4pPr marR="0" lvl="3" algn="l" rtl="0">
         <a:lnSpc>
           <a:spcPct val="100000"/>
         </a:lnSpc>
@@ -6285,7 +6445,7 @@
           <a:srgbClr val="000000"/>
         </a:buClr>
         <a:buFont typeface="Arial"/>
-        <a:defRPr b="0" i="0" sz="1400" u="none" cap="none" strike="noStrike">
+        <a:defRPr sz="1400" b="0" i="0" u="none" strike="noStrike" cap="none">
           <a:solidFill>
             <a:srgbClr val="000000"/>
           </a:solidFill>
@@ -6295,7 +6455,7 @@
           <a:sym typeface="Arial"/>
         </a:defRPr>
       </a:lvl4pPr>
-      <a:lvl5pPr lvl="4" marR="0" rtl="0" algn="l">
+      <a:lvl5pPr marR="0" lvl="4" algn="l" rtl="0">
         <a:lnSpc>
           <a:spcPct val="100000"/>
         </a:lnSpc>
@@ -6309,7 +6469,7 @@
           <a:srgbClr val="000000"/>
         </a:buClr>
         <a:buFont typeface="Arial"/>
-        <a:defRPr b="0" i="0" sz="1400" u="none" cap="none" strike="noStrike">
+        <a:defRPr sz="1400" b="0" i="0" u="none" strike="noStrike" cap="none">
           <a:solidFill>
             <a:srgbClr val="000000"/>
           </a:solidFill>
@@ -6319,7 +6479,7 @@
           <a:sym typeface="Arial"/>
         </a:defRPr>
       </a:lvl5pPr>
-      <a:lvl6pPr lvl="5" marR="0" rtl="0" algn="l">
+      <a:lvl6pPr marR="0" lvl="5" algn="l" rtl="0">
         <a:lnSpc>
           <a:spcPct val="100000"/>
         </a:lnSpc>
@@ -6333,7 +6493,7 @@
           <a:srgbClr val="000000"/>
         </a:buClr>
         <a:buFont typeface="Arial"/>
-        <a:defRPr b="0" i="0" sz="1400" u="none" cap="none" strike="noStrike">
+        <a:defRPr sz="1400" b="0" i="0" u="none" strike="noStrike" cap="none">
           <a:solidFill>
             <a:srgbClr val="000000"/>
           </a:solidFill>
@@ -6343,7 +6503,7 @@
           <a:sym typeface="Arial"/>
         </a:defRPr>
       </a:lvl6pPr>
-      <a:lvl7pPr lvl="6" marR="0" rtl="0" algn="l">
+      <a:lvl7pPr marR="0" lvl="6" algn="l" rtl="0">
         <a:lnSpc>
           <a:spcPct val="100000"/>
         </a:lnSpc>
@@ -6357,7 +6517,7 @@
           <a:srgbClr val="000000"/>
         </a:buClr>
         <a:buFont typeface="Arial"/>
-        <a:defRPr b="0" i="0" sz="1400" u="none" cap="none" strike="noStrike">
+        <a:defRPr sz="1400" b="0" i="0" u="none" strike="noStrike" cap="none">
           <a:solidFill>
             <a:srgbClr val="000000"/>
           </a:solidFill>
@@ -6367,7 +6527,7 @@
           <a:sym typeface="Arial"/>
         </a:defRPr>
       </a:lvl7pPr>
-      <a:lvl8pPr lvl="7" marR="0" rtl="0" algn="l">
+      <a:lvl8pPr marR="0" lvl="7" algn="l" rtl="0">
         <a:lnSpc>
           <a:spcPct val="100000"/>
         </a:lnSpc>
@@ -6381,7 +6541,7 @@
           <a:srgbClr val="000000"/>
         </a:buClr>
         <a:buFont typeface="Arial"/>
-        <a:defRPr b="0" i="0" sz="1400" u="none" cap="none" strike="noStrike">
+        <a:defRPr sz="1400" b="0" i="0" u="none" strike="noStrike" cap="none">
           <a:solidFill>
             <a:srgbClr val="000000"/>
           </a:solidFill>
@@ -6391,7 +6551,7 @@
           <a:sym typeface="Arial"/>
         </a:defRPr>
       </a:lvl8pPr>
-      <a:lvl9pPr lvl="8" marR="0" rtl="0" algn="l">
+      <a:lvl9pPr marR="0" lvl="8" algn="l" rtl="0">
         <a:lnSpc>
           <a:spcPct val="100000"/>
         </a:lnSpc>
@@ -6405,7 +6565,7 @@
           <a:srgbClr val="000000"/>
         </a:buClr>
         <a:buFont typeface="Arial"/>
-        <a:defRPr b="0" i="0" sz="1400" u="none" cap="none" strike="noStrike">
+        <a:defRPr sz="1400" b="0" i="0" u="none" strike="noStrike" cap="none">
           <a:solidFill>
             <a:srgbClr val="000000"/>
           </a:solidFill>
@@ -6417,7 +6577,7 @@
       </a:lvl9pPr>
     </p:titleStyle>
     <p:bodyStyle>
-      <a:defPPr lvl="0" marR="0" rtl="0" algn="l">
+      <a:defPPr marR="0" lvl="0" algn="l" rtl="0">
         <a:lnSpc>
           <a:spcPct val="100000"/>
         </a:lnSpc>
@@ -6428,7 +6588,7 @@
           <a:spcPts val="0"/>
         </a:spcAft>
       </a:defPPr>
-      <a:lvl1pPr lvl="0" marR="0" rtl="0" algn="l">
+      <a:lvl1pPr marR="0" lvl="0" algn="l" rtl="0">
         <a:lnSpc>
           <a:spcPct val="100000"/>
         </a:lnSpc>
@@ -6442,7 +6602,7 @@
           <a:srgbClr val="000000"/>
         </a:buClr>
         <a:buFont typeface="Arial"/>
-        <a:defRPr b="0" i="0" sz="1400" u="none" cap="none" strike="noStrike">
+        <a:defRPr sz="1400" b="0" i="0" u="none" strike="noStrike" cap="none">
           <a:solidFill>
             <a:srgbClr val="000000"/>
           </a:solidFill>
@@ -6452,7 +6612,7 @@
           <a:sym typeface="Arial"/>
         </a:defRPr>
       </a:lvl1pPr>
-      <a:lvl2pPr lvl="1" marR="0" rtl="0" algn="l">
+      <a:lvl2pPr marR="0" lvl="1" algn="l" rtl="0">
         <a:lnSpc>
           <a:spcPct val="100000"/>
         </a:lnSpc>
@@ -6466,7 +6626,7 @@
           <a:srgbClr val="000000"/>
         </a:buClr>
         <a:buFont typeface="Arial"/>
-        <a:defRPr b="0" i="0" sz="1400" u="none" cap="none" strike="noStrike">
+        <a:defRPr sz="1400" b="0" i="0" u="none" strike="noStrike" cap="none">
           <a:solidFill>
             <a:srgbClr val="000000"/>
           </a:solidFill>
@@ -6476,7 +6636,7 @@
           <a:sym typeface="Arial"/>
         </a:defRPr>
       </a:lvl2pPr>
-      <a:lvl3pPr lvl="2" marR="0" rtl="0" algn="l">
+      <a:lvl3pPr marR="0" lvl="2" algn="l" rtl="0">
         <a:lnSpc>
           <a:spcPct val="100000"/>
         </a:lnSpc>
@@ -6490,7 +6650,7 @@
           <a:srgbClr val="000000"/>
         </a:buClr>
         <a:buFont typeface="Arial"/>
-        <a:defRPr b="0" i="0" sz="1400" u="none" cap="none" strike="noStrike">
+        <a:defRPr sz="1400" b="0" i="0" u="none" strike="noStrike" cap="none">
           <a:solidFill>
             <a:srgbClr val="000000"/>
           </a:solidFill>
@@ -6500,7 +6660,7 @@
           <a:sym typeface="Arial"/>
         </a:defRPr>
       </a:lvl3pPr>
-      <a:lvl4pPr lvl="3" marR="0" rtl="0" algn="l">
+      <a:lvl4pPr marR="0" lvl="3" algn="l" rtl="0">
         <a:lnSpc>
           <a:spcPct val="100000"/>
         </a:lnSpc>
@@ -6514,7 +6674,7 @@
           <a:srgbClr val="000000"/>
         </a:buClr>
         <a:buFont typeface="Arial"/>
-        <a:defRPr b="0" i="0" sz="1400" u="none" cap="none" strike="noStrike">
+        <a:defRPr sz="1400" b="0" i="0" u="none" strike="noStrike" cap="none">
           <a:solidFill>
             <a:srgbClr val="000000"/>
           </a:solidFill>
@@ -6524,7 +6684,7 @@
           <a:sym typeface="Arial"/>
         </a:defRPr>
       </a:lvl4pPr>
-      <a:lvl5pPr lvl="4" marR="0" rtl="0" algn="l">
+      <a:lvl5pPr marR="0" lvl="4" algn="l" rtl="0">
         <a:lnSpc>
           <a:spcPct val="100000"/>
         </a:lnSpc>
@@ -6538,7 +6698,7 @@
           <a:srgbClr val="000000"/>
         </a:buClr>
         <a:buFont typeface="Arial"/>
-        <a:defRPr b="0" i="0" sz="1400" u="none" cap="none" strike="noStrike">
+        <a:defRPr sz="1400" b="0" i="0" u="none" strike="noStrike" cap="none">
           <a:solidFill>
             <a:srgbClr val="000000"/>
           </a:solidFill>
@@ -6548,7 +6708,7 @@
           <a:sym typeface="Arial"/>
         </a:defRPr>
       </a:lvl5pPr>
-      <a:lvl6pPr lvl="5" marR="0" rtl="0" algn="l">
+      <a:lvl6pPr marR="0" lvl="5" algn="l" rtl="0">
         <a:lnSpc>
           <a:spcPct val="100000"/>
         </a:lnSpc>
@@ -6562,7 +6722,7 @@
           <a:srgbClr val="000000"/>
         </a:buClr>
         <a:buFont typeface="Arial"/>
-        <a:defRPr b="0" i="0" sz="1400" u="none" cap="none" strike="noStrike">
+        <a:defRPr sz="1400" b="0" i="0" u="none" strike="noStrike" cap="none">
           <a:solidFill>
             <a:srgbClr val="000000"/>
           </a:solidFill>
@@ -6572,7 +6732,7 @@
           <a:sym typeface="Arial"/>
         </a:defRPr>
       </a:lvl6pPr>
-      <a:lvl7pPr lvl="6" marR="0" rtl="0" algn="l">
+      <a:lvl7pPr marR="0" lvl="6" algn="l" rtl="0">
         <a:lnSpc>
           <a:spcPct val="100000"/>
         </a:lnSpc>
@@ -6586,7 +6746,7 @@
           <a:srgbClr val="000000"/>
         </a:buClr>
         <a:buFont typeface="Arial"/>
-        <a:defRPr b="0" i="0" sz="1400" u="none" cap="none" strike="noStrike">
+        <a:defRPr sz="1400" b="0" i="0" u="none" strike="noStrike" cap="none">
           <a:solidFill>
             <a:srgbClr val="000000"/>
           </a:solidFill>
@@ -6596,7 +6756,7 @@
           <a:sym typeface="Arial"/>
         </a:defRPr>
       </a:lvl7pPr>
-      <a:lvl8pPr lvl="7" marR="0" rtl="0" algn="l">
+      <a:lvl8pPr marR="0" lvl="7" algn="l" rtl="0">
         <a:lnSpc>
           <a:spcPct val="100000"/>
         </a:lnSpc>
@@ -6610,7 +6770,7 @@
           <a:srgbClr val="000000"/>
         </a:buClr>
         <a:buFont typeface="Arial"/>
-        <a:defRPr b="0" i="0" sz="1400" u="none" cap="none" strike="noStrike">
+        <a:defRPr sz="1400" b="0" i="0" u="none" strike="noStrike" cap="none">
           <a:solidFill>
             <a:srgbClr val="000000"/>
           </a:solidFill>
@@ -6620,7 +6780,7 @@
           <a:sym typeface="Arial"/>
         </a:defRPr>
       </a:lvl8pPr>
-      <a:lvl9pPr lvl="8" marR="0" rtl="0" algn="l">
+      <a:lvl9pPr marR="0" lvl="8" algn="l" rtl="0">
         <a:lnSpc>
           <a:spcPct val="100000"/>
         </a:lnSpc>
@@ -6634,7 +6794,7 @@
           <a:srgbClr val="000000"/>
         </a:buClr>
         <a:buFont typeface="Arial"/>
-        <a:defRPr b="0" i="0" sz="1400" u="none" cap="none" strike="noStrike">
+        <a:defRPr sz="1400" b="0" i="0" u="none" strike="noStrike" cap="none">
           <a:solidFill>
             <a:srgbClr val="000000"/>
           </a:solidFill>
@@ -6646,7 +6806,7 @@
       </a:lvl9pPr>
     </p:bodyStyle>
     <p:otherStyle>
-      <a:defPPr lvl="0" marR="0" rtl="0" algn="l">
+      <a:defPPr marR="0" lvl="0" algn="l" rtl="0">
         <a:lnSpc>
           <a:spcPct val="100000"/>
         </a:lnSpc>
@@ -6657,7 +6817,7 @@
           <a:spcPts val="0"/>
         </a:spcAft>
       </a:defPPr>
-      <a:lvl1pPr lvl="0" marR="0" rtl="0" algn="l">
+      <a:lvl1pPr marR="0" lvl="0" algn="l" rtl="0">
         <a:lnSpc>
           <a:spcPct val="100000"/>
         </a:lnSpc>
@@ -6671,7 +6831,7 @@
           <a:srgbClr val="000000"/>
         </a:buClr>
         <a:buFont typeface="Arial"/>
-        <a:defRPr b="0" i="0" sz="1400" u="none" cap="none" strike="noStrike">
+        <a:defRPr sz="1400" b="0" i="0" u="none" strike="noStrike" cap="none">
           <a:solidFill>
             <a:srgbClr val="000000"/>
           </a:solidFill>
@@ -6681,7 +6841,7 @@
           <a:sym typeface="Arial"/>
         </a:defRPr>
       </a:lvl1pPr>
-      <a:lvl2pPr lvl="1" marR="0" rtl="0" algn="l">
+      <a:lvl2pPr marR="0" lvl="1" algn="l" rtl="0">
         <a:lnSpc>
           <a:spcPct val="100000"/>
         </a:lnSpc>
@@ -6695,7 +6855,7 @@
           <a:srgbClr val="000000"/>
         </a:buClr>
         <a:buFont typeface="Arial"/>
-        <a:defRPr b="0" i="0" sz="1400" u="none" cap="none" strike="noStrike">
+        <a:defRPr sz="1400" b="0" i="0" u="none" strike="noStrike" cap="none">
           <a:solidFill>
             <a:srgbClr val="000000"/>
           </a:solidFill>
@@ -6705,7 +6865,7 @@
           <a:sym typeface="Arial"/>
         </a:defRPr>
       </a:lvl2pPr>
-      <a:lvl3pPr lvl="2" marR="0" rtl="0" algn="l">
+      <a:lvl3pPr marR="0" lvl="2" algn="l" rtl="0">
         <a:lnSpc>
           <a:spcPct val="100000"/>
         </a:lnSpc>
@@ -6719,7 +6879,7 @@
           <a:srgbClr val="000000"/>
         </a:buClr>
         <a:buFont typeface="Arial"/>
-        <a:defRPr b="0" i="0" sz="1400" u="none" cap="none" strike="noStrike">
+        <a:defRPr sz="1400" b="0" i="0" u="none" strike="noStrike" cap="none">
           <a:solidFill>
             <a:srgbClr val="000000"/>
           </a:solidFill>
@@ -6729,7 +6889,7 @@
           <a:sym typeface="Arial"/>
         </a:defRPr>
       </a:lvl3pPr>
-      <a:lvl4pPr lvl="3" marR="0" rtl="0" algn="l">
+      <a:lvl4pPr marR="0" lvl="3" algn="l" rtl="0">
         <a:lnSpc>
           <a:spcPct val="100000"/>
         </a:lnSpc>
@@ -6743,7 +6903,7 @@
           <a:srgbClr val="000000"/>
         </a:buClr>
         <a:buFont typeface="Arial"/>
-        <a:defRPr b="0" i="0" sz="1400" u="none" cap="none" strike="noStrike">
+        <a:defRPr sz="1400" b="0" i="0" u="none" strike="noStrike" cap="none">
           <a:solidFill>
             <a:srgbClr val="000000"/>
           </a:solidFill>
@@ -6753,7 +6913,7 @@
           <a:sym typeface="Arial"/>
         </a:defRPr>
       </a:lvl4pPr>
-      <a:lvl5pPr lvl="4" marR="0" rtl="0" algn="l">
+      <a:lvl5pPr marR="0" lvl="4" algn="l" rtl="0">
         <a:lnSpc>
           <a:spcPct val="100000"/>
         </a:lnSpc>
@@ -6767,7 +6927,7 @@
           <a:srgbClr val="000000"/>
         </a:buClr>
         <a:buFont typeface="Arial"/>
-        <a:defRPr b="0" i="0" sz="1400" u="none" cap="none" strike="noStrike">
+        <a:defRPr sz="1400" b="0" i="0" u="none" strike="noStrike" cap="none">
           <a:solidFill>
             <a:srgbClr val="000000"/>
           </a:solidFill>
@@ -6777,7 +6937,7 @@
           <a:sym typeface="Arial"/>
         </a:defRPr>
       </a:lvl5pPr>
-      <a:lvl6pPr lvl="5" marR="0" rtl="0" algn="l">
+      <a:lvl6pPr marR="0" lvl="5" algn="l" rtl="0">
         <a:lnSpc>
           <a:spcPct val="100000"/>
         </a:lnSpc>
@@ -6791,7 +6951,7 @@
           <a:srgbClr val="000000"/>
         </a:buClr>
         <a:buFont typeface="Arial"/>
-        <a:defRPr b="0" i="0" sz="1400" u="none" cap="none" strike="noStrike">
+        <a:defRPr sz="1400" b="0" i="0" u="none" strike="noStrike" cap="none">
           <a:solidFill>
             <a:srgbClr val="000000"/>
           </a:solidFill>
@@ -6801,7 +6961,7 @@
           <a:sym typeface="Arial"/>
         </a:defRPr>
       </a:lvl6pPr>
-      <a:lvl7pPr lvl="6" marR="0" rtl="0" algn="l">
+      <a:lvl7pPr marR="0" lvl="6" algn="l" rtl="0">
         <a:lnSpc>
           <a:spcPct val="100000"/>
         </a:lnSpc>
@@ -6815,7 +6975,7 @@
           <a:srgbClr val="000000"/>
         </a:buClr>
         <a:buFont typeface="Arial"/>
-        <a:defRPr b="0" i="0" sz="1400" u="none" cap="none" strike="noStrike">
+        <a:defRPr sz="1400" b="0" i="0" u="none" strike="noStrike" cap="none">
           <a:solidFill>
             <a:srgbClr val="000000"/>
           </a:solidFill>
@@ -6825,7 +6985,7 @@
           <a:sym typeface="Arial"/>
         </a:defRPr>
       </a:lvl7pPr>
-      <a:lvl8pPr lvl="7" marR="0" rtl="0" algn="l">
+      <a:lvl8pPr marR="0" lvl="7" algn="l" rtl="0">
         <a:lnSpc>
           <a:spcPct val="100000"/>
         </a:lnSpc>
@@ -6839,7 +6999,7 @@
           <a:srgbClr val="000000"/>
         </a:buClr>
         <a:buFont typeface="Arial"/>
-        <a:defRPr b="0" i="0" sz="1400" u="none" cap="none" strike="noStrike">
+        <a:defRPr sz="1400" b="0" i="0" u="none" strike="noStrike" cap="none">
           <a:solidFill>
             <a:srgbClr val="000000"/>
           </a:solidFill>
@@ -6849,7 +7009,7 @@
           <a:sym typeface="Arial"/>
         </a:defRPr>
       </a:lvl8pPr>
-      <a:lvl9pPr lvl="8" marR="0" rtl="0" algn="l">
+      <a:lvl9pPr marR="0" lvl="8" algn="l" rtl="0">
         <a:lnSpc>
           <a:spcPct val="100000"/>
         </a:lnSpc>
@@ -6863,7 +7023,7 @@
           <a:srgbClr val="000000"/>
         </a:buClr>
         <a:buFont typeface="Arial"/>
-        <a:defRPr b="0" i="0" sz="1400" u="none" cap="none" strike="noStrike">
+        <a:defRPr sz="1400" b="0" i="0" u="none" strike="noStrike" cap="none">
           <a:solidFill>
             <a:srgbClr val="000000"/>
           </a:solidFill>
@@ -6879,11 +7039,11 @@
 </file>
 
 <file path=ppt/slides/slide1.xml><?xml version="1.0" encoding="utf-8"?>
-<p:sld xmlns:a="http://schemas.openxmlformats.org/drawingml/2006/main" xmlns:r="http://schemas.openxmlformats.org/officeDocument/2006/relationships" xmlns:mc="http://schemas.openxmlformats.org/markup-compatibility/2006" xmlns:mv="urn:schemas-microsoft-com:mac:vml" xmlns:p="http://schemas.openxmlformats.org/presentationml/2006/main" xmlns:c="http://schemas.openxmlformats.org/drawingml/2006/chart" xmlns:dgm="http://schemas.openxmlformats.org/drawingml/2006/diagram" xmlns:o="urn:schemas-microsoft-com:office:office" xmlns:v="urn:schemas-microsoft-com:vml" xmlns:pvml="urn:schemas-microsoft-com:office:powerpoint" xmlns:com="http://schemas.openxmlformats.org/drawingml/2006/compatibility" xmlns:p14="http://schemas.microsoft.com/office/powerpoint/2010/main" xmlns:p15="http://schemas.microsoft.com/office/powerpoint/2012/main" xmlns:ahyp="http://schemas.microsoft.com/office/drawing/2018/hyperlinkcolor">
+<p:sld xmlns:a="http://schemas.openxmlformats.org/drawingml/2006/main" xmlns:r="http://schemas.openxmlformats.org/officeDocument/2006/relationships" xmlns:p="http://schemas.openxmlformats.org/presentationml/2006/main">
   <p:cSld>
     <p:spTree>
       <p:nvGrpSpPr>
-        <p:cNvPr id="60" name="Shape 60"/>
+        <p:cNvPr id="1" name="Shape 60"/>
         <p:cNvGrpSpPr/>
         <p:nvPr/>
       </p:nvGrpSpPr>
@@ -6898,7 +7058,9 @@
       <p:sp>
         <p:nvSpPr>
           <p:cNvPr id="61" name="Google Shape;61;p13"/>
-          <p:cNvSpPr txBox="1"/>
+          <p:cNvSpPr txBox="1">
+            <a:spLocks noGrp="1"/>
+          </p:cNvSpPr>
           <p:nvPr>
             <p:ph type="ctrTitle"/>
           </p:nvPr>
@@ -6913,12 +7075,12 @@
           </a:prstGeom>
         </p:spPr>
         <p:txBody>
-          <a:bodyPr anchorCtr="0" anchor="b" bIns="91425" lIns="91425" spcFirstLastPara="1" rIns="91425" wrap="square" tIns="91425">
+          <a:bodyPr spcFirstLastPara="1" wrap="square" lIns="91425" tIns="91425" rIns="91425" bIns="91425" anchor="b" anchorCtr="0">
             <a:normAutofit fontScale="90000"/>
           </a:bodyPr>
           <a:lstStyle/>
           <a:p>
-            <a:pPr indent="0" lvl="0" marL="0" rtl="0" algn="ctr">
+            <a:pPr marL="0" lvl="0" indent="0" algn="ctr" rtl="0">
               <a:spcBef>
                 <a:spcPts val="0"/>
               </a:spcBef>
@@ -6946,9 +7108,11 @@
       <p:sp>
         <p:nvSpPr>
           <p:cNvPr id="62" name="Google Shape;62;p13"/>
-          <p:cNvSpPr txBox="1"/>
+          <p:cNvSpPr txBox="1">
+            <a:spLocks noGrp="1"/>
+          </p:cNvSpPr>
           <p:nvPr>
-            <p:ph idx="1" type="subTitle"/>
+            <p:ph type="subTitle" idx="1"/>
           </p:nvPr>
         </p:nvSpPr>
         <p:spPr>
@@ -6961,12 +7125,12 @@
           </a:prstGeom>
         </p:spPr>
         <p:txBody>
-          <a:bodyPr anchorCtr="0" anchor="t" bIns="91425" lIns="91425" spcFirstLastPara="1" rIns="91425" wrap="square" tIns="91425">
+          <a:bodyPr spcFirstLastPara="1" wrap="square" lIns="91425" tIns="91425" rIns="91425" bIns="91425" anchor="t" anchorCtr="0">
             <a:noAutofit/>
           </a:bodyPr>
           <a:lstStyle/>
           <a:p>
-            <a:pPr indent="0" lvl="0" marL="0" rtl="0" algn="r">
+            <a:pPr marL="0" lvl="0" indent="0" algn="r" rtl="0">
               <a:lnSpc>
                 <a:spcPct val="80000"/>
               </a:lnSpc>
@@ -6986,7 +7150,7 @@
             <a:endParaRPr sz="2000"/>
           </a:p>
           <a:p>
-            <a:pPr indent="0" lvl="0" marL="0" rtl="0" algn="r">
+            <a:pPr marL="0" lvl="0" indent="0" algn="r" rtl="0">
               <a:lnSpc>
                 <a:spcPct val="80000"/>
               </a:lnSpc>
@@ -7006,7 +7170,7 @@
             <a:endParaRPr sz="2000"/>
           </a:p>
           <a:p>
-            <a:pPr indent="0" lvl="0" marL="0" rtl="0" algn="r">
+            <a:pPr marL="0" lvl="0" indent="0" algn="r" rtl="0">
               <a:lnSpc>
                 <a:spcPct val="80000"/>
               </a:lnSpc>
@@ -7064,11 +7228,11 @@
 </file>
 
 <file path=ppt/slides/slide2.xml><?xml version="1.0" encoding="utf-8"?>
-<p:sld xmlns:a="http://schemas.openxmlformats.org/drawingml/2006/main" xmlns:r="http://schemas.openxmlformats.org/officeDocument/2006/relationships" xmlns:mc="http://schemas.openxmlformats.org/markup-compatibility/2006" xmlns:mv="urn:schemas-microsoft-com:mac:vml" xmlns:p="http://schemas.openxmlformats.org/presentationml/2006/main" xmlns:c="http://schemas.openxmlformats.org/drawingml/2006/chart" xmlns:dgm="http://schemas.openxmlformats.org/drawingml/2006/diagram" xmlns:o="urn:schemas-microsoft-com:office:office" xmlns:v="urn:schemas-microsoft-com:vml" xmlns:pvml="urn:schemas-microsoft-com:office:powerpoint" xmlns:com="http://schemas.openxmlformats.org/drawingml/2006/compatibility" xmlns:p14="http://schemas.microsoft.com/office/powerpoint/2010/main" xmlns:p15="http://schemas.microsoft.com/office/powerpoint/2012/main" xmlns:ahyp="http://schemas.microsoft.com/office/drawing/2018/hyperlinkcolor">
+<p:sld xmlns:a="http://schemas.openxmlformats.org/drawingml/2006/main" xmlns:r="http://schemas.openxmlformats.org/officeDocument/2006/relationships" xmlns:p="http://schemas.openxmlformats.org/presentationml/2006/main">
   <p:cSld>
     <p:spTree>
       <p:nvGrpSpPr>
-        <p:cNvPr id="67" name="Shape 67"/>
+        <p:cNvPr id="1" name="Shape 67"/>
         <p:cNvGrpSpPr/>
         <p:nvPr/>
       </p:nvGrpSpPr>
@@ -7083,7 +7247,9 @@
       <p:sp>
         <p:nvSpPr>
           <p:cNvPr id="68" name="Google Shape;68;p14"/>
-          <p:cNvSpPr txBox="1"/>
+          <p:cNvSpPr txBox="1">
+            <a:spLocks noGrp="1"/>
+          </p:cNvSpPr>
           <p:nvPr>
             <p:ph type="ctrTitle"/>
           </p:nvPr>
@@ -7098,12 +7264,12 @@
           </a:prstGeom>
         </p:spPr>
         <p:txBody>
-          <a:bodyPr anchorCtr="0" anchor="b" bIns="91425" lIns="91425" spcFirstLastPara="1" rIns="91425" wrap="square" tIns="91425">
+          <a:bodyPr spcFirstLastPara="1" wrap="square" lIns="91425" tIns="91425" rIns="91425" bIns="91425" anchor="b" anchorCtr="0">
             <a:noAutofit/>
           </a:bodyPr>
           <a:lstStyle/>
           <a:p>
-            <a:pPr indent="0" lvl="0" marL="0" rtl="0" algn="ctr">
+            <a:pPr marL="0" lvl="0" indent="0" algn="ctr" rtl="0">
               <a:spcBef>
                 <a:spcPts val="0"/>
               </a:spcBef>
@@ -7132,9 +7298,11 @@
       <p:sp>
         <p:nvSpPr>
           <p:cNvPr id="69" name="Google Shape;69;p14"/>
-          <p:cNvSpPr txBox="1"/>
+          <p:cNvSpPr txBox="1">
+            <a:spLocks noGrp="1"/>
+          </p:cNvSpPr>
           <p:nvPr>
-            <p:ph idx="1" type="subTitle"/>
+            <p:ph type="subTitle" idx="1"/>
           </p:nvPr>
         </p:nvSpPr>
         <p:spPr>
@@ -7147,12 +7315,12 @@
           </a:prstGeom>
         </p:spPr>
         <p:txBody>
-          <a:bodyPr anchorCtr="0" anchor="t" bIns="91425" lIns="91425" spcFirstLastPara="1" rIns="91425" wrap="square" tIns="91425">
+          <a:bodyPr spcFirstLastPara="1" wrap="square" lIns="91425" tIns="91425" rIns="91425" bIns="91425" anchor="t" anchorCtr="0">
             <a:normAutofit/>
           </a:bodyPr>
           <a:lstStyle/>
           <a:p>
-            <a:pPr indent="-323850" lvl="0" marL="457200" rtl="0" algn="just">
+            <a:pPr marL="457200" lvl="0" indent="-323850" algn="just" rtl="0">
               <a:lnSpc>
                 <a:spcPct val="140000"/>
               </a:lnSpc>
@@ -7183,7 +7351,7 @@
             </a:endParaRPr>
           </a:p>
           <a:p>
-            <a:pPr indent="0" lvl="0" marL="457200" rtl="0" algn="just">
+            <a:pPr marL="457200" lvl="0" indent="0" algn="just" rtl="0">
               <a:lnSpc>
                 <a:spcPct val="140000"/>
               </a:lnSpc>
@@ -7195,9 +7363,6 @@
               </a:spcAft>
               <a:buNone/>
             </a:pPr>
-            <a:r>
-              <a:t/>
-            </a:r>
             <a:endParaRPr sz="1500">
               <a:solidFill>
                 <a:srgbClr val="222529"/>
@@ -7205,7 +7370,7 @@
             </a:endParaRPr>
           </a:p>
           <a:p>
-            <a:pPr indent="-323850" lvl="0" marL="457200" rtl="0" algn="just">
+            <a:pPr marL="457200" lvl="0" indent="-323850" algn="just" rtl="0">
               <a:lnSpc>
                 <a:spcPct val="140000"/>
               </a:lnSpc>
@@ -7236,7 +7401,7 @@
             </a:endParaRPr>
           </a:p>
           <a:p>
-            <a:pPr indent="0" lvl="0" marL="457200" rtl="0" algn="just">
+            <a:pPr marL="457200" lvl="0" indent="0" algn="just" rtl="0">
               <a:lnSpc>
                 <a:spcPct val="140000"/>
               </a:lnSpc>
@@ -7248,9 +7413,6 @@
               </a:spcAft>
               <a:buNone/>
             </a:pPr>
-            <a:r>
-              <a:t/>
-            </a:r>
             <a:endParaRPr sz="1500">
               <a:solidFill>
                 <a:srgbClr val="222529"/>
@@ -7258,7 +7420,7 @@
             </a:endParaRPr>
           </a:p>
           <a:p>
-            <a:pPr indent="-323850" lvl="0" marL="457200" rtl="0" algn="just">
+            <a:pPr marL="457200" lvl="0" indent="-323850" algn="just" rtl="0">
               <a:lnSpc>
                 <a:spcPct val="140000"/>
               </a:lnSpc>
@@ -7280,23 +7442,7 @@
                   <a:srgbClr val="222529"/>
                 </a:solidFill>
               </a:rPr>
-              <a:t>With all the competitors and </a:t>
-            </a:r>
-            <a:r>
-              <a:rPr lang="pt-PT" sz="1500">
-                <a:solidFill>
-                  <a:srgbClr val="222529"/>
-                </a:solidFill>
-              </a:rPr>
-              <a:t>challenges</a:t>
-            </a:r>
-            <a:r>
-              <a:rPr lang="pt-PT" sz="1500">
-                <a:solidFill>
-                  <a:srgbClr val="222529"/>
-                </a:solidFill>
-              </a:rPr>
-              <a:t> of the new digital area, new design and new features of the web services needed to be evaluated and tested.</a:t>
+              <a:t>With all the competitors and challenges of the new digital area, new design and new features of the web services needed to be evaluated and tested.</a:t>
             </a:r>
             <a:endParaRPr sz="1500">
               <a:solidFill>
@@ -7315,11 +7461,11 @@
 </file>
 
 <file path=ppt/slides/slide3.xml><?xml version="1.0" encoding="utf-8"?>
-<p:sld xmlns:a="http://schemas.openxmlformats.org/drawingml/2006/main" xmlns:r="http://schemas.openxmlformats.org/officeDocument/2006/relationships" xmlns:mc="http://schemas.openxmlformats.org/markup-compatibility/2006" xmlns:mv="urn:schemas-microsoft-com:mac:vml" xmlns:p="http://schemas.openxmlformats.org/presentationml/2006/main" xmlns:c="http://schemas.openxmlformats.org/drawingml/2006/chart" xmlns:dgm="http://schemas.openxmlformats.org/drawingml/2006/diagram" xmlns:o="urn:schemas-microsoft-com:office:office" xmlns:v="urn:schemas-microsoft-com:vml" xmlns:pvml="urn:schemas-microsoft-com:office:powerpoint" xmlns:com="http://schemas.openxmlformats.org/drawingml/2006/compatibility" xmlns:p14="http://schemas.microsoft.com/office/powerpoint/2010/main" xmlns:p15="http://schemas.microsoft.com/office/powerpoint/2012/main" xmlns:ahyp="http://schemas.microsoft.com/office/drawing/2018/hyperlinkcolor">
+<p:sld xmlns:a="http://schemas.openxmlformats.org/drawingml/2006/main" xmlns:r="http://schemas.openxmlformats.org/officeDocument/2006/relationships" xmlns:p="http://schemas.openxmlformats.org/presentationml/2006/main">
   <p:cSld>
     <p:spTree>
       <p:nvGrpSpPr>
-        <p:cNvPr id="73" name="Shape 73"/>
+        <p:cNvPr id="1" name="Shape 73"/>
         <p:cNvGrpSpPr/>
         <p:nvPr/>
       </p:nvGrpSpPr>
@@ -7334,7 +7480,9 @@
       <p:sp>
         <p:nvSpPr>
           <p:cNvPr id="74" name="Google Shape;74;p15"/>
-          <p:cNvSpPr txBox="1"/>
+          <p:cNvSpPr txBox="1">
+            <a:spLocks noGrp="1"/>
+          </p:cNvSpPr>
           <p:nvPr>
             <p:ph type="ctrTitle"/>
           </p:nvPr>
@@ -7349,12 +7497,12 @@
           </a:prstGeom>
         </p:spPr>
         <p:txBody>
-          <a:bodyPr anchorCtr="0" anchor="b" bIns="91425" lIns="91425" spcFirstLastPara="1" rIns="91425" wrap="square" tIns="91425">
+          <a:bodyPr spcFirstLastPara="1" wrap="square" lIns="91425" tIns="91425" rIns="91425" bIns="91425" anchor="b" anchorCtr="0">
             <a:normAutofit fontScale="90000"/>
           </a:bodyPr>
           <a:lstStyle/>
           <a:p>
-            <a:pPr indent="0" lvl="0" marL="0" rtl="0" algn="ctr">
+            <a:pPr marL="0" lvl="0" indent="0" algn="ctr" rtl="0">
               <a:spcBef>
                 <a:spcPts val="0"/>
               </a:spcBef>
@@ -7369,15 +7517,7 @@
                   <a:srgbClr val="CC0000"/>
                 </a:solidFill>
               </a:rPr>
-              <a:t>Descriptive s</a:t>
-            </a:r>
-            <a:r>
-              <a:rPr lang="pt-PT">
-                <a:solidFill>
-                  <a:srgbClr val="CC0000"/>
-                </a:solidFill>
-              </a:rPr>
-              <a:t>tatistics</a:t>
+              <a:t>Descriptive statistics</a:t>
             </a:r>
             <a:endParaRPr>
               <a:solidFill>
@@ -7386,7 +7526,7 @@
             </a:endParaRPr>
           </a:p>
           <a:p>
-            <a:pPr indent="0" lvl="0" marL="0" rtl="0" algn="ctr">
+            <a:pPr marL="0" lvl="0" indent="0" algn="ctr" rtl="0">
               <a:spcBef>
                 <a:spcPts val="0"/>
               </a:spcBef>
@@ -7428,11 +7568,11 @@
 </file>
 
 <file path=ppt/slides/slide4.xml><?xml version="1.0" encoding="utf-8"?>
-<p:sld xmlns:a="http://schemas.openxmlformats.org/drawingml/2006/main" xmlns:r="http://schemas.openxmlformats.org/officeDocument/2006/relationships" xmlns:mc="http://schemas.openxmlformats.org/markup-compatibility/2006" xmlns:mv="urn:schemas-microsoft-com:mac:vml" xmlns:p="http://schemas.openxmlformats.org/presentationml/2006/main" xmlns:c="http://schemas.openxmlformats.org/drawingml/2006/chart" xmlns:dgm="http://schemas.openxmlformats.org/drawingml/2006/diagram" xmlns:o="urn:schemas-microsoft-com:office:office" xmlns:v="urn:schemas-microsoft-com:vml" xmlns:pvml="urn:schemas-microsoft-com:office:powerpoint" xmlns:com="http://schemas.openxmlformats.org/drawingml/2006/compatibility" xmlns:p14="http://schemas.microsoft.com/office/powerpoint/2010/main" xmlns:p15="http://schemas.microsoft.com/office/powerpoint/2012/main" xmlns:ahyp="http://schemas.microsoft.com/office/drawing/2018/hyperlinkcolor">
+<p:sld xmlns:a="http://schemas.openxmlformats.org/drawingml/2006/main" xmlns:r="http://schemas.openxmlformats.org/officeDocument/2006/relationships" xmlns:p="http://schemas.openxmlformats.org/presentationml/2006/main">
   <p:cSld>
     <p:spTree>
       <p:nvGrpSpPr>
-        <p:cNvPr id="78" name="Shape 78"/>
+        <p:cNvPr id="1" name="Shape 78"/>
         <p:cNvGrpSpPr/>
         <p:nvPr/>
       </p:nvGrpSpPr>
@@ -7447,7 +7587,9 @@
       <p:sp>
         <p:nvSpPr>
           <p:cNvPr id="79" name="Google Shape;79;p16"/>
-          <p:cNvSpPr txBox="1"/>
+          <p:cNvSpPr txBox="1">
+            <a:spLocks noGrp="1"/>
+          </p:cNvSpPr>
           <p:nvPr>
             <p:ph type="ctrTitle"/>
           </p:nvPr>
@@ -7462,12 +7604,25 @@
           </a:prstGeom>
         </p:spPr>
         <p:txBody>
-          <a:bodyPr anchorCtr="0" anchor="b" bIns="91425" lIns="91425" spcFirstLastPara="1" rIns="91425" wrap="square" tIns="91425">
+          <a:bodyPr spcFirstLastPara="1" wrap="square" lIns="91425" tIns="91425" rIns="91425" bIns="91425" anchor="b" anchorCtr="0">
             <a:noAutofit/>
           </a:bodyPr>
           <a:lstStyle/>
           <a:p>
-            <a:pPr indent="0" lvl="0" marL="0" rtl="0" algn="ctr">
+            <a:pPr marL="0" lvl="0" indent="0" algn="ctr" rtl="0">
+              <a:spcBef>
+                <a:spcPts val="0"/>
+              </a:spcBef>
+              <a:spcAft>
+                <a:spcPts val="0"/>
+              </a:spcAft>
+              <a:buSzPts val="990"/>
+              <a:buNone/>
+            </a:pPr>
+            <a:endParaRPr sz="2020"/>
+          </a:p>
+          <a:p>
+            <a:pPr marL="0" lvl="0" indent="0" algn="ctr" rtl="0">
               <a:spcBef>
                 <a:spcPts val="0"/>
               </a:spcBef>
@@ -7478,30 +7633,14 @@
               <a:buNone/>
             </a:pPr>
             <a:r>
-              <a:t/>
-            </a:r>
-            <a:endParaRPr sz="2020"/>
-          </a:p>
-          <a:p>
-            <a:pPr indent="0" lvl="0" marL="0" rtl="0" algn="ctr">
-              <a:spcBef>
-                <a:spcPts val="0"/>
-              </a:spcBef>
-              <a:spcAft>
-                <a:spcPts val="0"/>
-              </a:spcAft>
-              <a:buSzPts val="990"/>
-              <a:buNone/>
-            </a:pPr>
-            <a:r>
-              <a:rPr b="1" lang="pt-PT" sz="2020">
+              <a:rPr lang="pt-PT" sz="2020" b="1">
                 <a:solidFill>
                   <a:srgbClr val="CC0000"/>
                 </a:solidFill>
               </a:rPr>
               <a:t>KPI’s</a:t>
             </a:r>
-            <a:endParaRPr b="1" sz="2020">
+            <a:endParaRPr sz="2020" b="1">
               <a:solidFill>
                 <a:srgbClr val="CC0000"/>
               </a:solidFill>
@@ -7512,9 +7651,11 @@
       <p:sp>
         <p:nvSpPr>
           <p:cNvPr id="80" name="Google Shape;80;p16"/>
-          <p:cNvSpPr txBox="1"/>
+          <p:cNvSpPr txBox="1">
+            <a:spLocks noGrp="1"/>
+          </p:cNvSpPr>
           <p:nvPr>
-            <p:ph idx="1" type="subTitle"/>
+            <p:ph type="subTitle" idx="1"/>
           </p:nvPr>
         </p:nvSpPr>
         <p:spPr>
@@ -7527,12 +7668,12 @@
           </a:prstGeom>
         </p:spPr>
         <p:txBody>
-          <a:bodyPr anchorCtr="0" anchor="t" bIns="91425" lIns="91425" spcFirstLastPara="1" rIns="91425" wrap="square" tIns="91425">
+          <a:bodyPr spcFirstLastPara="1" wrap="square" lIns="91425" tIns="91425" rIns="91425" bIns="91425" anchor="t" anchorCtr="0">
             <a:noAutofit/>
           </a:bodyPr>
           <a:lstStyle/>
           <a:p>
-            <a:pPr indent="-317500" lvl="0" marL="457200" rtl="0" algn="just">
+            <a:pPr marL="457200" lvl="0" indent="-317500" algn="just" rtl="0">
               <a:lnSpc>
                 <a:spcPct val="115000"/>
               </a:lnSpc>
@@ -7549,21 +7690,21 @@
               <a:buChar char="-"/>
             </a:pPr>
             <a:r>
-              <a:rPr b="1" lang="pt-PT" sz="1400">
+              <a:rPr lang="pt-PT" sz="1400" b="1" dirty="0">
                 <a:solidFill>
                   <a:srgbClr val="222529"/>
                 </a:solidFill>
               </a:rPr>
               <a:t>Completion Rate</a:t>
             </a:r>
-            <a:endParaRPr b="1" sz="1400">
+            <a:endParaRPr sz="1400" b="1" dirty="0">
               <a:solidFill>
                 <a:srgbClr val="222529"/>
               </a:solidFill>
             </a:endParaRPr>
           </a:p>
           <a:p>
-            <a:pPr indent="0" lvl="0" marL="0" rtl="0" algn="just">
+            <a:pPr marL="0" lvl="0" indent="0" algn="just" rtl="0">
               <a:lnSpc>
                 <a:spcPct val="115000"/>
               </a:lnSpc>
@@ -7576,7 +7717,7 @@
               <a:buNone/>
             </a:pPr>
             <a:r>
-              <a:rPr b="1" lang="pt-PT" sz="1400">
+              <a:rPr lang="pt-PT" sz="1400" b="1" dirty="0">
                 <a:solidFill>
                   <a:srgbClr val="222529"/>
                 </a:solidFill>
@@ -7584,7 +7725,7 @@
               <a:t>	</a:t>
             </a:r>
             <a:r>
-              <a:rPr lang="pt-PT" sz="1400">
+              <a:rPr lang="pt-PT" sz="1400" dirty="0" smtClean="0">
                 <a:solidFill>
                   <a:srgbClr val="222529"/>
                 </a:solidFill>
@@ -7592,45 +7733,21 @@
               <a:t>Test </a:t>
             </a:r>
             <a:r>
-              <a:rPr lang="pt-PT" sz="1400">
+              <a:rPr lang="pt-PT" sz="1400" dirty="0">
                 <a:solidFill>
                   <a:srgbClr val="222529"/>
                 </a:solidFill>
               </a:rPr>
-              <a:t>dependency</a:t>
+              <a:t>dependency of the group type and successful operation</a:t>
             </a:r>
-            <a:r>
-              <a:rPr lang="pt-PT" sz="1400">
-                <a:solidFill>
-                  <a:srgbClr val="222529"/>
-                </a:solidFill>
-              </a:rPr>
-              <a:t> of the group type and </a:t>
-            </a:r>
-            <a:r>
-              <a:rPr lang="pt-PT" sz="1400">
-                <a:solidFill>
-                  <a:srgbClr val="222529"/>
-                </a:solidFill>
-              </a:rPr>
-              <a:t>successful</a:t>
-            </a:r>
-            <a:r>
-              <a:rPr lang="pt-PT" sz="1400">
-                <a:solidFill>
-                  <a:srgbClr val="222529"/>
-                </a:solidFill>
-              </a:rPr>
-              <a:t> operation</a:t>
-            </a:r>
-            <a:endParaRPr sz="1400">
+            <a:endParaRPr sz="1400" dirty="0">
               <a:solidFill>
                 <a:srgbClr val="222529"/>
               </a:solidFill>
             </a:endParaRPr>
           </a:p>
           <a:p>
-            <a:pPr indent="0" lvl="0" marL="0" rtl="0" algn="just">
+            <a:pPr marL="0" lvl="0" indent="0" algn="just" rtl="0">
               <a:lnSpc>
                 <a:spcPct val="115000"/>
               </a:lnSpc>
@@ -7642,17 +7759,14 @@
               </a:spcAft>
               <a:buNone/>
             </a:pPr>
-            <a:r>
-              <a:t/>
-            </a:r>
-            <a:endParaRPr sz="1400">
+            <a:endParaRPr sz="1400" dirty="0">
               <a:solidFill>
                 <a:srgbClr val="222529"/>
               </a:solidFill>
             </a:endParaRPr>
           </a:p>
           <a:p>
-            <a:pPr indent="-317500" lvl="0" marL="457200" rtl="0" algn="just">
+            <a:pPr marL="457200" lvl="0" indent="-317500" algn="just" rtl="0">
               <a:lnSpc>
                 <a:spcPct val="115000"/>
               </a:lnSpc>
@@ -7669,21 +7783,21 @@
               <a:buChar char="-"/>
             </a:pPr>
             <a:r>
-              <a:rPr b="1" lang="pt-PT" sz="1400">
+              <a:rPr lang="pt-PT" sz="1400" b="1" dirty="0">
                 <a:solidFill>
                   <a:srgbClr val="222529"/>
                 </a:solidFill>
               </a:rPr>
               <a:t>Time Spent on a successful operation</a:t>
             </a:r>
-            <a:endParaRPr b="1" sz="1400">
+            <a:endParaRPr sz="1400" b="1" dirty="0">
               <a:solidFill>
                 <a:srgbClr val="222529"/>
               </a:solidFill>
             </a:endParaRPr>
           </a:p>
           <a:p>
-            <a:pPr indent="457200" lvl="0" marL="0" rtl="0" algn="just">
+            <a:pPr marL="0" lvl="0" indent="457200" algn="just" rtl="0">
               <a:lnSpc>
                 <a:spcPct val="115000"/>
               </a:lnSpc>
@@ -7696,21 +7810,29 @@
               <a:buNone/>
             </a:pPr>
             <a:r>
-              <a:rPr lang="pt-PT" sz="1400">
+              <a:rPr lang="pt-PT" sz="1400" dirty="0" smtClean="0">
                 <a:solidFill>
                   <a:srgbClr val="222529"/>
                 </a:solidFill>
               </a:rPr>
-              <a:t>Test group spends less time than control group</a:t>
+              <a:t>	Test </a:t>
             </a:r>
-            <a:endParaRPr sz="1400">
+            <a:r>
+              <a:rPr lang="pt-PT" sz="1400" dirty="0">
+                <a:solidFill>
+                  <a:srgbClr val="222529"/>
+                </a:solidFill>
+              </a:rPr>
+              <a:t>group spends less time than control group</a:t>
+            </a:r>
+            <a:endParaRPr sz="1400" dirty="0">
               <a:solidFill>
                 <a:srgbClr val="222529"/>
               </a:solidFill>
             </a:endParaRPr>
           </a:p>
           <a:p>
-            <a:pPr indent="0" lvl="0" marL="0" rtl="0" algn="just">
+            <a:pPr marL="0" lvl="0" indent="0" algn="just" rtl="0">
               <a:lnSpc>
                 <a:spcPct val="115000"/>
               </a:lnSpc>
@@ -7722,17 +7844,14 @@
               </a:spcAft>
               <a:buNone/>
             </a:pPr>
-            <a:r>
-              <a:t/>
-            </a:r>
-            <a:endParaRPr sz="1400">
+            <a:endParaRPr sz="1400" dirty="0">
               <a:solidFill>
                 <a:srgbClr val="222529"/>
               </a:solidFill>
             </a:endParaRPr>
           </a:p>
           <a:p>
-            <a:pPr indent="-317500" lvl="0" marL="457200" rtl="0" algn="just">
+            <a:pPr marL="457200" lvl="0" indent="-317500" algn="just" rtl="0">
               <a:lnSpc>
                 <a:spcPct val="115000"/>
               </a:lnSpc>
@@ -7749,21 +7868,21 @@
               <a:buChar char="-"/>
             </a:pPr>
             <a:r>
-              <a:rPr b="1" lang="pt-PT" sz="1400">
+              <a:rPr lang="pt-PT" sz="1400" b="1" dirty="0">
                 <a:solidFill>
                   <a:srgbClr val="222529"/>
                 </a:solidFill>
               </a:rPr>
               <a:t>Error</a:t>
             </a:r>
-            <a:endParaRPr b="1" sz="1400">
+            <a:endParaRPr sz="1400" b="1" dirty="0">
               <a:solidFill>
                 <a:srgbClr val="222529"/>
               </a:solidFill>
             </a:endParaRPr>
           </a:p>
           <a:p>
-            <a:pPr indent="457200" lvl="0" marL="0" rtl="0" algn="just">
+            <a:pPr marL="0" lvl="0" indent="457200" algn="just" rtl="0">
               <a:lnSpc>
                 <a:spcPct val="115000"/>
               </a:lnSpc>
@@ -7776,29 +7895,29 @@
               <a:buNone/>
             </a:pPr>
             <a:r>
-              <a:rPr lang="pt-PT" sz="1400">
+              <a:rPr lang="pt-PT" sz="1400" dirty="0" smtClean="0">
                 <a:solidFill>
                   <a:srgbClr val="222529"/>
                 </a:solidFill>
               </a:rPr>
-              <a:t>- </a:t>
+              <a:t>	We </a:t>
             </a:r>
             <a:r>
-              <a:rPr lang="pt-PT" sz="1400">
+              <a:rPr lang="pt-PT" sz="1400" dirty="0">
                 <a:solidFill>
                   <a:srgbClr val="222529"/>
                 </a:solidFill>
               </a:rPr>
-              <a:t>We define error when client return to “start”</a:t>
+              <a:t>define error when client return to “start”</a:t>
             </a:r>
-            <a:endParaRPr sz="1400">
+            <a:endParaRPr sz="1400" dirty="0">
               <a:solidFill>
                 <a:srgbClr val="222529"/>
               </a:solidFill>
             </a:endParaRPr>
           </a:p>
           <a:p>
-            <a:pPr indent="457200" lvl="0" marL="0" rtl="0" algn="just">
+            <a:pPr marL="0" lvl="0" indent="457200" algn="just" rtl="0">
               <a:lnSpc>
                 <a:spcPct val="115000"/>
               </a:lnSpc>
@@ -7811,29 +7930,37 @@
               <a:buNone/>
             </a:pPr>
             <a:r>
-              <a:rPr lang="pt-PT" sz="1400">
+              <a:rPr lang="pt-PT" sz="1400" dirty="0">
                 <a:solidFill>
                   <a:srgbClr val="222529"/>
                 </a:solidFill>
               </a:rPr>
-              <a:t>- When steps don’t follow the correct order </a:t>
+              <a:t>	</a:t>
             </a:r>
             <a:r>
-              <a:rPr lang="pt-PT" sz="1400">
+              <a:rPr lang="pt-PT" sz="1400" dirty="0" smtClean="0">
                 <a:solidFill>
                   <a:srgbClr val="222529"/>
                 </a:solidFill>
               </a:rPr>
-              <a:t>timewise</a:t>
+              <a:t>When </a:t>
             </a:r>
-            <a:endParaRPr sz="1400">
+            <a:r>
+              <a:rPr lang="pt-PT" sz="1400" dirty="0">
+                <a:solidFill>
+                  <a:srgbClr val="222529"/>
+                </a:solidFill>
+              </a:rPr>
+              <a:t>steps don’t follow the correct order timewise</a:t>
+            </a:r>
+            <a:endParaRPr sz="1400" dirty="0">
               <a:solidFill>
                 <a:srgbClr val="222529"/>
               </a:solidFill>
             </a:endParaRPr>
           </a:p>
           <a:p>
-            <a:pPr indent="0" lvl="0" marL="457200" rtl="0" algn="ctr">
+            <a:pPr marL="457200" lvl="0" indent="0" algn="ctr" rtl="0">
               <a:spcBef>
                 <a:spcPts val="0"/>
               </a:spcBef>
@@ -7842,10 +7969,7 @@
               </a:spcAft>
               <a:buNone/>
             </a:pPr>
-            <a:r>
-              <a:t/>
-            </a:r>
-            <a:endParaRPr sz="2000"/>
+            <a:endParaRPr sz="2000" dirty="0"/>
           </a:p>
         </p:txBody>
       </p:sp>
@@ -7858,11 +7982,11 @@
 </file>
 
 <file path=ppt/slides/slide5.xml><?xml version="1.0" encoding="utf-8"?>
-<p:sld xmlns:a="http://schemas.openxmlformats.org/drawingml/2006/main" xmlns:r="http://schemas.openxmlformats.org/officeDocument/2006/relationships" xmlns:mc="http://schemas.openxmlformats.org/markup-compatibility/2006" xmlns:mv="urn:schemas-microsoft-com:mac:vml" xmlns:p="http://schemas.openxmlformats.org/presentationml/2006/main" xmlns:c="http://schemas.openxmlformats.org/drawingml/2006/chart" xmlns:dgm="http://schemas.openxmlformats.org/drawingml/2006/diagram" xmlns:o="urn:schemas-microsoft-com:office:office" xmlns:v="urn:schemas-microsoft-com:vml" xmlns:pvml="urn:schemas-microsoft-com:office:powerpoint" xmlns:com="http://schemas.openxmlformats.org/drawingml/2006/compatibility" xmlns:p14="http://schemas.microsoft.com/office/powerpoint/2010/main" xmlns:p15="http://schemas.microsoft.com/office/powerpoint/2012/main" xmlns:ahyp="http://schemas.microsoft.com/office/drawing/2018/hyperlinkcolor">
+<p:sld xmlns:a="http://schemas.openxmlformats.org/drawingml/2006/main" xmlns:r="http://schemas.openxmlformats.org/officeDocument/2006/relationships" xmlns:p="http://schemas.openxmlformats.org/presentationml/2006/main">
   <p:cSld>
     <p:spTree>
       <p:nvGrpSpPr>
-        <p:cNvPr id="84" name="Shape 84"/>
+        <p:cNvPr id="1" name="Shape 84"/>
         <p:cNvGrpSpPr/>
         <p:nvPr/>
       </p:nvGrpSpPr>
@@ -7877,7 +8001,9 @@
       <p:sp>
         <p:nvSpPr>
           <p:cNvPr id="85" name="Google Shape;85;p17"/>
-          <p:cNvSpPr txBox="1"/>
+          <p:cNvSpPr txBox="1">
+            <a:spLocks noGrp="1"/>
+          </p:cNvSpPr>
           <p:nvPr>
             <p:ph type="ctrTitle"/>
           </p:nvPr>
@@ -7892,12 +8018,12 @@
           </a:prstGeom>
         </p:spPr>
         <p:txBody>
-          <a:bodyPr anchorCtr="0" anchor="b" bIns="91425" lIns="91425" spcFirstLastPara="1" rIns="91425" wrap="square" tIns="91425">
+          <a:bodyPr spcFirstLastPara="1" wrap="square" lIns="91425" tIns="91425" rIns="91425" bIns="91425" anchor="b" anchorCtr="0">
             <a:noAutofit/>
           </a:bodyPr>
           <a:lstStyle/>
           <a:p>
-            <a:pPr indent="0" lvl="0" marL="0" rtl="0" algn="ctr">
+            <a:pPr marL="0" lvl="0" indent="0" algn="ctr" rtl="0">
               <a:spcBef>
                 <a:spcPts val="0"/>
               </a:spcBef>
@@ -7908,14 +8034,14 @@
               <a:buNone/>
             </a:pPr>
             <a:r>
-              <a:rPr lang="pt-PT" sz="2520">
+              <a:rPr lang="pt-PT" sz="2520" dirty="0">
                 <a:solidFill>
                   <a:srgbClr val="CC0000"/>
                 </a:solidFill>
               </a:rPr>
               <a:t>Completion Rate</a:t>
             </a:r>
-            <a:endParaRPr sz="2520">
+            <a:endParaRPr sz="2520" dirty="0">
               <a:solidFill>
                 <a:srgbClr val="CC0000"/>
               </a:solidFill>
@@ -7926,9 +8052,11 @@
       <p:sp>
         <p:nvSpPr>
           <p:cNvPr id="86" name="Google Shape;86;p17"/>
-          <p:cNvSpPr txBox="1"/>
+          <p:cNvSpPr txBox="1">
+            <a:spLocks noGrp="1"/>
+          </p:cNvSpPr>
           <p:nvPr>
-            <p:ph idx="1" type="subTitle"/>
+            <p:ph type="subTitle" idx="1"/>
           </p:nvPr>
         </p:nvSpPr>
         <p:spPr>
@@ -7941,12 +8069,12 @@
           </a:prstGeom>
         </p:spPr>
         <p:txBody>
-          <a:bodyPr anchorCtr="0" anchor="t" bIns="91425" lIns="91425" spcFirstLastPara="1" rIns="91425" wrap="square" tIns="91425">
+          <a:bodyPr spcFirstLastPara="1" wrap="square" lIns="91425" tIns="91425" rIns="91425" bIns="91425" anchor="t" anchorCtr="0">
             <a:normAutofit/>
           </a:bodyPr>
           <a:lstStyle/>
           <a:p>
-            <a:pPr indent="0" lvl="0" marL="0" rtl="0" algn="just">
+            <a:pPr marL="0" lvl="0" indent="0" algn="just" rtl="0">
               <a:lnSpc>
                 <a:spcPct val="150000"/>
               </a:lnSpc>
@@ -7959,7 +8087,7 @@
               <a:buNone/>
             </a:pPr>
             <a:r>
-              <a:rPr b="1" lang="pt-PT" sz="1400">
+              <a:rPr lang="pt-PT" sz="1400" b="1">
                 <a:solidFill>
                   <a:srgbClr val="222529"/>
                 </a:solidFill>
@@ -7981,7 +8109,7 @@
             </a:endParaRPr>
           </a:p>
           <a:p>
-            <a:pPr indent="0" lvl="0" marL="0" rtl="0" algn="just">
+            <a:pPr marL="0" lvl="0" indent="0" algn="just" rtl="0">
               <a:lnSpc>
                 <a:spcPct val="150000"/>
               </a:lnSpc>
@@ -7993,9 +8121,6 @@
               </a:spcAft>
               <a:buNone/>
             </a:pPr>
-            <a:r>
-              <a:t/>
-            </a:r>
             <a:endParaRPr sz="800">
               <a:solidFill>
                 <a:srgbClr val="222529"/>
@@ -8003,7 +8128,7 @@
             </a:endParaRPr>
           </a:p>
           <a:p>
-            <a:pPr indent="0" lvl="0" marL="0" rtl="0" algn="just">
+            <a:pPr marL="0" lvl="0" indent="0" algn="just" rtl="0">
               <a:lnSpc>
                 <a:spcPct val="150000"/>
               </a:lnSpc>
@@ -8016,7 +8141,7 @@
               <a:buNone/>
             </a:pPr>
             <a:r>
-              <a:rPr b="1" lang="pt-PT" sz="1400">
+              <a:rPr lang="pt-PT" sz="1400" b="1">
                 <a:solidFill>
                   <a:srgbClr val="222529"/>
                 </a:solidFill>
@@ -8038,7 +8163,7 @@
             </a:endParaRPr>
           </a:p>
           <a:p>
-            <a:pPr indent="0" lvl="0" marL="0" rtl="0" algn="just">
+            <a:pPr marL="0" lvl="0" indent="0" algn="just" rtl="0">
               <a:lnSpc>
                 <a:spcPct val="150000"/>
               </a:lnSpc>
@@ -8050,9 +8175,6 @@
               </a:spcAft>
               <a:buNone/>
             </a:pPr>
-            <a:r>
-              <a:t/>
-            </a:r>
             <a:endParaRPr sz="800">
               <a:solidFill>
                 <a:srgbClr val="222529"/>
@@ -8060,7 +8182,7 @@
             </a:endParaRPr>
           </a:p>
           <a:p>
-            <a:pPr indent="0" lvl="0" marL="0" rtl="0" algn="just">
+            <a:pPr marL="0" lvl="0" indent="0" algn="just" rtl="0">
               <a:lnSpc>
                 <a:spcPct val="150000"/>
               </a:lnSpc>
@@ -8073,7 +8195,7 @@
               <a:buNone/>
             </a:pPr>
             <a:r>
-              <a:rPr b="1" lang="pt-PT" sz="1400">
+              <a:rPr lang="pt-PT" sz="1400" b="1">
                 <a:solidFill>
                   <a:srgbClr val="222529"/>
                 </a:solidFill>
@@ -8116,12 +8238,12 @@
           </a:ln>
         </p:spPr>
         <p:txBody>
-          <a:bodyPr anchorCtr="0" anchor="t" bIns="91425" lIns="91425" spcFirstLastPara="1" rIns="91425" wrap="square" tIns="91425">
+          <a:bodyPr spcFirstLastPara="1" wrap="square" lIns="91425" tIns="91425" rIns="91425" bIns="91425" anchor="t" anchorCtr="0">
             <a:noAutofit/>
           </a:bodyPr>
           <a:lstStyle/>
           <a:p>
-            <a:pPr indent="0" lvl="0" marL="0" rtl="0" algn="just">
+            <a:pPr marL="0" lvl="0" indent="0" algn="just" rtl="0">
               <a:lnSpc>
                 <a:spcPct val="150000"/>
               </a:lnSpc>
@@ -8156,7 +8278,7 @@
             </a:endParaRPr>
           </a:p>
           <a:p>
-            <a:pPr indent="0" lvl="0" marL="0" rtl="0" algn="just">
+            <a:pPr marL="0" lvl="0" indent="0" algn="just" rtl="0">
               <a:lnSpc>
                 <a:spcPct val="150000"/>
               </a:lnSpc>
@@ -8191,7 +8313,7 @@
             </a:endParaRPr>
           </a:p>
           <a:p>
-            <a:pPr indent="0" lvl="0" marL="0" rtl="0" algn="just">
+            <a:pPr marL="0" lvl="0" indent="0" algn="just" rtl="0">
               <a:lnSpc>
                 <a:spcPct val="150000"/>
               </a:lnSpc>
@@ -8203,9 +8325,6 @@
               </a:spcAft>
               <a:buNone/>
             </a:pPr>
-            <a:r>
-              <a:t/>
-            </a:r>
             <a:endParaRPr sz="800">
               <a:solidFill>
                 <a:srgbClr val="222529"/>
@@ -8217,7 +8336,7 @@
             </a:endParaRPr>
           </a:p>
           <a:p>
-            <a:pPr indent="0" lvl="0" marL="0" rtl="0" algn="l">
+            <a:pPr marL="0" lvl="0" indent="0" algn="l" rtl="0">
               <a:lnSpc>
                 <a:spcPct val="150000"/>
               </a:lnSpc>
@@ -8252,7 +8371,7 @@
             </a:endParaRPr>
           </a:p>
           <a:p>
-            <a:pPr indent="0" lvl="0" marL="0" rtl="0" algn="l">
+            <a:pPr marL="0" lvl="0" indent="0" algn="l" rtl="0">
               <a:spcBef>
                 <a:spcPts val="0"/>
               </a:spcBef>
@@ -8261,9 +8380,6 @@
               </a:spcAft>
               <a:buNone/>
             </a:pPr>
-            <a:r>
-              <a:t/>
-            </a:r>
             <a:endParaRPr sz="1800">
               <a:solidFill>
                 <a:srgbClr val="222529"/>
@@ -8271,7 +8387,7 @@
             </a:endParaRPr>
           </a:p>
           <a:p>
-            <a:pPr indent="0" lvl="0" marL="0" rtl="0" algn="l">
+            <a:pPr marL="0" lvl="0" indent="0" algn="l" rtl="0">
               <a:spcBef>
                 <a:spcPts val="0"/>
               </a:spcBef>
@@ -8280,9 +8396,6 @@
               </a:spcAft>
               <a:buNone/>
             </a:pPr>
-            <a:r>
-              <a:t/>
-            </a:r>
             <a:endParaRPr sz="1800">
               <a:solidFill>
                 <a:schemeClr val="dk2"/>
@@ -8290,7 +8403,7 @@
             </a:endParaRPr>
           </a:p>
           <a:p>
-            <a:pPr indent="0" lvl="0" marL="0" rtl="0" algn="l">
+            <a:pPr marL="0" lvl="0" indent="0" algn="l" rtl="0">
               <a:spcBef>
                 <a:spcPts val="0"/>
               </a:spcBef>
@@ -8299,9 +8412,6 @@
               </a:spcAft>
               <a:buNone/>
             </a:pPr>
-            <a:r>
-              <a:t/>
-            </a:r>
             <a:endParaRPr sz="1800">
               <a:solidFill>
                 <a:schemeClr val="dk2"/>
@@ -8347,11 +8457,11 @@
 </file>
 
 <file path=ppt/slides/slide6.xml><?xml version="1.0" encoding="utf-8"?>
-<p:sld xmlns:a="http://schemas.openxmlformats.org/drawingml/2006/main" xmlns:r="http://schemas.openxmlformats.org/officeDocument/2006/relationships" xmlns:mc="http://schemas.openxmlformats.org/markup-compatibility/2006" xmlns:mv="urn:schemas-microsoft-com:mac:vml" xmlns:p="http://schemas.openxmlformats.org/presentationml/2006/main" xmlns:c="http://schemas.openxmlformats.org/drawingml/2006/chart" xmlns:dgm="http://schemas.openxmlformats.org/drawingml/2006/diagram" xmlns:o="urn:schemas-microsoft-com:office:office" xmlns:v="urn:schemas-microsoft-com:vml" xmlns:pvml="urn:schemas-microsoft-com:office:powerpoint" xmlns:com="http://schemas.openxmlformats.org/drawingml/2006/compatibility" xmlns:p14="http://schemas.microsoft.com/office/powerpoint/2010/main" xmlns:p15="http://schemas.microsoft.com/office/powerpoint/2012/main" xmlns:ahyp="http://schemas.microsoft.com/office/drawing/2018/hyperlinkcolor">
+<p:sld xmlns:a="http://schemas.openxmlformats.org/drawingml/2006/main" xmlns:r="http://schemas.openxmlformats.org/officeDocument/2006/relationships" xmlns:p="http://schemas.openxmlformats.org/presentationml/2006/main">
   <p:cSld>
     <p:spTree>
       <p:nvGrpSpPr>
-        <p:cNvPr id="92" name="Shape 92"/>
+        <p:cNvPr id="1" name="Shape 92"/>
         <p:cNvGrpSpPr/>
         <p:nvPr/>
       </p:nvGrpSpPr>
@@ -8366,7 +8476,9 @@
       <p:sp>
         <p:nvSpPr>
           <p:cNvPr id="93" name="Google Shape;93;p18"/>
-          <p:cNvSpPr txBox="1"/>
+          <p:cNvSpPr txBox="1">
+            <a:spLocks noGrp="1"/>
+          </p:cNvSpPr>
           <p:nvPr>
             <p:ph type="ctrTitle"/>
           </p:nvPr>
@@ -8381,12 +8493,12 @@
           </a:prstGeom>
         </p:spPr>
         <p:txBody>
-          <a:bodyPr anchorCtr="0" anchor="b" bIns="91425" lIns="91425" spcFirstLastPara="1" rIns="91425" wrap="square" tIns="91425">
+          <a:bodyPr spcFirstLastPara="1" wrap="square" lIns="91425" tIns="91425" rIns="91425" bIns="91425" anchor="b" anchorCtr="0">
             <a:noAutofit/>
           </a:bodyPr>
           <a:lstStyle/>
           <a:p>
-            <a:pPr indent="0" lvl="0" marL="0" rtl="0" algn="ctr">
+            <a:pPr marL="0" lvl="0" indent="0" algn="ctr" rtl="0">
               <a:spcBef>
                 <a:spcPts val="0"/>
               </a:spcBef>
@@ -8397,22 +8509,14 @@
               <a:buNone/>
             </a:pPr>
             <a:r>
-              <a:rPr b="1" lang="pt-PT" sz="2500">
+              <a:rPr lang="pt-PT" sz="2500" b="1">
                 <a:solidFill>
                   <a:srgbClr val="CC0000"/>
                 </a:solidFill>
               </a:rPr>
-              <a:t>Average t</a:t>
+              <a:t>Average time spent on a successful operation</a:t>
             </a:r>
-            <a:r>
-              <a:rPr b="1" lang="pt-PT" sz="2500">
-                <a:solidFill>
-                  <a:srgbClr val="CC0000"/>
-                </a:solidFill>
-              </a:rPr>
-              <a:t>ime spent on a successful operation</a:t>
-            </a:r>
-            <a:endParaRPr b="1" sz="2500">
+            <a:endParaRPr sz="2500" b="1">
               <a:solidFill>
                 <a:srgbClr val="CC0000"/>
               </a:solidFill>
@@ -8423,9 +8527,11 @@
       <p:sp>
         <p:nvSpPr>
           <p:cNvPr id="94" name="Google Shape;94;p18"/>
-          <p:cNvSpPr txBox="1"/>
+          <p:cNvSpPr txBox="1">
+            <a:spLocks noGrp="1"/>
+          </p:cNvSpPr>
           <p:nvPr>
-            <p:ph idx="1" type="subTitle"/>
+            <p:ph type="subTitle" idx="1"/>
           </p:nvPr>
         </p:nvSpPr>
         <p:spPr>
@@ -8438,12 +8544,12 @@
           </a:prstGeom>
         </p:spPr>
         <p:txBody>
-          <a:bodyPr anchorCtr="0" anchor="t" bIns="91425" lIns="91425" spcFirstLastPara="1" rIns="91425" wrap="square" tIns="91425">
+          <a:bodyPr spcFirstLastPara="1" wrap="square" lIns="91425" tIns="91425" rIns="91425" bIns="91425" anchor="t" anchorCtr="0">
             <a:normAutofit/>
           </a:bodyPr>
           <a:lstStyle/>
           <a:p>
-            <a:pPr indent="0" lvl="0" marL="0" rtl="0" algn="l">
+            <a:pPr marL="0" lvl="0" indent="0" algn="l" rtl="0">
               <a:lnSpc>
                 <a:spcPct val="150000"/>
               </a:lnSpc>
@@ -8456,7 +8562,7 @@
               <a:buNone/>
             </a:pPr>
             <a:r>
-              <a:rPr b="1" lang="pt-PT" sz="1400">
+              <a:rPr lang="pt-PT" sz="1400" b="1">
                 <a:solidFill>
                   <a:srgbClr val="222529"/>
                 </a:solidFill>
@@ -8478,7 +8584,7 @@
             </a:endParaRPr>
           </a:p>
           <a:p>
-            <a:pPr indent="0" lvl="0" marL="0" rtl="0" algn="l">
+            <a:pPr marL="0" lvl="0" indent="0" algn="l" rtl="0">
               <a:lnSpc>
                 <a:spcPct val="150000"/>
               </a:lnSpc>
@@ -8490,9 +8596,6 @@
               </a:spcAft>
               <a:buNone/>
             </a:pPr>
-            <a:r>
-              <a:t/>
-            </a:r>
             <a:endParaRPr sz="800">
               <a:solidFill>
                 <a:srgbClr val="222529"/>
@@ -8500,7 +8603,7 @@
             </a:endParaRPr>
           </a:p>
           <a:p>
-            <a:pPr indent="0" lvl="0" marL="0" rtl="0" algn="l">
+            <a:pPr marL="0" lvl="0" indent="0" algn="l" rtl="0">
               <a:lnSpc>
                 <a:spcPct val="150000"/>
               </a:lnSpc>
@@ -8513,7 +8616,7 @@
               <a:buNone/>
             </a:pPr>
             <a:r>
-              <a:rPr b="1" lang="pt-PT" sz="1400">
+              <a:rPr lang="pt-PT" sz="1400" b="1">
                 <a:solidFill>
                   <a:srgbClr val="222529"/>
                 </a:solidFill>
@@ -8535,7 +8638,7 @@
             </a:endParaRPr>
           </a:p>
           <a:p>
-            <a:pPr indent="0" lvl="0" marL="0" rtl="0" algn="l">
+            <a:pPr marL="0" lvl="0" indent="0" algn="l" rtl="0">
               <a:lnSpc>
                 <a:spcPct val="150000"/>
               </a:lnSpc>
@@ -8547,9 +8650,6 @@
               </a:spcAft>
               <a:buNone/>
             </a:pPr>
-            <a:r>
-              <a:t/>
-            </a:r>
             <a:endParaRPr sz="800">
               <a:solidFill>
                 <a:srgbClr val="222529"/>
@@ -8557,7 +8657,7 @@
             </a:endParaRPr>
           </a:p>
           <a:p>
-            <a:pPr indent="0" lvl="0" marL="0" rtl="0" algn="just">
+            <a:pPr marL="0" lvl="0" indent="0" algn="just" rtl="0">
               <a:lnSpc>
                 <a:spcPct val="150000"/>
               </a:lnSpc>
@@ -8575,7 +8675,7 @@
               <a:buNone/>
             </a:pPr>
             <a:r>
-              <a:rPr b="1" lang="pt-PT" sz="1400">
+              <a:rPr lang="pt-PT" sz="1400" b="1">
                 <a:solidFill>
                   <a:srgbClr val="222529"/>
                 </a:solidFill>
@@ -8618,12 +8718,12 @@
           </a:ln>
         </p:spPr>
         <p:txBody>
-          <a:bodyPr anchorCtr="0" anchor="t" bIns="91425" lIns="91425" spcFirstLastPara="1" rIns="91425" wrap="square" tIns="91425">
+          <a:bodyPr spcFirstLastPara="1" wrap="square" lIns="91425" tIns="91425" rIns="91425" bIns="91425" anchor="t" anchorCtr="0">
             <a:noAutofit/>
           </a:bodyPr>
           <a:lstStyle/>
           <a:p>
-            <a:pPr indent="0" lvl="0" marL="0" rtl="0" algn="l">
+            <a:pPr marL="0" lvl="0" indent="0" algn="l" rtl="0">
               <a:spcBef>
                 <a:spcPts val="0"/>
               </a:spcBef>
@@ -8632,9 +8732,6 @@
               </a:spcAft>
               <a:buNone/>
             </a:pPr>
-            <a:r>
-              <a:t/>
-            </a:r>
             <a:endParaRPr sz="1800">
               <a:solidFill>
                 <a:schemeClr val="dk2"/>
@@ -8663,12 +8760,12 @@
           </a:ln>
         </p:spPr>
         <p:txBody>
-          <a:bodyPr anchorCtr="0" anchor="t" bIns="91425" lIns="91425" spcFirstLastPara="1" rIns="91425" wrap="square" tIns="91425">
+          <a:bodyPr spcFirstLastPara="1" wrap="square" lIns="91425" tIns="91425" rIns="91425" bIns="91425" anchor="t" anchorCtr="0">
             <a:noAutofit/>
           </a:bodyPr>
           <a:lstStyle/>
           <a:p>
-            <a:pPr indent="0" lvl="0" marL="0" rtl="0" algn="l">
+            <a:pPr marL="0" lvl="0" indent="0" algn="l" rtl="0">
               <a:lnSpc>
                 <a:spcPct val="150000"/>
               </a:lnSpc>
@@ -8703,7 +8800,7 @@
             </a:endParaRPr>
           </a:p>
           <a:p>
-            <a:pPr indent="0" lvl="0" marL="0" rtl="0" algn="l">
+            <a:pPr marL="0" lvl="0" indent="0" algn="l" rtl="0">
               <a:lnSpc>
                 <a:spcPct val="150000"/>
               </a:lnSpc>
@@ -8738,7 +8835,7 @@
             </a:endParaRPr>
           </a:p>
           <a:p>
-            <a:pPr indent="0" lvl="0" marL="0" rtl="0" algn="l">
+            <a:pPr marL="0" lvl="0" indent="0" algn="l" rtl="0">
               <a:spcBef>
                 <a:spcPts val="0"/>
               </a:spcBef>
@@ -8747,9 +8844,6 @@
               </a:spcAft>
               <a:buNone/>
             </a:pPr>
-            <a:r>
-              <a:t/>
-            </a:r>
             <a:endParaRPr sz="1800">
               <a:solidFill>
                 <a:schemeClr val="dk2"/>
@@ -8823,11 +8917,11 @@
 </file>
 
 <file path=ppt/slides/slide7.xml><?xml version="1.0" encoding="utf-8"?>
-<p:sld xmlns:a="http://schemas.openxmlformats.org/drawingml/2006/main" xmlns:r="http://schemas.openxmlformats.org/officeDocument/2006/relationships" xmlns:mc="http://schemas.openxmlformats.org/markup-compatibility/2006" xmlns:mv="urn:schemas-microsoft-com:mac:vml" xmlns:p="http://schemas.openxmlformats.org/presentationml/2006/main" xmlns:c="http://schemas.openxmlformats.org/drawingml/2006/chart" xmlns:dgm="http://schemas.openxmlformats.org/drawingml/2006/diagram" xmlns:o="urn:schemas-microsoft-com:office:office" xmlns:v="urn:schemas-microsoft-com:vml" xmlns:pvml="urn:schemas-microsoft-com:office:powerpoint" xmlns:com="http://schemas.openxmlformats.org/drawingml/2006/compatibility" xmlns:p14="http://schemas.microsoft.com/office/powerpoint/2010/main" xmlns:p15="http://schemas.microsoft.com/office/powerpoint/2012/main" xmlns:ahyp="http://schemas.microsoft.com/office/drawing/2018/hyperlinkcolor">
+<p:sld xmlns:a="http://schemas.openxmlformats.org/drawingml/2006/main" xmlns:r="http://schemas.openxmlformats.org/officeDocument/2006/relationships" xmlns:p="http://schemas.openxmlformats.org/presentationml/2006/main">
   <p:cSld>
     <p:spTree>
       <p:nvGrpSpPr>
-        <p:cNvPr id="102" name="Shape 102"/>
+        <p:cNvPr id="1" name="Shape 102"/>
         <p:cNvGrpSpPr/>
         <p:nvPr/>
       </p:nvGrpSpPr>
@@ -8842,7 +8936,9 @@
       <p:sp>
         <p:nvSpPr>
           <p:cNvPr id="103" name="Google Shape;103;p19"/>
-          <p:cNvSpPr txBox="1"/>
+          <p:cNvSpPr txBox="1">
+            <a:spLocks noGrp="1"/>
+          </p:cNvSpPr>
           <p:nvPr>
             <p:ph type="ctrTitle"/>
           </p:nvPr>
@@ -8857,12 +8953,12 @@
           </a:prstGeom>
         </p:spPr>
         <p:txBody>
-          <a:bodyPr anchorCtr="0" anchor="b" bIns="91425" lIns="91425" spcFirstLastPara="1" rIns="91425" wrap="square" tIns="91425">
+          <a:bodyPr spcFirstLastPara="1" wrap="square" lIns="91425" tIns="91425" rIns="91425" bIns="91425" anchor="b" anchorCtr="0">
             <a:normAutofit/>
           </a:bodyPr>
           <a:lstStyle/>
           <a:p>
-            <a:pPr indent="0" lvl="0" marL="0" rtl="0" algn="ctr">
+            <a:pPr marL="0" lvl="0" indent="0" algn="ctr" rtl="0">
               <a:spcBef>
                 <a:spcPts val="0"/>
               </a:spcBef>
@@ -8872,14 +8968,14 @@
               <a:buNone/>
             </a:pPr>
             <a:r>
-              <a:rPr b="1" lang="pt-PT" sz="2400">
+              <a:rPr lang="pt-PT" sz="2400" b="1">
                 <a:solidFill>
                   <a:srgbClr val="CC0000"/>
                 </a:solidFill>
               </a:rPr>
               <a:t>Error “return to start”</a:t>
             </a:r>
-            <a:endParaRPr b="1" sz="2400">
+            <a:endParaRPr sz="2400" b="1">
               <a:solidFill>
                 <a:srgbClr val="CC0000"/>
               </a:solidFill>
@@ -8890,9 +8986,11 @@
       <p:sp>
         <p:nvSpPr>
           <p:cNvPr id="104" name="Google Shape;104;p19"/>
-          <p:cNvSpPr txBox="1"/>
+          <p:cNvSpPr txBox="1">
+            <a:spLocks noGrp="1"/>
+          </p:cNvSpPr>
           <p:nvPr>
-            <p:ph idx="1" type="subTitle"/>
+            <p:ph type="subTitle" idx="1"/>
           </p:nvPr>
         </p:nvSpPr>
         <p:spPr>
@@ -8905,12 +9003,12 @@
           </a:prstGeom>
         </p:spPr>
         <p:txBody>
-          <a:bodyPr anchorCtr="0" anchor="t" bIns="91425" lIns="91425" spcFirstLastPara="1" rIns="91425" wrap="square" tIns="91425">
+          <a:bodyPr spcFirstLastPara="1" wrap="square" lIns="91425" tIns="91425" rIns="91425" bIns="91425" anchor="t" anchorCtr="0">
             <a:normAutofit fontScale="25000" lnSpcReduction="20000"/>
           </a:bodyPr>
           <a:lstStyle/>
           <a:p>
-            <a:pPr indent="0" lvl="0" marL="0" rtl="0" algn="just">
+            <a:pPr marL="0" lvl="0" indent="0" algn="just" rtl="0">
               <a:lnSpc>
                 <a:spcPct val="150000"/>
               </a:lnSpc>
@@ -8923,7 +9021,7 @@
               <a:buNone/>
             </a:pPr>
             <a:r>
-              <a:rPr b="1" lang="pt-PT" sz="5925">
+              <a:rPr lang="pt-PT" sz="5925" b="1">
                 <a:solidFill>
                   <a:srgbClr val="222529"/>
                 </a:solidFill>
@@ -8945,7 +9043,7 @@
             </a:endParaRPr>
           </a:p>
           <a:p>
-            <a:pPr indent="0" lvl="0" marL="0" rtl="0" algn="just">
+            <a:pPr marL="0" lvl="0" indent="0" algn="just" rtl="0">
               <a:lnSpc>
                 <a:spcPct val="150000"/>
               </a:lnSpc>
@@ -8957,9 +9055,6 @@
               </a:spcAft>
               <a:buNone/>
             </a:pPr>
-            <a:r>
-              <a:t/>
-            </a:r>
             <a:endParaRPr sz="5925">
               <a:solidFill>
                 <a:srgbClr val="222529"/>
@@ -8967,7 +9062,7 @@
             </a:endParaRPr>
           </a:p>
           <a:p>
-            <a:pPr indent="0" lvl="0" marL="0" rtl="0" algn="just">
+            <a:pPr marL="0" lvl="0" indent="0" algn="just" rtl="0">
               <a:lnSpc>
                 <a:spcPct val="150000"/>
               </a:lnSpc>
@@ -8980,7 +9075,7 @@
               <a:buNone/>
             </a:pPr>
             <a:r>
-              <a:rPr b="1" lang="pt-PT" sz="5925">
+              <a:rPr lang="pt-PT" sz="5925" b="1">
                 <a:solidFill>
                   <a:srgbClr val="222529"/>
                 </a:solidFill>
@@ -9002,7 +9097,7 @@
             </a:endParaRPr>
           </a:p>
           <a:p>
-            <a:pPr indent="0" lvl="0" marL="0" rtl="0" algn="just">
+            <a:pPr marL="0" lvl="0" indent="0" algn="just" rtl="0">
               <a:lnSpc>
                 <a:spcPct val="150000"/>
               </a:lnSpc>
@@ -9019,17 +9114,14 @@
               <a:buFont typeface="Arial"/>
               <a:buNone/>
             </a:pPr>
-            <a:r>
-              <a:t/>
-            </a:r>
-            <a:endParaRPr b="1" sz="5925">
+            <a:endParaRPr sz="5925" b="1">
               <a:solidFill>
                 <a:srgbClr val="222529"/>
               </a:solidFill>
             </a:endParaRPr>
           </a:p>
           <a:p>
-            <a:pPr indent="0" lvl="0" marL="0" rtl="0" algn="just">
+            <a:pPr marL="0" lvl="0" indent="0" algn="just" rtl="0">
               <a:lnSpc>
                 <a:spcPct val="150000"/>
               </a:lnSpc>
@@ -9047,7 +9139,7 @@
               <a:buNone/>
             </a:pPr>
             <a:r>
-              <a:rPr b="1" lang="pt-PT" sz="5925">
+              <a:rPr lang="pt-PT" sz="5925" b="1">
                 <a:solidFill>
                   <a:srgbClr val="222529"/>
                 </a:solidFill>
@@ -9069,7 +9161,7 @@
             </a:endParaRPr>
           </a:p>
           <a:p>
-            <a:pPr indent="0" lvl="0" marL="0" rtl="0" algn="just">
+            <a:pPr marL="0" lvl="0" indent="0" algn="just" rtl="0">
               <a:spcBef>
                 <a:spcPts val="0"/>
               </a:spcBef>
@@ -9078,9 +9170,6 @@
               </a:spcAft>
               <a:buNone/>
             </a:pPr>
-            <a:r>
-              <a:t/>
-            </a:r>
             <a:endParaRPr/>
           </a:p>
         </p:txBody>
@@ -9105,12 +9194,12 @@
           </a:ln>
         </p:spPr>
         <p:txBody>
-          <a:bodyPr anchorCtr="0" anchor="t" bIns="91425" lIns="91425" spcFirstLastPara="1" rIns="91425" wrap="square" tIns="91425">
+          <a:bodyPr spcFirstLastPara="1" wrap="square" lIns="91425" tIns="91425" rIns="91425" bIns="91425" anchor="t" anchorCtr="0">
             <a:noAutofit/>
           </a:bodyPr>
           <a:lstStyle/>
           <a:p>
-            <a:pPr indent="0" lvl="0" marL="0" rtl="0" algn="l">
+            <a:pPr marL="0" lvl="0" indent="0" algn="l" rtl="0">
               <a:lnSpc>
                 <a:spcPct val="150000"/>
               </a:lnSpc>
@@ -9145,7 +9234,7 @@
             </a:endParaRPr>
           </a:p>
           <a:p>
-            <a:pPr indent="0" lvl="0" marL="0" rtl="0" algn="l">
+            <a:pPr marL="0" lvl="0" indent="0" algn="l" rtl="0">
               <a:lnSpc>
                 <a:spcPct val="150000"/>
               </a:lnSpc>
@@ -9274,11 +9363,11 @@
 </file>
 
 <file path=ppt/slides/slide8.xml><?xml version="1.0" encoding="utf-8"?>
-<p:sld xmlns:a="http://schemas.openxmlformats.org/drawingml/2006/main" xmlns:r="http://schemas.openxmlformats.org/officeDocument/2006/relationships" xmlns:mc="http://schemas.openxmlformats.org/markup-compatibility/2006" xmlns:mv="urn:schemas-microsoft-com:mac:vml" xmlns:p="http://schemas.openxmlformats.org/presentationml/2006/main" xmlns:c="http://schemas.openxmlformats.org/drawingml/2006/chart" xmlns:dgm="http://schemas.openxmlformats.org/drawingml/2006/diagram" xmlns:o="urn:schemas-microsoft-com:office:office" xmlns:v="urn:schemas-microsoft-com:vml" xmlns:pvml="urn:schemas-microsoft-com:office:powerpoint" xmlns:com="http://schemas.openxmlformats.org/drawingml/2006/compatibility" xmlns:p14="http://schemas.microsoft.com/office/powerpoint/2010/main" xmlns:p15="http://schemas.microsoft.com/office/powerpoint/2012/main" xmlns:ahyp="http://schemas.microsoft.com/office/drawing/2018/hyperlinkcolor">
+<p:sld xmlns:a="http://schemas.openxmlformats.org/drawingml/2006/main" xmlns:r="http://schemas.openxmlformats.org/officeDocument/2006/relationships" xmlns:p="http://schemas.openxmlformats.org/presentationml/2006/main">
   <p:cSld>
     <p:spTree>
       <p:nvGrpSpPr>
-        <p:cNvPr id="112" name="Shape 112"/>
+        <p:cNvPr id="1" name="Shape 112"/>
         <p:cNvGrpSpPr/>
         <p:nvPr/>
       </p:nvGrpSpPr>
@@ -9293,7 +9382,9 @@
       <p:sp>
         <p:nvSpPr>
           <p:cNvPr id="113" name="Google Shape;113;p20"/>
-          <p:cNvSpPr txBox="1"/>
+          <p:cNvSpPr txBox="1">
+            <a:spLocks noGrp="1"/>
+          </p:cNvSpPr>
           <p:nvPr>
             <p:ph type="ctrTitle"/>
           </p:nvPr>
@@ -9308,12 +9399,12 @@
           </a:prstGeom>
         </p:spPr>
         <p:txBody>
-          <a:bodyPr anchorCtr="0" anchor="b" bIns="91425" lIns="91425" spcFirstLastPara="1" rIns="91425" wrap="square" tIns="91425">
+          <a:bodyPr spcFirstLastPara="1" wrap="square" lIns="91425" tIns="91425" rIns="91425" bIns="91425" anchor="b" anchorCtr="0">
             <a:noAutofit/>
           </a:bodyPr>
           <a:lstStyle/>
           <a:p>
-            <a:pPr indent="0" lvl="0" marL="0" rtl="0" algn="ctr">
+            <a:pPr marL="0" lvl="0" indent="0" algn="ctr" rtl="0">
               <a:spcBef>
                 <a:spcPts val="0"/>
               </a:spcBef>
@@ -9324,14 +9415,14 @@
               <a:buNone/>
             </a:pPr>
             <a:r>
-              <a:rPr b="1" lang="pt-PT" sz="2520">
+              <a:rPr lang="pt-PT" sz="2520" b="1">
                 <a:solidFill>
                   <a:srgbClr val="CC0000"/>
                 </a:solidFill>
               </a:rPr>
               <a:t>Error “timestamp readings”</a:t>
             </a:r>
-            <a:endParaRPr b="1" sz="2520">
+            <a:endParaRPr sz="2520" b="1">
               <a:solidFill>
                 <a:srgbClr val="CC0000"/>
               </a:solidFill>
@@ -9342,9 +9433,11 @@
       <p:sp>
         <p:nvSpPr>
           <p:cNvPr id="114" name="Google Shape;114;p20"/>
-          <p:cNvSpPr txBox="1"/>
+          <p:cNvSpPr txBox="1">
+            <a:spLocks noGrp="1"/>
+          </p:cNvSpPr>
           <p:nvPr>
-            <p:ph idx="1" type="subTitle"/>
+            <p:ph type="subTitle" idx="1"/>
           </p:nvPr>
         </p:nvSpPr>
         <p:spPr>
@@ -9357,12 +9450,12 @@
           </a:prstGeom>
         </p:spPr>
         <p:txBody>
-          <a:bodyPr anchorCtr="0" anchor="t" bIns="91425" lIns="91425" spcFirstLastPara="1" rIns="91425" wrap="square" tIns="91425">
+          <a:bodyPr spcFirstLastPara="1" wrap="square" lIns="91425" tIns="91425" rIns="91425" bIns="91425" anchor="t" anchorCtr="0">
             <a:noAutofit/>
           </a:bodyPr>
           <a:lstStyle/>
           <a:p>
-            <a:pPr indent="0" lvl="0" marL="0" rtl="0" algn="just">
+            <a:pPr marL="0" lvl="0" indent="0" algn="just" rtl="0">
               <a:lnSpc>
                 <a:spcPct val="150000"/>
               </a:lnSpc>
@@ -9376,7 +9469,7 @@
               <a:buNone/>
             </a:pPr>
             <a:r>
-              <a:rPr b="1" lang="pt-PT" sz="1450">
+              <a:rPr lang="pt-PT" sz="1450" b="1">
                 <a:solidFill>
                   <a:srgbClr val="222529"/>
                 </a:solidFill>
@@ -9398,7 +9491,7 @@
             </a:endParaRPr>
           </a:p>
           <a:p>
-            <a:pPr indent="0" lvl="0" marL="0" rtl="0" algn="just">
+            <a:pPr marL="0" lvl="0" indent="0" algn="just" rtl="0">
               <a:lnSpc>
                 <a:spcPct val="150000"/>
               </a:lnSpc>
@@ -9411,9 +9504,6 @@
               <a:buSzPts val="1018"/>
               <a:buNone/>
             </a:pPr>
-            <a:r>
-              <a:t/>
-            </a:r>
             <a:endParaRPr sz="850">
               <a:solidFill>
                 <a:srgbClr val="222529"/>
@@ -9421,7 +9511,7 @@
             </a:endParaRPr>
           </a:p>
           <a:p>
-            <a:pPr indent="0" lvl="0" marL="0" rtl="0" algn="just">
+            <a:pPr marL="0" lvl="0" indent="0" algn="just" rtl="0">
               <a:lnSpc>
                 <a:spcPct val="150000"/>
               </a:lnSpc>
@@ -9435,7 +9525,7 @@
               <a:buNone/>
             </a:pPr>
             <a:r>
-              <a:rPr b="1" lang="pt-PT" sz="1450">
+              <a:rPr lang="pt-PT" sz="1450" b="1">
                 <a:solidFill>
                   <a:srgbClr val="222529"/>
                 </a:solidFill>
@@ -9457,7 +9547,7 @@
             </a:endParaRPr>
           </a:p>
           <a:p>
-            <a:pPr indent="0" lvl="0" marL="0" rtl="0" algn="just">
+            <a:pPr marL="0" lvl="0" indent="0" algn="just" rtl="0">
               <a:lnSpc>
                 <a:spcPct val="150000"/>
               </a:lnSpc>
@@ -9470,9 +9560,6 @@
               <a:buSzPts val="1018"/>
               <a:buNone/>
             </a:pPr>
-            <a:r>
-              <a:t/>
-            </a:r>
             <a:endParaRPr sz="850">
               <a:solidFill>
                 <a:srgbClr val="222529"/>
@@ -9480,7 +9567,7 @@
             </a:endParaRPr>
           </a:p>
           <a:p>
-            <a:pPr indent="0" lvl="0" marL="0" rtl="0" algn="just">
+            <a:pPr marL="0" lvl="0" indent="0" algn="just" rtl="0">
               <a:lnSpc>
                 <a:spcPct val="150000"/>
               </a:lnSpc>
@@ -9493,7 +9580,7 @@
               <a:buNone/>
             </a:pPr>
             <a:r>
-              <a:rPr b="1" lang="pt-PT" sz="1450">
+              <a:rPr lang="pt-PT" sz="1450" b="1">
                 <a:solidFill>
                   <a:srgbClr val="222529"/>
                 </a:solidFill>
@@ -9536,12 +9623,12 @@
           </a:ln>
         </p:spPr>
         <p:txBody>
-          <a:bodyPr anchorCtr="0" anchor="t" bIns="91425" lIns="91425" spcFirstLastPara="1" rIns="91425" wrap="square" tIns="91425">
+          <a:bodyPr spcFirstLastPara="1" wrap="square" lIns="91425" tIns="91425" rIns="91425" bIns="91425" anchor="t" anchorCtr="0">
             <a:noAutofit/>
           </a:bodyPr>
           <a:lstStyle/>
           <a:p>
-            <a:pPr indent="0" lvl="0" marL="0" rtl="0" algn="l">
+            <a:pPr marL="0" lvl="0" indent="0" algn="l" rtl="0">
               <a:lnSpc>
                 <a:spcPct val="150000"/>
               </a:lnSpc>
@@ -9576,7 +9663,7 @@
             </a:endParaRPr>
           </a:p>
           <a:p>
-            <a:pPr indent="0" lvl="0" marL="0" rtl="0" algn="l">
+            <a:pPr marL="0" lvl="0" indent="0" algn="l" rtl="0">
               <a:lnSpc>
                 <a:spcPct val="150000"/>
               </a:lnSpc>
@@ -9705,11 +9792,11 @@
 </file>
 
 <file path=ppt/slides/slide9.xml><?xml version="1.0" encoding="utf-8"?>
-<p:sld xmlns:a="http://schemas.openxmlformats.org/drawingml/2006/main" xmlns:r="http://schemas.openxmlformats.org/officeDocument/2006/relationships" xmlns:mc="http://schemas.openxmlformats.org/markup-compatibility/2006" xmlns:mv="urn:schemas-microsoft-com:mac:vml" xmlns:p="http://schemas.openxmlformats.org/presentationml/2006/main" xmlns:c="http://schemas.openxmlformats.org/drawingml/2006/chart" xmlns:dgm="http://schemas.openxmlformats.org/drawingml/2006/diagram" xmlns:o="urn:schemas-microsoft-com:office:office" xmlns:v="urn:schemas-microsoft-com:vml" xmlns:pvml="urn:schemas-microsoft-com:office:powerpoint" xmlns:com="http://schemas.openxmlformats.org/drawingml/2006/compatibility" xmlns:p14="http://schemas.microsoft.com/office/powerpoint/2010/main" xmlns:p15="http://schemas.microsoft.com/office/powerpoint/2012/main" xmlns:ahyp="http://schemas.microsoft.com/office/drawing/2018/hyperlinkcolor">
+<p:sld xmlns:a="http://schemas.openxmlformats.org/drawingml/2006/main" xmlns:r="http://schemas.openxmlformats.org/officeDocument/2006/relationships" xmlns:p="http://schemas.openxmlformats.org/presentationml/2006/main">
   <p:cSld>
     <p:spTree>
       <p:nvGrpSpPr>
-        <p:cNvPr id="122" name="Shape 122"/>
+        <p:cNvPr id="1" name="Shape 122"/>
         <p:cNvGrpSpPr/>
         <p:nvPr/>
       </p:nvGrpSpPr>
@@ -9724,7 +9811,9 @@
       <p:sp>
         <p:nvSpPr>
           <p:cNvPr id="123" name="Google Shape;123;p21"/>
-          <p:cNvSpPr txBox="1"/>
+          <p:cNvSpPr txBox="1">
+            <a:spLocks noGrp="1"/>
+          </p:cNvSpPr>
           <p:nvPr>
             <p:ph type="ctrTitle"/>
           </p:nvPr>
@@ -9739,12 +9828,12 @@
           </a:prstGeom>
         </p:spPr>
         <p:txBody>
-          <a:bodyPr anchorCtr="0" anchor="b" bIns="91425" lIns="91425" spcFirstLastPara="1" rIns="91425" wrap="square" tIns="91425">
+          <a:bodyPr spcFirstLastPara="1" wrap="square" lIns="91425" tIns="91425" rIns="91425" bIns="91425" anchor="b" anchorCtr="0">
             <a:noAutofit/>
           </a:bodyPr>
           <a:lstStyle/>
           <a:p>
-            <a:pPr indent="0" lvl="0" marL="0" rtl="0" algn="ctr">
+            <a:pPr marL="0" lvl="0" indent="0" algn="ctr" rtl="0">
               <a:spcBef>
                 <a:spcPts val="0"/>
               </a:spcBef>
@@ -9773,9 +9862,11 @@
       <p:sp>
         <p:nvSpPr>
           <p:cNvPr id="124" name="Google Shape;124;p21"/>
-          <p:cNvSpPr txBox="1"/>
+          <p:cNvSpPr txBox="1">
+            <a:spLocks noGrp="1"/>
+          </p:cNvSpPr>
           <p:nvPr>
-            <p:ph idx="1" type="subTitle"/>
+            <p:ph type="subTitle" idx="1"/>
           </p:nvPr>
         </p:nvSpPr>
         <p:spPr>
@@ -9788,12 +9879,12 @@
           </a:prstGeom>
         </p:spPr>
         <p:txBody>
-          <a:bodyPr anchorCtr="0" anchor="t" bIns="91425" lIns="91425" spcFirstLastPara="1" rIns="91425" wrap="square" tIns="91425">
+          <a:bodyPr spcFirstLastPara="1" wrap="square" lIns="91425" tIns="91425" rIns="91425" bIns="91425" anchor="t" anchorCtr="0">
             <a:normAutofit/>
           </a:bodyPr>
           <a:lstStyle/>
           <a:p>
-            <a:pPr indent="-317500" lvl="0" marL="457200" rtl="0" algn="just">
+            <a:pPr marL="457200" lvl="0" indent="-317500" algn="just" rtl="0">
               <a:lnSpc>
                 <a:spcPct val="150000"/>
               </a:lnSpc>
@@ -9807,21 +9898,13 @@
               <a:buChar char="-"/>
             </a:pPr>
             <a:r>
-              <a:rPr lang="pt-PT" sz="1400"/>
-              <a:t>From the results we obtained, we can see that there are </a:t>
+              <a:rPr lang="pt-PT" sz="1400" dirty="0"/>
+              <a:t>From the results we obtained, we can see that there are differences between test and group control.</a:t>
             </a:r>
-            <a:r>
-              <a:rPr lang="pt-PT" sz="1400"/>
-              <a:t>differences</a:t>
-            </a:r>
-            <a:r>
-              <a:rPr lang="pt-PT" sz="1400"/>
-              <a:t> between test and group control.</a:t>
-            </a:r>
-            <a:endParaRPr sz="1400"/>
-          </a:p>
-          <a:p>
-            <a:pPr indent="-317500" lvl="0" marL="457200" rtl="0" algn="just">
+            <a:endParaRPr sz="1400" dirty="0"/>
+          </a:p>
+          <a:p>
+            <a:pPr marL="457200" lvl="0" indent="-317500" algn="just" rtl="0">
               <a:lnSpc>
                 <a:spcPct val="150000"/>
               </a:lnSpc>
@@ -9835,21 +9918,13 @@
               <a:buChar char="-"/>
             </a:pPr>
             <a:r>
-              <a:rPr lang="pt-PT" sz="1400"/>
-              <a:t>For completion rate we verified that there is a </a:t>
+              <a:rPr lang="pt-PT" sz="1400" dirty="0"/>
+              <a:t>For completion rate we verified that there is a dependency between test and control group</a:t>
             </a:r>
-            <a:r>
-              <a:rPr lang="pt-PT" sz="1400"/>
-              <a:t>dependency</a:t>
-            </a:r>
-            <a:r>
-              <a:rPr lang="pt-PT" sz="1400"/>
-              <a:t> between test and control group</a:t>
-            </a:r>
-            <a:endParaRPr sz="1400"/>
-          </a:p>
-          <a:p>
-            <a:pPr indent="-317500" lvl="0" marL="457200" rtl="0" algn="just">
+            <a:endParaRPr sz="1400" dirty="0"/>
+          </a:p>
+          <a:p>
+            <a:pPr marL="457200" lvl="0" indent="-317500" algn="just" rtl="0">
               <a:lnSpc>
                 <a:spcPct val="150000"/>
               </a:lnSpc>
@@ -9863,13 +9938,13 @@
               <a:buChar char="-"/>
             </a:pPr>
             <a:r>
-              <a:rPr lang="pt-PT" sz="1400"/>
+              <a:rPr lang="pt-PT" sz="1400" dirty="0"/>
               <a:t>For timestamp error, test group have statistically better results than the control group.</a:t>
             </a:r>
-            <a:endParaRPr sz="1400"/>
-          </a:p>
-          <a:p>
-            <a:pPr indent="-317500" lvl="0" marL="457200" rtl="0" algn="just">
+            <a:endParaRPr sz="1400" dirty="0"/>
+          </a:p>
+          <a:p>
+            <a:pPr marL="457200" lvl="0" indent="-317500" algn="just" rtl="0">
               <a:lnSpc>
                 <a:spcPct val="150000"/>
               </a:lnSpc>
@@ -9883,13 +9958,13 @@
               <a:buChar char="-"/>
             </a:pPr>
             <a:r>
-              <a:rPr lang="pt-PT" sz="1400"/>
+              <a:rPr lang="pt-PT" sz="1400" dirty="0"/>
               <a:t>For time spent and return to start error, control group have statistically better results.</a:t>
             </a:r>
-            <a:endParaRPr sz="1400"/>
-          </a:p>
-          <a:p>
-            <a:pPr indent="-317500" lvl="0" marL="457200" rtl="0" algn="just">
+            <a:endParaRPr sz="1400" dirty="0"/>
+          </a:p>
+          <a:p>
+            <a:pPr marL="457200" lvl="0" indent="-317500" algn="just" rtl="0">
               <a:lnSpc>
                 <a:spcPct val="150000"/>
               </a:lnSpc>
@@ -9903,18 +9978,10 @@
               <a:buChar char="-"/>
             </a:pPr>
             <a:r>
-              <a:rPr lang="pt-PT" sz="1400"/>
-              <a:t>With this insights, the product needs to be improved and more data is necessary to evaluate the efficiency of the new </a:t>
+              <a:rPr lang="pt-PT" sz="1400" dirty="0"/>
+              <a:t>With this insights, the product needs to be improved and more data is necessary to evaluate the efficiency of the new product.</a:t>
             </a:r>
-            <a:r>
-              <a:rPr lang="pt-PT" sz="1400"/>
-              <a:t>product</a:t>
-            </a:r>
-            <a:r>
-              <a:rPr lang="pt-PT" sz="1400"/>
-              <a:t>.</a:t>
-            </a:r>
-            <a:endParaRPr sz="1400"/>
+            <a:endParaRPr sz="1400" dirty="0"/>
           </a:p>
         </p:txBody>
       </p:sp>
@@ -9927,7 +9994,288 @@
 </file>
 
 <file path=ppt/theme/theme1.xml><?xml version="1.0" encoding="utf-8"?>
-<a:theme xmlns:a="http://schemas.openxmlformats.org/drawingml/2006/main" xmlns:r="http://schemas.openxmlformats.org/officeDocument/2006/relationships">
+<a:theme xmlns:a="http://schemas.openxmlformats.org/drawingml/2006/main" name="Tropic">
+  <a:themeElements>
+    <a:clrScheme name="Tropic">
+      <a:dk1>
+        <a:srgbClr val="A1E8D9"/>
+      </a:dk1>
+      <a:lt1>
+        <a:srgbClr val="FFFFFF"/>
+      </a:lt1>
+      <a:dk2>
+        <a:srgbClr val="695D46"/>
+      </a:dk2>
+      <a:lt2>
+        <a:srgbClr val="B3A77D"/>
+      </a:lt2>
+      <a:accent1>
+        <a:srgbClr val="EF6C00"/>
+      </a:accent1>
+      <a:accent2>
+        <a:srgbClr val="CE93D8"/>
+      </a:accent2>
+      <a:accent3>
+        <a:srgbClr val="4DB6AC"/>
+      </a:accent3>
+      <a:accent4>
+        <a:srgbClr val="FF9800"/>
+      </a:accent4>
+      <a:accent5>
+        <a:srgbClr val="009668"/>
+      </a:accent5>
+      <a:accent6>
+        <a:srgbClr val="EEFF41"/>
+      </a:accent6>
+      <a:hlink>
+        <a:srgbClr val="009668"/>
+      </a:hlink>
+      <a:folHlink>
+        <a:srgbClr val="009668"/>
+      </a:folHlink>
+    </a:clrScheme>
+    <a:fontScheme name="Office">
+      <a:majorFont>
+        <a:latin typeface="Arial"/>
+        <a:ea typeface=""/>
+        <a:cs typeface=""/>
+        <a:font script="Jpan" typeface="ＭＳ Ｐゴシック"/>
+        <a:font script="Hang" typeface="맑은 고딕"/>
+        <a:font script="Hans" typeface="宋体"/>
+        <a:font script="Hant" typeface="新細明體"/>
+        <a:font script="Arab" typeface="Times New Roman"/>
+        <a:font script="Hebr" typeface="Times New Roman"/>
+        <a:font script="Thai" typeface="Angsana New"/>
+        <a:font script="Ethi" typeface="Nyala"/>
+        <a:font script="Beng" typeface="Vrinda"/>
+        <a:font script="Gujr" typeface="Shruti"/>
+        <a:font script="Khmr" typeface="MoolBoran"/>
+        <a:font script="Knda" typeface="Tunga"/>
+        <a:font script="Guru" typeface="Raavi"/>
+        <a:font script="Cans" typeface="Euphemia"/>
+        <a:font script="Cher" typeface="Plantagenet Cherokee"/>
+        <a:font script="Yiii" typeface="Microsoft Yi Baiti"/>
+        <a:font script="Tibt" typeface="Microsoft Himalaya"/>
+        <a:font script="Thaa" typeface="MV Boli"/>
+        <a:font script="Deva" typeface="Mangal"/>
+        <a:font script="Telu" typeface="Gautami"/>
+        <a:font script="Taml" typeface="Latha"/>
+        <a:font script="Syrc" typeface="Estrangelo Edessa"/>
+        <a:font script="Orya" typeface="Kalinga"/>
+        <a:font script="Mlym" typeface="Kartika"/>
+        <a:font script="Laoo" typeface="DokChampa"/>
+        <a:font script="Sinh" typeface="Iskoola Pota"/>
+        <a:font script="Mong" typeface="Mongolian Baiti"/>
+        <a:font script="Viet" typeface="Times New Roman"/>
+        <a:font script="Uigh" typeface="Microsoft Uighur"/>
+        <a:font script="Geor" typeface="Sylfaen"/>
+      </a:majorFont>
+      <a:minorFont>
+        <a:latin typeface="Arial"/>
+        <a:ea typeface=""/>
+        <a:cs typeface=""/>
+        <a:font script="Jpan" typeface="ＭＳ Ｐゴシック"/>
+        <a:font script="Hang" typeface="맑은 고딕"/>
+        <a:font script="Hans" typeface="宋体"/>
+        <a:font script="Hant" typeface="新細明體"/>
+        <a:font script="Arab" typeface="Arial"/>
+        <a:font script="Hebr" typeface="Arial"/>
+        <a:font script="Thai" typeface="Cordia New"/>
+        <a:font script="Ethi" typeface="Nyala"/>
+        <a:font script="Beng" typeface="Vrinda"/>
+        <a:font script="Gujr" typeface="Shruti"/>
+        <a:font script="Khmr" typeface="DaunPenh"/>
+        <a:font script="Knda" typeface="Tunga"/>
+        <a:font script="Guru" typeface="Raavi"/>
+        <a:font script="Cans" typeface="Euphemia"/>
+        <a:font script="Cher" typeface="Plantagenet Cherokee"/>
+        <a:font script="Yiii" typeface="Microsoft Yi Baiti"/>
+        <a:font script="Tibt" typeface="Microsoft Himalaya"/>
+        <a:font script="Thaa" typeface="MV Boli"/>
+        <a:font script="Deva" typeface="Mangal"/>
+        <a:font script="Telu" typeface="Gautami"/>
+        <a:font script="Taml" typeface="Latha"/>
+        <a:font script="Syrc" typeface="Estrangelo Edessa"/>
+        <a:font script="Orya" typeface="Kalinga"/>
+        <a:font script="Mlym" typeface="Kartika"/>
+        <a:font script="Laoo" typeface="DokChampa"/>
+        <a:font script="Sinh" typeface="Iskoola Pota"/>
+        <a:font script="Mong" typeface="Mongolian Baiti"/>
+        <a:font script="Viet" typeface="Arial"/>
+        <a:font script="Uigh" typeface="Microsoft Uighur"/>
+        <a:font script="Geor" typeface="Sylfaen"/>
+      </a:minorFont>
+    </a:fontScheme>
+    <a:fmtScheme name="Office">
+      <a:fillStyleLst>
+        <a:solidFill>
+          <a:schemeClr val="phClr"/>
+        </a:solidFill>
+        <a:gradFill rotWithShape="1">
+          <a:gsLst>
+            <a:gs pos="0">
+              <a:schemeClr val="phClr">
+                <a:tint val="50000"/>
+                <a:satMod val="300000"/>
+              </a:schemeClr>
+            </a:gs>
+            <a:gs pos="35000">
+              <a:schemeClr val="phClr">
+                <a:tint val="37000"/>
+                <a:satMod val="300000"/>
+              </a:schemeClr>
+            </a:gs>
+            <a:gs pos="100000">
+              <a:schemeClr val="phClr">
+                <a:tint val="15000"/>
+                <a:satMod val="350000"/>
+              </a:schemeClr>
+            </a:gs>
+          </a:gsLst>
+          <a:lin ang="16200000" scaled="1"/>
+        </a:gradFill>
+        <a:gradFill rotWithShape="1">
+          <a:gsLst>
+            <a:gs pos="0">
+              <a:schemeClr val="phClr">
+                <a:tint val="100000"/>
+                <a:shade val="100000"/>
+                <a:satMod val="130000"/>
+              </a:schemeClr>
+            </a:gs>
+            <a:gs pos="100000">
+              <a:schemeClr val="phClr">
+                <a:tint val="50000"/>
+                <a:shade val="100000"/>
+                <a:satMod val="350000"/>
+              </a:schemeClr>
+            </a:gs>
+          </a:gsLst>
+          <a:lin ang="16200000" scaled="0"/>
+        </a:gradFill>
+      </a:fillStyleLst>
+      <a:lnStyleLst>
+        <a:ln w="9525" cap="flat" cmpd="sng" algn="ctr">
+          <a:solidFill>
+            <a:schemeClr val="phClr">
+              <a:shade val="95000"/>
+              <a:satMod val="105000"/>
+            </a:schemeClr>
+          </a:solidFill>
+          <a:prstDash val="solid"/>
+        </a:ln>
+        <a:ln w="25400" cap="flat" cmpd="sng" algn="ctr">
+          <a:solidFill>
+            <a:schemeClr val="phClr"/>
+          </a:solidFill>
+          <a:prstDash val="solid"/>
+        </a:ln>
+        <a:ln w="38100" cap="flat" cmpd="sng" algn="ctr">
+          <a:solidFill>
+            <a:schemeClr val="phClr"/>
+          </a:solidFill>
+          <a:prstDash val="solid"/>
+        </a:ln>
+      </a:lnStyleLst>
+      <a:effectStyleLst>
+        <a:effectStyle>
+          <a:effectLst>
+            <a:outerShdw blurRad="40000" dist="20000" dir="5400000" rotWithShape="0">
+              <a:srgbClr val="000000">
+                <a:alpha val="38000"/>
+              </a:srgbClr>
+            </a:outerShdw>
+          </a:effectLst>
+        </a:effectStyle>
+        <a:effectStyle>
+          <a:effectLst>
+            <a:outerShdw blurRad="40000" dist="23000" dir="5400000" rotWithShape="0">
+              <a:srgbClr val="000000">
+                <a:alpha val="35000"/>
+              </a:srgbClr>
+            </a:outerShdw>
+          </a:effectLst>
+        </a:effectStyle>
+        <a:effectStyle>
+          <a:effectLst>
+            <a:outerShdw blurRad="40000" dist="23000" dir="5400000" rotWithShape="0">
+              <a:srgbClr val="000000">
+                <a:alpha val="35000"/>
+              </a:srgbClr>
+            </a:outerShdw>
+          </a:effectLst>
+          <a:scene3d>
+            <a:camera prst="orthographicFront">
+              <a:rot lat="0" lon="0" rev="0"/>
+            </a:camera>
+            <a:lightRig rig="threePt" dir="t">
+              <a:rot lat="0" lon="0" rev="1200000"/>
+            </a:lightRig>
+          </a:scene3d>
+          <a:sp3d>
+            <a:bevelT w="63500" h="25400"/>
+          </a:sp3d>
+        </a:effectStyle>
+      </a:effectStyleLst>
+      <a:bgFillStyleLst>
+        <a:solidFill>
+          <a:schemeClr val="phClr"/>
+        </a:solidFill>
+        <a:gradFill rotWithShape="1">
+          <a:gsLst>
+            <a:gs pos="0">
+              <a:schemeClr val="phClr">
+                <a:tint val="40000"/>
+                <a:satMod val="350000"/>
+              </a:schemeClr>
+            </a:gs>
+            <a:gs pos="40000">
+              <a:schemeClr val="phClr">
+                <a:tint val="45000"/>
+                <a:shade val="99000"/>
+                <a:satMod val="350000"/>
+              </a:schemeClr>
+            </a:gs>
+            <a:gs pos="100000">
+              <a:schemeClr val="phClr">
+                <a:shade val="20000"/>
+                <a:satMod val="255000"/>
+              </a:schemeClr>
+            </a:gs>
+          </a:gsLst>
+          <a:path path="circle">
+            <a:fillToRect l="50000" t="-80000" r="50000" b="180000"/>
+          </a:path>
+        </a:gradFill>
+        <a:gradFill rotWithShape="1">
+          <a:gsLst>
+            <a:gs pos="0">
+              <a:schemeClr val="phClr">
+                <a:tint val="80000"/>
+                <a:satMod val="300000"/>
+              </a:schemeClr>
+            </a:gs>
+            <a:gs pos="100000">
+              <a:schemeClr val="phClr">
+                <a:shade val="30000"/>
+                <a:satMod val="200000"/>
+              </a:schemeClr>
+            </a:gs>
+          </a:gsLst>
+          <a:path path="circle">
+            <a:fillToRect l="50000" t="50000" r="50000" b="50000"/>
+          </a:path>
+        </a:gradFill>
+      </a:bgFillStyleLst>
+    </a:fmtScheme>
+  </a:themeElements>
+  <a:objectDefaults/>
+  <a:extraClrSchemeLst/>
+</a:theme>
+</file>
+
+<file path=ppt/theme/theme2.xml><?xml version="1.0" encoding="utf-8"?>
+<a:theme xmlns:a="http://schemas.openxmlformats.org/drawingml/2006/main">
   <a:themeElements>
     <a:clrScheme name="Default">
       <a:dk1>
@@ -10202,284 +10550,7 @@
       </a:bgFillStyleLst>
     </a:fmtScheme>
   </a:themeElements>
-</a:theme>
-</file>
-
-<file path=ppt/theme/theme2.xml><?xml version="1.0" encoding="utf-8"?>
-<a:theme xmlns:a="http://schemas.openxmlformats.org/drawingml/2006/main" xmlns:r="http://schemas.openxmlformats.org/officeDocument/2006/relationships" name="Tropic">
-  <a:themeElements>
-    <a:clrScheme name="Tropic">
-      <a:dk1>
-        <a:srgbClr val="A1E8D9"/>
-      </a:dk1>
-      <a:lt1>
-        <a:srgbClr val="FFFFFF"/>
-      </a:lt1>
-      <a:dk2>
-        <a:srgbClr val="695D46"/>
-      </a:dk2>
-      <a:lt2>
-        <a:srgbClr val="B3A77D"/>
-      </a:lt2>
-      <a:accent1>
-        <a:srgbClr val="EF6C00"/>
-      </a:accent1>
-      <a:accent2>
-        <a:srgbClr val="CE93D8"/>
-      </a:accent2>
-      <a:accent3>
-        <a:srgbClr val="4DB6AC"/>
-      </a:accent3>
-      <a:accent4>
-        <a:srgbClr val="FF9800"/>
-      </a:accent4>
-      <a:accent5>
-        <a:srgbClr val="009668"/>
-      </a:accent5>
-      <a:accent6>
-        <a:srgbClr val="EEFF41"/>
-      </a:accent6>
-      <a:hlink>
-        <a:srgbClr val="009668"/>
-      </a:hlink>
-      <a:folHlink>
-        <a:srgbClr val="009668"/>
-      </a:folHlink>
-    </a:clrScheme>
-    <a:fontScheme name="Office">
-      <a:majorFont>
-        <a:latin typeface="Arial"/>
-        <a:ea typeface=""/>
-        <a:cs typeface=""/>
-        <a:font script="Jpan" typeface="ＭＳ Ｐゴシック"/>
-        <a:font script="Hang" typeface="맑은 고딕"/>
-        <a:font script="Hans" typeface="宋体"/>
-        <a:font script="Hant" typeface="新細明體"/>
-        <a:font script="Arab" typeface="Times New Roman"/>
-        <a:font script="Hebr" typeface="Times New Roman"/>
-        <a:font script="Thai" typeface="Angsana New"/>
-        <a:font script="Ethi" typeface="Nyala"/>
-        <a:font script="Beng" typeface="Vrinda"/>
-        <a:font script="Gujr" typeface="Shruti"/>
-        <a:font script="Khmr" typeface="MoolBoran"/>
-        <a:font script="Knda" typeface="Tunga"/>
-        <a:font script="Guru" typeface="Raavi"/>
-        <a:font script="Cans" typeface="Euphemia"/>
-        <a:font script="Cher" typeface="Plantagenet Cherokee"/>
-        <a:font script="Yiii" typeface="Microsoft Yi Baiti"/>
-        <a:font script="Tibt" typeface="Microsoft Himalaya"/>
-        <a:font script="Thaa" typeface="MV Boli"/>
-        <a:font script="Deva" typeface="Mangal"/>
-        <a:font script="Telu" typeface="Gautami"/>
-        <a:font script="Taml" typeface="Latha"/>
-        <a:font script="Syrc" typeface="Estrangelo Edessa"/>
-        <a:font script="Orya" typeface="Kalinga"/>
-        <a:font script="Mlym" typeface="Kartika"/>
-        <a:font script="Laoo" typeface="DokChampa"/>
-        <a:font script="Sinh" typeface="Iskoola Pota"/>
-        <a:font script="Mong" typeface="Mongolian Baiti"/>
-        <a:font script="Viet" typeface="Times New Roman"/>
-        <a:font script="Uigh" typeface="Microsoft Uighur"/>
-        <a:font script="Geor" typeface="Sylfaen"/>
-      </a:majorFont>
-      <a:minorFont>
-        <a:latin typeface="Arial"/>
-        <a:ea typeface=""/>
-        <a:cs typeface=""/>
-        <a:font script="Jpan" typeface="ＭＳ Ｐゴシック"/>
-        <a:font script="Hang" typeface="맑은 고딕"/>
-        <a:font script="Hans" typeface="宋体"/>
-        <a:font script="Hant" typeface="新細明體"/>
-        <a:font script="Arab" typeface="Arial"/>
-        <a:font script="Hebr" typeface="Arial"/>
-        <a:font script="Thai" typeface="Cordia New"/>
-        <a:font script="Ethi" typeface="Nyala"/>
-        <a:font script="Beng" typeface="Vrinda"/>
-        <a:font script="Gujr" typeface="Shruti"/>
-        <a:font script="Khmr" typeface="DaunPenh"/>
-        <a:font script="Knda" typeface="Tunga"/>
-        <a:font script="Guru" typeface="Raavi"/>
-        <a:font script="Cans" typeface="Euphemia"/>
-        <a:font script="Cher" typeface="Plantagenet Cherokee"/>
-        <a:font script="Yiii" typeface="Microsoft Yi Baiti"/>
-        <a:font script="Tibt" typeface="Microsoft Himalaya"/>
-        <a:font script="Thaa" typeface="MV Boli"/>
-        <a:font script="Deva" typeface="Mangal"/>
-        <a:font script="Telu" typeface="Gautami"/>
-        <a:font script="Taml" typeface="Latha"/>
-        <a:font script="Syrc" typeface="Estrangelo Edessa"/>
-        <a:font script="Orya" typeface="Kalinga"/>
-        <a:font script="Mlym" typeface="Kartika"/>
-        <a:font script="Laoo" typeface="DokChampa"/>
-        <a:font script="Sinh" typeface="Iskoola Pota"/>
-        <a:font script="Mong" typeface="Mongolian Baiti"/>
-        <a:font script="Viet" typeface="Arial"/>
-        <a:font script="Uigh" typeface="Microsoft Uighur"/>
-        <a:font script="Geor" typeface="Sylfaen"/>
-      </a:minorFont>
-    </a:fontScheme>
-    <a:fmtScheme name="Office">
-      <a:fillStyleLst>
-        <a:solidFill>
-          <a:schemeClr val="phClr"/>
-        </a:solidFill>
-        <a:gradFill rotWithShape="1">
-          <a:gsLst>
-            <a:gs pos="0">
-              <a:schemeClr val="phClr">
-                <a:tint val="50000"/>
-                <a:satMod val="300000"/>
-              </a:schemeClr>
-            </a:gs>
-            <a:gs pos="35000">
-              <a:schemeClr val="phClr">
-                <a:tint val="37000"/>
-                <a:satMod val="300000"/>
-              </a:schemeClr>
-            </a:gs>
-            <a:gs pos="100000">
-              <a:schemeClr val="phClr">
-                <a:tint val="15000"/>
-                <a:satMod val="350000"/>
-              </a:schemeClr>
-            </a:gs>
-          </a:gsLst>
-          <a:lin ang="16200000" scaled="1"/>
-        </a:gradFill>
-        <a:gradFill rotWithShape="1">
-          <a:gsLst>
-            <a:gs pos="0">
-              <a:schemeClr val="phClr">
-                <a:tint val="100000"/>
-                <a:shade val="100000"/>
-                <a:satMod val="130000"/>
-              </a:schemeClr>
-            </a:gs>
-            <a:gs pos="100000">
-              <a:schemeClr val="phClr">
-                <a:tint val="50000"/>
-                <a:shade val="100000"/>
-                <a:satMod val="350000"/>
-              </a:schemeClr>
-            </a:gs>
-          </a:gsLst>
-          <a:lin ang="16200000" scaled="0"/>
-        </a:gradFill>
-      </a:fillStyleLst>
-      <a:lnStyleLst>
-        <a:ln w="9525" cap="flat" cmpd="sng" algn="ctr">
-          <a:solidFill>
-            <a:schemeClr val="phClr">
-              <a:shade val="95000"/>
-              <a:satMod val="105000"/>
-            </a:schemeClr>
-          </a:solidFill>
-          <a:prstDash val="solid"/>
-        </a:ln>
-        <a:ln w="25400" cap="flat" cmpd="sng" algn="ctr">
-          <a:solidFill>
-            <a:schemeClr val="phClr"/>
-          </a:solidFill>
-          <a:prstDash val="solid"/>
-        </a:ln>
-        <a:ln w="38100" cap="flat" cmpd="sng" algn="ctr">
-          <a:solidFill>
-            <a:schemeClr val="phClr"/>
-          </a:solidFill>
-          <a:prstDash val="solid"/>
-        </a:ln>
-      </a:lnStyleLst>
-      <a:effectStyleLst>
-        <a:effectStyle>
-          <a:effectLst>
-            <a:outerShdw blurRad="40000" dist="20000" dir="5400000" rotWithShape="0">
-              <a:srgbClr val="000000">
-                <a:alpha val="38000"/>
-              </a:srgbClr>
-            </a:outerShdw>
-          </a:effectLst>
-        </a:effectStyle>
-        <a:effectStyle>
-          <a:effectLst>
-            <a:outerShdw blurRad="40000" dist="23000" dir="5400000" rotWithShape="0">
-              <a:srgbClr val="000000">
-                <a:alpha val="35000"/>
-              </a:srgbClr>
-            </a:outerShdw>
-          </a:effectLst>
-        </a:effectStyle>
-        <a:effectStyle>
-          <a:effectLst>
-            <a:outerShdw blurRad="40000" dist="23000" dir="5400000" rotWithShape="0">
-              <a:srgbClr val="000000">
-                <a:alpha val="35000"/>
-              </a:srgbClr>
-            </a:outerShdw>
-          </a:effectLst>
-          <a:scene3d>
-            <a:camera prst="orthographicFront">
-              <a:rot lat="0" lon="0" rev="0"/>
-            </a:camera>
-            <a:lightRig rig="threePt" dir="t">
-              <a:rot lat="0" lon="0" rev="1200000"/>
-            </a:lightRig>
-          </a:scene3d>
-          <a:sp3d>
-            <a:bevelT w="63500" h="25400"/>
-          </a:sp3d>
-        </a:effectStyle>
-      </a:effectStyleLst>
-      <a:bgFillStyleLst>
-        <a:solidFill>
-          <a:schemeClr val="phClr"/>
-        </a:solidFill>
-        <a:gradFill rotWithShape="1">
-          <a:gsLst>
-            <a:gs pos="0">
-              <a:schemeClr val="phClr">
-                <a:tint val="40000"/>
-                <a:satMod val="350000"/>
-              </a:schemeClr>
-            </a:gs>
-            <a:gs pos="40000">
-              <a:schemeClr val="phClr">
-                <a:tint val="45000"/>
-                <a:shade val="99000"/>
-                <a:satMod val="350000"/>
-              </a:schemeClr>
-            </a:gs>
-            <a:gs pos="100000">
-              <a:schemeClr val="phClr">
-                <a:shade val="20000"/>
-                <a:satMod val="255000"/>
-              </a:schemeClr>
-            </a:gs>
-          </a:gsLst>
-          <a:path path="circle">
-            <a:fillToRect l="50000" t="-80000" r="50000" b="180000"/>
-          </a:path>
-        </a:gradFill>
-        <a:gradFill rotWithShape="1">
-          <a:gsLst>
-            <a:gs pos="0">
-              <a:schemeClr val="phClr">
-                <a:tint val="80000"/>
-                <a:satMod val="300000"/>
-              </a:schemeClr>
-            </a:gs>
-            <a:gs pos="100000">
-              <a:schemeClr val="phClr">
-                <a:shade val="30000"/>
-                <a:satMod val="200000"/>
-              </a:schemeClr>
-            </a:gs>
-          </a:gsLst>
-          <a:path path="circle">
-            <a:fillToRect l="50000" t="50000" r="50000" b="50000"/>
-          </a:path>
-        </a:gradFill>
-      </a:bgFillStyleLst>
-    </a:fmtScheme>
-  </a:themeElements>
+  <a:objectDefaults/>
+  <a:extraClrSchemeLst/>
 </a:theme>
 </file>